--- a/ConsulenzaLegale/res/logo.pptx
+++ b/ConsulenzaLegale/res/logo.pptx
@@ -5,10 +5,12 @@
     <p:sldMasterId id="2147483648" r:id="rId1"/>
   </p:sldMasterIdLst>
   <p:sldIdLst>
-    <p:sldId id="256" r:id="rId2"/>
+    <p:sldId id="262" r:id="rId2"/>
     <p:sldId id="257" r:id="rId3"/>
-    <p:sldId id="258" r:id="rId4"/>
-    <p:sldId id="259" r:id="rId5"/>
+    <p:sldId id="261" r:id="rId4"/>
+    <p:sldId id="260" r:id="rId5"/>
+    <p:sldId id="258" r:id="rId6"/>
+    <p:sldId id="259" r:id="rId7"/>
   </p:sldIdLst>
   <p:sldSz cx="9144000" cy="6858000" type="screen4x3"/>
   <p:notesSz cx="6858000" cy="9144000"/>
@@ -291,7 +293,7 @@
           <a:p>
             <a:fld id="{05BF656D-9183-4C9C-AEA2-F0357128171C}" type="datetimeFigureOut">
               <a:rPr lang="it-IT" smtClean="0"/>
-              <a:t>16/05/2016</a:t>
+              <a:t>19/05/2016</a:t>
             </a:fld>
             <a:endParaRPr lang="it-IT"/>
           </a:p>
@@ -461,7 +463,7 @@
           <a:p>
             <a:fld id="{05BF656D-9183-4C9C-AEA2-F0357128171C}" type="datetimeFigureOut">
               <a:rPr lang="it-IT" smtClean="0"/>
-              <a:t>16/05/2016</a:t>
+              <a:t>19/05/2016</a:t>
             </a:fld>
             <a:endParaRPr lang="it-IT"/>
           </a:p>
@@ -641,7 +643,7 @@
           <a:p>
             <a:fld id="{05BF656D-9183-4C9C-AEA2-F0357128171C}" type="datetimeFigureOut">
               <a:rPr lang="it-IT" smtClean="0"/>
-              <a:t>16/05/2016</a:t>
+              <a:t>19/05/2016</a:t>
             </a:fld>
             <a:endParaRPr lang="it-IT"/>
           </a:p>
@@ -811,7 +813,7 @@
           <a:p>
             <a:fld id="{05BF656D-9183-4C9C-AEA2-F0357128171C}" type="datetimeFigureOut">
               <a:rPr lang="it-IT" smtClean="0"/>
-              <a:t>16/05/2016</a:t>
+              <a:t>19/05/2016</a:t>
             </a:fld>
             <a:endParaRPr lang="it-IT"/>
           </a:p>
@@ -1057,7 +1059,7 @@
           <a:p>
             <a:fld id="{05BF656D-9183-4C9C-AEA2-F0357128171C}" type="datetimeFigureOut">
               <a:rPr lang="it-IT" smtClean="0"/>
-              <a:t>16/05/2016</a:t>
+              <a:t>19/05/2016</a:t>
             </a:fld>
             <a:endParaRPr lang="it-IT"/>
           </a:p>
@@ -1345,7 +1347,7 @@
           <a:p>
             <a:fld id="{05BF656D-9183-4C9C-AEA2-F0357128171C}" type="datetimeFigureOut">
               <a:rPr lang="it-IT" smtClean="0"/>
-              <a:t>16/05/2016</a:t>
+              <a:t>19/05/2016</a:t>
             </a:fld>
             <a:endParaRPr lang="it-IT"/>
           </a:p>
@@ -1767,7 +1769,7 @@
           <a:p>
             <a:fld id="{05BF656D-9183-4C9C-AEA2-F0357128171C}" type="datetimeFigureOut">
               <a:rPr lang="it-IT" smtClean="0"/>
-              <a:t>16/05/2016</a:t>
+              <a:t>19/05/2016</a:t>
             </a:fld>
             <a:endParaRPr lang="it-IT"/>
           </a:p>
@@ -1885,7 +1887,7 @@
           <a:p>
             <a:fld id="{05BF656D-9183-4C9C-AEA2-F0357128171C}" type="datetimeFigureOut">
               <a:rPr lang="it-IT" smtClean="0"/>
-              <a:t>16/05/2016</a:t>
+              <a:t>19/05/2016</a:t>
             </a:fld>
             <a:endParaRPr lang="it-IT"/>
           </a:p>
@@ -1980,7 +1982,7 @@
           <a:p>
             <a:fld id="{05BF656D-9183-4C9C-AEA2-F0357128171C}" type="datetimeFigureOut">
               <a:rPr lang="it-IT" smtClean="0"/>
-              <a:t>16/05/2016</a:t>
+              <a:t>19/05/2016</a:t>
             </a:fld>
             <a:endParaRPr lang="it-IT"/>
           </a:p>
@@ -2257,7 +2259,7 @@
           <a:p>
             <a:fld id="{05BF656D-9183-4C9C-AEA2-F0357128171C}" type="datetimeFigureOut">
               <a:rPr lang="it-IT" smtClean="0"/>
-              <a:t>16/05/2016</a:t>
+              <a:t>19/05/2016</a:t>
             </a:fld>
             <a:endParaRPr lang="it-IT"/>
           </a:p>
@@ -2510,7 +2512,7 @@
           <a:p>
             <a:fld id="{05BF656D-9183-4C9C-AEA2-F0357128171C}" type="datetimeFigureOut">
               <a:rPr lang="it-IT" smtClean="0"/>
-              <a:t>16/05/2016</a:t>
+              <a:t>19/05/2016</a:t>
             </a:fld>
             <a:endParaRPr lang="it-IT"/>
           </a:p>
@@ -2723,7 +2725,7 @@
           <a:p>
             <a:fld id="{05BF656D-9183-4C9C-AEA2-F0357128171C}" type="datetimeFigureOut">
               <a:rPr lang="it-IT" smtClean="0"/>
-              <a:t>16/05/2016</a:t>
+              <a:t>19/05/2016</a:t>
             </a:fld>
             <a:endParaRPr lang="it-IT"/>
           </a:p>
@@ -3100,7 +3102,7 @@
       </p:grpSpPr>
       <p:pic>
         <p:nvPicPr>
-          <p:cNvPr id="1026" name="Picture 2" descr="https://cdn0.iconfinder.com/data/icons/money-2/512/YPS__Money_bank_B-512.png"/>
+          <p:cNvPr id="34" name="Picture 2" descr="https://cdn0.iconfinder.com/data/icons/money-2/512/YPS__Money_bank_B-512.png"/>
           <p:cNvPicPr>
             <a:picLocks noChangeAspect="1" noChangeArrowheads="1"/>
           </p:cNvPicPr>
@@ -3121,6 +3123,15 @@
               </a:clrTo>
             </a:clrChange>
             <a:extLst>
+              <a:ext uri="{BEBA8EAE-BF5A-486C-A8C5-ECC9F3942E4B}">
+                <a14:imgProps xmlns:a14="http://schemas.microsoft.com/office/drawing/2010/main">
+                  <a14:imgLayer r:embed="rId3">
+                    <a14:imgEffect>
+                      <a14:colorTemperature colorTemp="7125"/>
+                    </a14:imgEffect>
+                  </a14:imgLayer>
+                </a14:imgProps>
+              </a:ext>
               <a:ext uri="{28A0092B-C50C-407E-A947-70E740481C1C}">
                 <a14:useLocalDpi xmlns:a14="http://schemas.microsoft.com/office/drawing/2010/main" val="0"/>
               </a:ext>
@@ -3131,8 +3142,8 @@
         </p:blipFill>
         <p:spPr bwMode="auto">
           <a:xfrm>
-            <a:off x="1339485" y="210923"/>
-            <a:ext cx="5976664" cy="4368303"/>
+            <a:off x="1162224" y="-243408"/>
+            <a:ext cx="6156000" cy="4246570"/>
           </a:xfrm>
           <a:prstGeom prst="rect">
             <a:avLst/>
@@ -3807,7 +3818,7 @@
     </p:spTree>
     <p:extLst>
       <p:ext uri="{BB962C8B-B14F-4D97-AF65-F5344CB8AC3E}">
-        <p14:creationId xmlns:p14="http://schemas.microsoft.com/office/powerpoint/2010/main" val="809683092"/>
+        <p14:creationId xmlns:p14="http://schemas.microsoft.com/office/powerpoint/2010/main" val="4054696202"/>
       </p:ext>
     </p:extLst>
   </p:cSld>
@@ -3856,7 +3867,804 @@
                 </a:srgbClr>
               </a:clrTo>
             </a:clrChange>
+            <a:duotone>
+              <a:schemeClr val="accent2">
+                <a:shade val="45000"/>
+                <a:satMod val="135000"/>
+              </a:schemeClr>
+              <a:prstClr val="white"/>
+            </a:duotone>
             <a:extLst>
+              <a:ext uri="{BEBA8EAE-BF5A-486C-A8C5-ECC9F3942E4B}">
+                <a14:imgProps xmlns:a14="http://schemas.microsoft.com/office/drawing/2010/main">
+                  <a14:imgLayer r:embed="rId3">
+                    <a14:imgEffect>
+                      <a14:colorTemperature colorTemp="7125"/>
+                    </a14:imgEffect>
+                    <a14:imgEffect>
+                      <a14:brightnessContrast contrast="11000"/>
+                    </a14:imgEffect>
+                  </a14:imgLayer>
+                </a14:imgProps>
+              </a:ext>
+              <a:ext uri="{28A0092B-C50C-407E-A947-70E740481C1C}">
+                <a14:useLocalDpi xmlns:a14="http://schemas.microsoft.com/office/drawing/2010/main" val="0"/>
+              </a:ext>
+            </a:extLst>
+          </a:blip>
+          <a:srcRect b="26910"/>
+          <a:stretch/>
+        </p:blipFill>
+        <p:spPr bwMode="auto">
+          <a:xfrm>
+            <a:off x="1162224" y="-296366"/>
+            <a:ext cx="6156000" cy="4246570"/>
+          </a:xfrm>
+          <a:prstGeom prst="rect">
+            <a:avLst/>
+          </a:prstGeom>
+          <a:noFill/>
+          <a:extLst>
+            <a:ext uri="{909E8E84-426E-40DD-AFC4-6F175D3DCCD1}">
+              <a14:hiddenFill xmlns:a14="http://schemas.microsoft.com/office/drawing/2010/main">
+                <a:solidFill>
+                  <a:srgbClr val="FFFFFF"/>
+                </a:solidFill>
+              </a14:hiddenFill>
+            </a:ext>
+          </a:extLst>
+        </p:spPr>
+      </p:pic>
+      <p:sp>
+        <p:nvSpPr>
+          <p:cNvPr id="4" name="Ovale 3"/>
+          <p:cNvSpPr/>
+          <p:nvPr/>
+        </p:nvSpPr>
+        <p:spPr>
+          <a:xfrm>
+            <a:off x="3923928" y="3933056"/>
+            <a:ext cx="576064" cy="576064"/>
+          </a:xfrm>
+          <a:prstGeom prst="ellipse">
+            <a:avLst/>
+          </a:prstGeom>
+          <a:solidFill>
+            <a:schemeClr val="bg2">
+              <a:lumMod val="50000"/>
+            </a:schemeClr>
+          </a:solidFill>
+          <a:ln w="57150">
+            <a:solidFill>
+              <a:schemeClr val="bg2">
+                <a:lumMod val="25000"/>
+              </a:schemeClr>
+            </a:solidFill>
+          </a:ln>
+        </p:spPr>
+        <p:style>
+          <a:lnRef idx="2">
+            <a:schemeClr val="accent1">
+              <a:shade val="50000"/>
+            </a:schemeClr>
+          </a:lnRef>
+          <a:fillRef idx="1">
+            <a:schemeClr val="accent1"/>
+          </a:fillRef>
+          <a:effectRef idx="0">
+            <a:schemeClr val="accent1"/>
+          </a:effectRef>
+          <a:fontRef idx="minor">
+            <a:schemeClr val="lt1"/>
+          </a:fontRef>
+        </p:style>
+        <p:txBody>
+          <a:bodyPr rtlCol="0" anchor="ctr"/>
+          <a:lstStyle/>
+          <a:p>
+            <a:pPr algn="ctr"/>
+            <a:endParaRPr lang="it-IT"/>
+          </a:p>
+        </p:txBody>
+      </p:sp>
+      <p:sp>
+        <p:nvSpPr>
+          <p:cNvPr id="8" name="Ovale 7"/>
+          <p:cNvSpPr/>
+          <p:nvPr/>
+        </p:nvSpPr>
+        <p:spPr>
+          <a:xfrm>
+            <a:off x="3950113" y="4003162"/>
+            <a:ext cx="523695" cy="576064"/>
+          </a:xfrm>
+          <a:prstGeom prst="ellipse">
+            <a:avLst/>
+          </a:prstGeom>
+          <a:solidFill>
+            <a:schemeClr val="bg2">
+              <a:lumMod val="50000"/>
+            </a:schemeClr>
+          </a:solidFill>
+          <a:ln w="57150">
+            <a:solidFill>
+              <a:schemeClr val="bg2">
+                <a:lumMod val="25000"/>
+              </a:schemeClr>
+            </a:solidFill>
+          </a:ln>
+        </p:spPr>
+        <p:style>
+          <a:lnRef idx="2">
+            <a:schemeClr val="accent1">
+              <a:shade val="50000"/>
+            </a:schemeClr>
+          </a:lnRef>
+          <a:fillRef idx="1">
+            <a:schemeClr val="accent1"/>
+          </a:fillRef>
+          <a:effectRef idx="0">
+            <a:schemeClr val="accent1"/>
+          </a:effectRef>
+          <a:fontRef idx="minor">
+            <a:schemeClr val="lt1"/>
+          </a:fontRef>
+        </p:style>
+        <p:txBody>
+          <a:bodyPr rtlCol="0" anchor="ctr"/>
+          <a:lstStyle/>
+          <a:p>
+            <a:pPr algn="ctr"/>
+            <a:endParaRPr lang="it-IT"/>
+          </a:p>
+        </p:txBody>
+      </p:sp>
+      <p:sp>
+        <p:nvSpPr>
+          <p:cNvPr id="9" name="Ovale 8"/>
+          <p:cNvSpPr/>
+          <p:nvPr/>
+        </p:nvSpPr>
+        <p:spPr>
+          <a:xfrm>
+            <a:off x="3995179" y="4069452"/>
+            <a:ext cx="432805" cy="576064"/>
+          </a:xfrm>
+          <a:prstGeom prst="ellipse">
+            <a:avLst/>
+          </a:prstGeom>
+          <a:solidFill>
+            <a:schemeClr val="bg2">
+              <a:lumMod val="50000"/>
+            </a:schemeClr>
+          </a:solidFill>
+          <a:ln w="57150">
+            <a:solidFill>
+              <a:schemeClr val="bg2">
+                <a:lumMod val="25000"/>
+              </a:schemeClr>
+            </a:solidFill>
+          </a:ln>
+        </p:spPr>
+        <p:style>
+          <a:lnRef idx="2">
+            <a:schemeClr val="accent1">
+              <a:shade val="50000"/>
+            </a:schemeClr>
+          </a:lnRef>
+          <a:fillRef idx="1">
+            <a:schemeClr val="accent1"/>
+          </a:fillRef>
+          <a:effectRef idx="0">
+            <a:schemeClr val="accent1"/>
+          </a:effectRef>
+          <a:fontRef idx="minor">
+            <a:schemeClr val="lt1"/>
+          </a:fontRef>
+        </p:style>
+        <p:txBody>
+          <a:bodyPr rtlCol="0" anchor="ctr"/>
+          <a:lstStyle/>
+          <a:p>
+            <a:pPr algn="ctr"/>
+            <a:endParaRPr lang="it-IT"/>
+          </a:p>
+        </p:txBody>
+      </p:sp>
+      <p:sp>
+        <p:nvSpPr>
+          <p:cNvPr id="21" name="Arco 20"/>
+          <p:cNvSpPr/>
+          <p:nvPr/>
+        </p:nvSpPr>
+        <p:spPr>
+          <a:xfrm rot="292693">
+            <a:off x="-576734" y="3062955"/>
+            <a:ext cx="4752009" cy="1144508"/>
+          </a:xfrm>
+          <a:prstGeom prst="arc">
+            <a:avLst>
+              <a:gd name="adj1" fmla="val 13649308"/>
+              <a:gd name="adj2" fmla="val 8702"/>
+            </a:avLst>
+          </a:prstGeom>
+          <a:solidFill>
+            <a:schemeClr val="bg2">
+              <a:lumMod val="50000"/>
+            </a:schemeClr>
+          </a:solidFill>
+          <a:ln w="57150">
+            <a:solidFill>
+              <a:schemeClr val="bg2">
+                <a:lumMod val="25000"/>
+              </a:schemeClr>
+            </a:solidFill>
+          </a:ln>
+        </p:spPr>
+        <p:style>
+          <a:lnRef idx="1">
+            <a:schemeClr val="accent1"/>
+          </a:lnRef>
+          <a:fillRef idx="0">
+            <a:schemeClr val="accent1"/>
+          </a:fillRef>
+          <a:effectRef idx="0">
+            <a:schemeClr val="accent1"/>
+          </a:effectRef>
+          <a:fontRef idx="minor">
+            <a:schemeClr val="tx1"/>
+          </a:fontRef>
+        </p:style>
+        <p:txBody>
+          <a:bodyPr rtlCol="0" anchor="ctr"/>
+          <a:lstStyle/>
+          <a:p>
+            <a:pPr algn="ctr"/>
+            <a:endParaRPr lang="it-IT"/>
+          </a:p>
+        </p:txBody>
+      </p:sp>
+      <p:sp>
+        <p:nvSpPr>
+          <p:cNvPr id="37" name="Arco 36"/>
+          <p:cNvSpPr/>
+          <p:nvPr/>
+        </p:nvSpPr>
+        <p:spPr>
+          <a:xfrm rot="292693">
+            <a:off x="-660631" y="3272338"/>
+            <a:ext cx="4752009" cy="998396"/>
+          </a:xfrm>
+          <a:prstGeom prst="arc">
+            <a:avLst>
+              <a:gd name="adj1" fmla="val 13703058"/>
+              <a:gd name="adj2" fmla="val 21464359"/>
+            </a:avLst>
+          </a:prstGeom>
+          <a:solidFill>
+            <a:schemeClr val="bg2">
+              <a:lumMod val="50000"/>
+            </a:schemeClr>
+          </a:solidFill>
+          <a:ln w="57150">
+            <a:solidFill>
+              <a:schemeClr val="bg2">
+                <a:lumMod val="25000"/>
+              </a:schemeClr>
+            </a:solidFill>
+          </a:ln>
+        </p:spPr>
+        <p:style>
+          <a:lnRef idx="1">
+            <a:schemeClr val="accent1"/>
+          </a:lnRef>
+          <a:fillRef idx="0">
+            <a:schemeClr val="accent1"/>
+          </a:fillRef>
+          <a:effectRef idx="0">
+            <a:schemeClr val="accent1"/>
+          </a:effectRef>
+          <a:fontRef idx="minor">
+            <a:schemeClr val="tx1"/>
+          </a:fontRef>
+        </p:style>
+        <p:txBody>
+          <a:bodyPr rtlCol="0" anchor="ctr"/>
+          <a:lstStyle/>
+          <a:p>
+            <a:pPr algn="ctr"/>
+            <a:endParaRPr lang="it-IT"/>
+          </a:p>
+        </p:txBody>
+      </p:sp>
+      <p:sp>
+        <p:nvSpPr>
+          <p:cNvPr id="38" name="Arco 37"/>
+          <p:cNvSpPr/>
+          <p:nvPr/>
+        </p:nvSpPr>
+        <p:spPr>
+          <a:xfrm rot="292693">
+            <a:off x="-755858" y="3470894"/>
+            <a:ext cx="4752009" cy="792088"/>
+          </a:xfrm>
+          <a:prstGeom prst="arc">
+            <a:avLst>
+              <a:gd name="adj1" fmla="val 13703058"/>
+              <a:gd name="adj2" fmla="val 21472270"/>
+            </a:avLst>
+          </a:prstGeom>
+          <a:solidFill>
+            <a:schemeClr val="bg2">
+              <a:lumMod val="50000"/>
+            </a:schemeClr>
+          </a:solidFill>
+          <a:ln w="57150">
+            <a:solidFill>
+              <a:schemeClr val="bg2">
+                <a:lumMod val="25000"/>
+              </a:schemeClr>
+            </a:solidFill>
+          </a:ln>
+        </p:spPr>
+        <p:style>
+          <a:lnRef idx="1">
+            <a:schemeClr val="accent1"/>
+          </a:lnRef>
+          <a:fillRef idx="0">
+            <a:schemeClr val="accent1"/>
+          </a:fillRef>
+          <a:effectRef idx="0">
+            <a:schemeClr val="accent1"/>
+          </a:effectRef>
+          <a:fontRef idx="minor">
+            <a:schemeClr val="tx1"/>
+          </a:fontRef>
+        </p:style>
+        <p:txBody>
+          <a:bodyPr rtlCol="0" anchor="ctr"/>
+          <a:lstStyle/>
+          <a:p>
+            <a:pPr algn="ctr"/>
+            <a:endParaRPr lang="it-IT"/>
+          </a:p>
+        </p:txBody>
+      </p:sp>
+      <p:sp>
+        <p:nvSpPr>
+          <p:cNvPr id="39" name="Arco 38"/>
+          <p:cNvSpPr/>
+          <p:nvPr/>
+        </p:nvSpPr>
+        <p:spPr>
+          <a:xfrm rot="292693">
+            <a:off x="-544850" y="3707816"/>
+            <a:ext cx="4752009" cy="792088"/>
+          </a:xfrm>
+          <a:prstGeom prst="arc">
+            <a:avLst>
+              <a:gd name="adj1" fmla="val 12844504"/>
+              <a:gd name="adj2" fmla="val 21258290"/>
+            </a:avLst>
+          </a:prstGeom>
+          <a:solidFill>
+            <a:schemeClr val="bg2">
+              <a:lumMod val="50000"/>
+            </a:schemeClr>
+          </a:solidFill>
+          <a:ln w="57150">
+            <a:solidFill>
+              <a:schemeClr val="bg2">
+                <a:lumMod val="25000"/>
+              </a:schemeClr>
+            </a:solidFill>
+          </a:ln>
+        </p:spPr>
+        <p:style>
+          <a:lnRef idx="1">
+            <a:schemeClr val="accent1"/>
+          </a:lnRef>
+          <a:fillRef idx="0">
+            <a:schemeClr val="accent1"/>
+          </a:fillRef>
+          <a:effectRef idx="0">
+            <a:schemeClr val="accent1"/>
+          </a:effectRef>
+          <a:fontRef idx="minor">
+            <a:schemeClr val="tx1"/>
+          </a:fontRef>
+        </p:style>
+        <p:txBody>
+          <a:bodyPr rtlCol="0" anchor="ctr"/>
+          <a:lstStyle/>
+          <a:p>
+            <a:pPr algn="ctr"/>
+            <a:endParaRPr lang="it-IT"/>
+          </a:p>
+        </p:txBody>
+      </p:sp>
+      <p:sp>
+        <p:nvSpPr>
+          <p:cNvPr id="40" name="Rettangolo arrotondato 39"/>
+          <p:cNvSpPr/>
+          <p:nvPr/>
+        </p:nvSpPr>
+        <p:spPr>
+          <a:xfrm rot="388090" flipH="1">
+            <a:off x="1240560" y="4015080"/>
+            <a:ext cx="2808312" cy="216024"/>
+          </a:xfrm>
+          <a:prstGeom prst="roundRect">
+            <a:avLst>
+              <a:gd name="adj" fmla="val 50000"/>
+            </a:avLst>
+          </a:prstGeom>
+          <a:solidFill>
+            <a:schemeClr val="bg2">
+              <a:lumMod val="50000"/>
+            </a:schemeClr>
+          </a:solidFill>
+          <a:ln w="57150">
+            <a:solidFill>
+              <a:schemeClr val="bg2">
+                <a:lumMod val="25000"/>
+              </a:schemeClr>
+            </a:solidFill>
+          </a:ln>
+        </p:spPr>
+        <p:style>
+          <a:lnRef idx="2">
+            <a:schemeClr val="accent1">
+              <a:shade val="50000"/>
+            </a:schemeClr>
+          </a:lnRef>
+          <a:fillRef idx="1">
+            <a:schemeClr val="accent1"/>
+          </a:fillRef>
+          <a:effectRef idx="0">
+            <a:schemeClr val="accent1"/>
+          </a:effectRef>
+          <a:fontRef idx="minor">
+            <a:schemeClr val="lt1"/>
+          </a:fontRef>
+        </p:style>
+        <p:txBody>
+          <a:bodyPr rtlCol="0" anchor="ctr"/>
+          <a:lstStyle/>
+          <a:p>
+            <a:pPr algn="ctr"/>
+            <a:endParaRPr lang="it-IT"/>
+          </a:p>
+        </p:txBody>
+      </p:sp>
+      <p:sp>
+        <p:nvSpPr>
+          <p:cNvPr id="41" name="Arco 40"/>
+          <p:cNvSpPr/>
+          <p:nvPr/>
+        </p:nvSpPr>
+        <p:spPr>
+          <a:xfrm rot="21307307" flipH="1">
+            <a:off x="4277765" y="3066416"/>
+            <a:ext cx="4752009" cy="1144508"/>
+          </a:xfrm>
+          <a:prstGeom prst="arc">
+            <a:avLst>
+              <a:gd name="adj1" fmla="val 13649308"/>
+              <a:gd name="adj2" fmla="val 8702"/>
+            </a:avLst>
+          </a:prstGeom>
+          <a:solidFill>
+            <a:schemeClr val="bg2">
+              <a:lumMod val="50000"/>
+            </a:schemeClr>
+          </a:solidFill>
+          <a:ln w="57150">
+            <a:solidFill>
+              <a:schemeClr val="bg2">
+                <a:lumMod val="25000"/>
+              </a:schemeClr>
+            </a:solidFill>
+          </a:ln>
+        </p:spPr>
+        <p:style>
+          <a:lnRef idx="1">
+            <a:schemeClr val="accent1"/>
+          </a:lnRef>
+          <a:fillRef idx="0">
+            <a:schemeClr val="accent1"/>
+          </a:fillRef>
+          <a:effectRef idx="0">
+            <a:schemeClr val="accent1"/>
+          </a:effectRef>
+          <a:fontRef idx="minor">
+            <a:schemeClr val="tx1"/>
+          </a:fontRef>
+        </p:style>
+        <p:txBody>
+          <a:bodyPr rtlCol="0" anchor="ctr"/>
+          <a:lstStyle/>
+          <a:p>
+            <a:pPr algn="ctr"/>
+            <a:endParaRPr lang="it-IT"/>
+          </a:p>
+        </p:txBody>
+      </p:sp>
+      <p:sp>
+        <p:nvSpPr>
+          <p:cNvPr id="42" name="Arco 41"/>
+          <p:cNvSpPr/>
+          <p:nvPr/>
+        </p:nvSpPr>
+        <p:spPr>
+          <a:xfrm rot="21307307" flipH="1">
+            <a:off x="4361662" y="3275800"/>
+            <a:ext cx="4752009" cy="998396"/>
+          </a:xfrm>
+          <a:prstGeom prst="arc">
+            <a:avLst>
+              <a:gd name="adj1" fmla="val 13703058"/>
+              <a:gd name="adj2" fmla="val 21464359"/>
+            </a:avLst>
+          </a:prstGeom>
+          <a:solidFill>
+            <a:schemeClr val="bg2">
+              <a:lumMod val="50000"/>
+            </a:schemeClr>
+          </a:solidFill>
+          <a:ln w="57150">
+            <a:solidFill>
+              <a:schemeClr val="bg2">
+                <a:lumMod val="25000"/>
+              </a:schemeClr>
+            </a:solidFill>
+          </a:ln>
+        </p:spPr>
+        <p:style>
+          <a:lnRef idx="1">
+            <a:schemeClr val="accent1"/>
+          </a:lnRef>
+          <a:fillRef idx="0">
+            <a:schemeClr val="accent1"/>
+          </a:fillRef>
+          <a:effectRef idx="0">
+            <a:schemeClr val="accent1"/>
+          </a:effectRef>
+          <a:fontRef idx="minor">
+            <a:schemeClr val="tx1"/>
+          </a:fontRef>
+        </p:style>
+        <p:txBody>
+          <a:bodyPr rtlCol="0" anchor="ctr"/>
+          <a:lstStyle/>
+          <a:p>
+            <a:pPr algn="ctr"/>
+            <a:endParaRPr lang="it-IT"/>
+          </a:p>
+        </p:txBody>
+      </p:sp>
+      <p:sp>
+        <p:nvSpPr>
+          <p:cNvPr id="45" name="Arco 44"/>
+          <p:cNvSpPr/>
+          <p:nvPr/>
+        </p:nvSpPr>
+        <p:spPr>
+          <a:xfrm rot="21307307" flipH="1">
+            <a:off x="4456890" y="3474355"/>
+            <a:ext cx="4752009" cy="792088"/>
+          </a:xfrm>
+          <a:prstGeom prst="arc">
+            <a:avLst>
+              <a:gd name="adj1" fmla="val 13703058"/>
+              <a:gd name="adj2" fmla="val 21472270"/>
+            </a:avLst>
+          </a:prstGeom>
+          <a:solidFill>
+            <a:schemeClr val="bg2">
+              <a:lumMod val="50000"/>
+            </a:schemeClr>
+          </a:solidFill>
+          <a:ln w="57150">
+            <a:solidFill>
+              <a:schemeClr val="bg2">
+                <a:lumMod val="25000"/>
+              </a:schemeClr>
+            </a:solidFill>
+          </a:ln>
+        </p:spPr>
+        <p:style>
+          <a:lnRef idx="1">
+            <a:schemeClr val="accent1"/>
+          </a:lnRef>
+          <a:fillRef idx="0">
+            <a:schemeClr val="accent1"/>
+          </a:fillRef>
+          <a:effectRef idx="0">
+            <a:schemeClr val="accent1"/>
+          </a:effectRef>
+          <a:fontRef idx="minor">
+            <a:schemeClr val="tx1"/>
+          </a:fontRef>
+        </p:style>
+        <p:txBody>
+          <a:bodyPr rtlCol="0" anchor="ctr"/>
+          <a:lstStyle/>
+          <a:p>
+            <a:pPr algn="ctr"/>
+            <a:endParaRPr lang="it-IT"/>
+          </a:p>
+        </p:txBody>
+      </p:sp>
+      <p:sp>
+        <p:nvSpPr>
+          <p:cNvPr id="46" name="Arco 45"/>
+          <p:cNvSpPr/>
+          <p:nvPr/>
+        </p:nvSpPr>
+        <p:spPr>
+          <a:xfrm rot="21307307" flipH="1">
+            <a:off x="4245882" y="3711277"/>
+            <a:ext cx="4752009" cy="792088"/>
+          </a:xfrm>
+          <a:prstGeom prst="arc">
+            <a:avLst>
+              <a:gd name="adj1" fmla="val 12844504"/>
+              <a:gd name="adj2" fmla="val 21258290"/>
+            </a:avLst>
+          </a:prstGeom>
+          <a:solidFill>
+            <a:schemeClr val="bg2">
+              <a:lumMod val="50000"/>
+            </a:schemeClr>
+          </a:solidFill>
+          <a:ln w="57150">
+            <a:solidFill>
+              <a:schemeClr val="bg2">
+                <a:lumMod val="25000"/>
+              </a:schemeClr>
+            </a:solidFill>
+          </a:ln>
+        </p:spPr>
+        <p:style>
+          <a:lnRef idx="1">
+            <a:schemeClr val="accent1"/>
+          </a:lnRef>
+          <a:fillRef idx="0">
+            <a:schemeClr val="accent1"/>
+          </a:fillRef>
+          <a:effectRef idx="0">
+            <a:schemeClr val="accent1"/>
+          </a:effectRef>
+          <a:fontRef idx="minor">
+            <a:schemeClr val="tx1"/>
+          </a:fontRef>
+        </p:style>
+        <p:txBody>
+          <a:bodyPr rtlCol="0" anchor="ctr"/>
+          <a:lstStyle/>
+          <a:p>
+            <a:pPr algn="ctr"/>
+            <a:endParaRPr lang="it-IT"/>
+          </a:p>
+        </p:txBody>
+      </p:sp>
+      <p:sp>
+        <p:nvSpPr>
+          <p:cNvPr id="47" name="Rettangolo arrotondato 46"/>
+          <p:cNvSpPr/>
+          <p:nvPr/>
+        </p:nvSpPr>
+        <p:spPr>
+          <a:xfrm rot="21211910">
+            <a:off x="4404169" y="4018541"/>
+            <a:ext cx="2808312" cy="216024"/>
+          </a:xfrm>
+          <a:prstGeom prst="roundRect">
+            <a:avLst>
+              <a:gd name="adj" fmla="val 50000"/>
+            </a:avLst>
+          </a:prstGeom>
+          <a:solidFill>
+            <a:schemeClr val="bg2">
+              <a:lumMod val="50000"/>
+            </a:schemeClr>
+          </a:solidFill>
+          <a:ln w="57150">
+            <a:solidFill>
+              <a:schemeClr val="bg2">
+                <a:lumMod val="25000"/>
+              </a:schemeClr>
+            </a:solidFill>
+          </a:ln>
+        </p:spPr>
+        <p:style>
+          <a:lnRef idx="2">
+            <a:schemeClr val="accent1">
+              <a:shade val="50000"/>
+            </a:schemeClr>
+          </a:lnRef>
+          <a:fillRef idx="1">
+            <a:schemeClr val="accent1"/>
+          </a:fillRef>
+          <a:effectRef idx="0">
+            <a:schemeClr val="accent1"/>
+          </a:effectRef>
+          <a:fontRef idx="minor">
+            <a:schemeClr val="lt1"/>
+          </a:fontRef>
+        </p:style>
+        <p:txBody>
+          <a:bodyPr rtlCol="0" anchor="ctr"/>
+          <a:lstStyle/>
+          <a:p>
+            <a:pPr algn="ctr"/>
+            <a:endParaRPr lang="it-IT"/>
+          </a:p>
+        </p:txBody>
+      </p:sp>
+    </p:spTree>
+    <p:extLst>
+      <p:ext uri="{BB962C8B-B14F-4D97-AF65-F5344CB8AC3E}">
+        <p14:creationId xmlns:p14="http://schemas.microsoft.com/office/powerpoint/2010/main" val="905694865"/>
+      </p:ext>
+    </p:extLst>
+  </p:cSld>
+  <p:clrMapOvr>
+    <a:masterClrMapping/>
+  </p:clrMapOvr>
+</p:sld>
+</file>
+
+<file path=ppt/slides/slide3.xml><?xml version="1.0" encoding="utf-8"?>
+<p:sld xmlns:a="http://schemas.openxmlformats.org/drawingml/2006/main" xmlns:r="http://schemas.openxmlformats.org/officeDocument/2006/relationships" xmlns:p="http://schemas.openxmlformats.org/presentationml/2006/main">
+  <p:cSld>
+    <p:spTree>
+      <p:nvGrpSpPr>
+        <p:cNvPr id="1" name=""/>
+        <p:cNvGrpSpPr/>
+        <p:nvPr/>
+      </p:nvGrpSpPr>
+      <p:grpSpPr>
+        <a:xfrm>
+          <a:off x="0" y="0"/>
+          <a:ext cx="0" cy="0"/>
+          <a:chOff x="0" y="0"/>
+          <a:chExt cx="0" cy="0"/>
+        </a:xfrm>
+      </p:grpSpPr>
+      <p:pic>
+        <p:nvPicPr>
+          <p:cNvPr id="34" name="Picture 2" descr="https://cdn0.iconfinder.com/data/icons/money-2/512/YPS__Money_bank_B-512.png"/>
+          <p:cNvPicPr>
+            <a:picLocks noChangeAspect="1" noChangeArrowheads="1"/>
+          </p:cNvPicPr>
+          <p:nvPr/>
+        </p:nvPicPr>
+        <p:blipFill rotWithShape="1">
+          <a:blip r:embed="rId2">
+            <a:clrChange>
+              <a:clrFrom>
+                <a:srgbClr val="444444">
+                  <a:alpha val="5882"/>
+                </a:srgbClr>
+              </a:clrFrom>
+              <a:clrTo>
+                <a:srgbClr val="444444">
+                  <a:alpha val="0"/>
+                </a:srgbClr>
+              </a:clrTo>
+            </a:clrChange>
+            <a:extLst>
+              <a:ext uri="{BEBA8EAE-BF5A-486C-A8C5-ECC9F3942E4B}">
+                <a14:imgProps xmlns:a14="http://schemas.microsoft.com/office/drawing/2010/main">
+                  <a14:imgLayer r:embed="rId3">
+                    <a14:imgEffect>
+                      <a14:colorTemperature colorTemp="7125"/>
+                    </a14:imgEffect>
+                  </a14:imgLayer>
+                </a14:imgProps>
+              </a:ext>
               <a:ext uri="{28A0092B-C50C-407E-A947-70E740481C1C}">
                 <a14:useLocalDpi xmlns:a14="http://schemas.microsoft.com/office/drawing/2010/main" val="0"/>
               </a:ext>
@@ -3899,57 +4707,13 @@
           <a:prstGeom prst="ellipse">
             <a:avLst/>
           </a:prstGeom>
-          <a:noFill/>
-          <a:ln w="76200"/>
-        </p:spPr>
-        <p:style>
-          <a:lnRef idx="2">
-            <a:schemeClr val="accent1">
-              <a:shade val="50000"/>
-            </a:schemeClr>
-          </a:lnRef>
-          <a:fillRef idx="1">
-            <a:schemeClr val="accent1"/>
-          </a:fillRef>
-          <a:effectRef idx="0">
-            <a:schemeClr val="accent1"/>
-          </a:effectRef>
-          <a:fontRef idx="minor">
-            <a:schemeClr val="lt1"/>
-          </a:fontRef>
-        </p:style>
-        <p:txBody>
-          <a:bodyPr rtlCol="0" anchor="ctr"/>
-          <a:lstStyle/>
-          <a:p>
-            <a:pPr algn="ctr"/>
-            <a:endParaRPr lang="it-IT"/>
-          </a:p>
-        </p:txBody>
-      </p:sp>
-      <p:sp>
-        <p:nvSpPr>
-          <p:cNvPr id="7" name="Rettangolo arrotondato 6"/>
-          <p:cNvSpPr/>
-          <p:nvPr/>
-        </p:nvSpPr>
-        <p:spPr>
-          <a:xfrm rot="21211910">
-            <a:off x="4404169" y="4018541"/>
-            <a:ext cx="2808312" cy="216024"/>
-          </a:xfrm>
-          <a:prstGeom prst="roundRect">
-            <a:avLst>
-              <a:gd name="adj" fmla="val 50000"/>
-            </a:avLst>
-          </a:prstGeom>
           <a:solidFill>
-            <a:schemeClr val="accent1">
-              <a:lumMod val="75000"/>
-            </a:schemeClr>
+            <a:schemeClr val="tx1"/>
           </a:solidFill>
-          <a:ln>
-            <a:noFill/>
+          <a:ln w="3175">
+            <a:solidFill>
+              <a:schemeClr val="tx1"/>
+            </a:solidFill>
           </a:ln>
         </p:spPr>
         <p:style>
@@ -3979,20 +4743,28 @@
       </p:sp>
       <p:sp>
         <p:nvSpPr>
-          <p:cNvPr id="8" name="Ovale 7"/>
+          <p:cNvPr id="7" name="Rettangolo arrotondato 6"/>
           <p:cNvSpPr/>
           <p:nvPr/>
         </p:nvSpPr>
         <p:spPr>
-          <a:xfrm>
-            <a:off x="3950113" y="4003162"/>
-            <a:ext cx="523695" cy="576064"/>
+          <a:xfrm rot="21211910">
+            <a:off x="4404169" y="4018541"/>
+            <a:ext cx="2808312" cy="216024"/>
           </a:xfrm>
-          <a:prstGeom prst="ellipse">
-            <a:avLst/>
+          <a:prstGeom prst="roundRect">
+            <a:avLst>
+              <a:gd name="adj" fmla="val 50000"/>
+            </a:avLst>
           </a:prstGeom>
-          <a:noFill/>
-          <a:ln w="76200"/>
+          <a:solidFill>
+            <a:schemeClr val="tx1"/>
+          </a:solidFill>
+          <a:ln w="3175">
+            <a:solidFill>
+              <a:schemeClr val="tx1"/>
+            </a:solidFill>
+          </a:ln>
         </p:spPr>
         <p:style>
           <a:lnRef idx="2">
@@ -4021,20 +4793,26 @@
       </p:sp>
       <p:sp>
         <p:nvSpPr>
-          <p:cNvPr id="9" name="Ovale 8"/>
+          <p:cNvPr id="8" name="Ovale 7"/>
           <p:cNvSpPr/>
           <p:nvPr/>
         </p:nvSpPr>
         <p:spPr>
           <a:xfrm>
-            <a:off x="3995179" y="4069452"/>
-            <a:ext cx="432805" cy="576064"/>
+            <a:off x="3950113" y="4003162"/>
+            <a:ext cx="523695" cy="576064"/>
           </a:xfrm>
           <a:prstGeom prst="ellipse">
             <a:avLst/>
           </a:prstGeom>
-          <a:noFill/>
-          <a:ln w="76200"/>
+          <a:solidFill>
+            <a:schemeClr val="tx1"/>
+          </a:solidFill>
+          <a:ln w="3175">
+            <a:solidFill>
+              <a:schemeClr val="tx1"/>
+            </a:solidFill>
+          </a:ln>
         </p:spPr>
         <p:style>
           <a:lnRef idx="2">
@@ -4061,6 +4839,54 @@
           </a:p>
         </p:txBody>
       </p:sp>
+      <p:sp>
+        <p:nvSpPr>
+          <p:cNvPr id="9" name="Ovale 8"/>
+          <p:cNvSpPr/>
+          <p:nvPr/>
+        </p:nvSpPr>
+        <p:spPr>
+          <a:xfrm>
+            <a:off x="3995179" y="4069452"/>
+            <a:ext cx="432805" cy="576064"/>
+          </a:xfrm>
+          <a:prstGeom prst="ellipse">
+            <a:avLst/>
+          </a:prstGeom>
+          <a:solidFill>
+            <a:schemeClr val="tx1"/>
+          </a:solidFill>
+          <a:ln w="3175">
+            <a:solidFill>
+              <a:schemeClr val="tx1"/>
+            </a:solidFill>
+          </a:ln>
+        </p:spPr>
+        <p:style>
+          <a:lnRef idx="2">
+            <a:schemeClr val="accent1">
+              <a:shade val="50000"/>
+            </a:schemeClr>
+          </a:lnRef>
+          <a:fillRef idx="1">
+            <a:schemeClr val="accent1"/>
+          </a:fillRef>
+          <a:effectRef idx="0">
+            <a:schemeClr val="accent1"/>
+          </a:effectRef>
+          <a:fontRef idx="minor">
+            <a:schemeClr val="lt1"/>
+          </a:fontRef>
+        </p:style>
+        <p:txBody>
+          <a:bodyPr rtlCol="0" anchor="ctr"/>
+          <a:lstStyle/>
+          <a:p>
+            <a:pPr algn="ctr"/>
+            <a:endParaRPr lang="it-IT"/>
+          </a:p>
+        </p:txBody>
+      </p:sp>
       <p:grpSp>
         <p:nvGrpSpPr>
           <p:cNvPr id="26" name="Gruppo 25"/>
@@ -4074,6 +4900,9 @@
             <a:chOff x="1676909" y="1196752"/>
             <a:chExt cx="4982944" cy="1432540"/>
           </a:xfrm>
+          <a:solidFill>
+            <a:schemeClr val="tx1"/>
+          </a:solidFill>
         </p:grpSpPr>
         <p:sp>
           <p:nvSpPr>
@@ -4092,11 +4921,10 @@
                 <a:gd name="adj2" fmla="val 21258290"/>
               </a:avLst>
             </a:prstGeom>
-            <a:ln w="76200">
+            <a:grpFill/>
+            <a:ln w="3175">
               <a:solidFill>
-                <a:schemeClr val="accent1">
-                  <a:lumMod val="75000"/>
-                </a:schemeClr>
+                <a:schemeClr val="tx1"/>
               </a:solidFill>
             </a:ln>
           </p:spPr>
@@ -4140,11 +4968,10 @@
                 <a:gd name="adj2" fmla="val 21472270"/>
               </a:avLst>
             </a:prstGeom>
-            <a:ln w="76200">
+            <a:grpFill/>
+            <a:ln w="3175">
               <a:solidFill>
-                <a:schemeClr val="accent1">
-                  <a:lumMod val="75000"/>
-                </a:schemeClr>
+                <a:schemeClr val="tx1"/>
               </a:solidFill>
             </a:ln>
           </p:spPr>
@@ -4188,11 +5015,10 @@
                 <a:gd name="adj2" fmla="val 21464359"/>
               </a:avLst>
             </a:prstGeom>
-            <a:ln w="76200">
+            <a:grpFill/>
+            <a:ln w="3175">
               <a:solidFill>
-                <a:schemeClr val="accent1">
-                  <a:lumMod val="75000"/>
-                </a:schemeClr>
+                <a:schemeClr val="tx1"/>
               </a:solidFill>
             </a:ln>
           </p:spPr>
@@ -4236,11 +5062,10 @@
                 <a:gd name="adj2" fmla="val 8702"/>
               </a:avLst>
             </a:prstGeom>
-            <a:ln w="76200">
+            <a:grpFill/>
+            <a:ln w="3175">
               <a:solidFill>
-                <a:schemeClr val="accent1">
-                  <a:lumMod val="75000"/>
-                </a:schemeClr>
+                <a:schemeClr val="tx1"/>
               </a:solidFill>
             </a:ln>
           </p:spPr>
@@ -4281,6 +5106,9 @@
             <a:chOff x="1925366" y="901948"/>
             <a:chExt cx="4982400" cy="1432540"/>
           </a:xfrm>
+          <a:solidFill>
+            <a:schemeClr val="tx1"/>
+          </a:solidFill>
         </p:grpSpPr>
         <p:sp>
           <p:nvSpPr>
@@ -4298,13 +5126,11 @@
                 <a:gd name="adj" fmla="val 50000"/>
               </a:avLst>
             </a:prstGeom>
-            <a:solidFill>
-              <a:schemeClr val="accent1">
-                <a:lumMod val="75000"/>
-              </a:schemeClr>
-            </a:solidFill>
-            <a:ln>
-              <a:noFill/>
+            <a:grpFill/>
+            <a:ln w="3175">
+              <a:solidFill>
+                <a:schemeClr val="tx1"/>
+              </a:solidFill>
             </a:ln>
           </p:spPr>
           <p:style>
@@ -4345,6 +5171,7 @@
               <a:chOff x="1676909" y="1196752"/>
               <a:chExt cx="4982944" cy="1432540"/>
             </a:xfrm>
+            <a:grpFill/>
           </p:grpSpPr>
           <p:sp>
             <p:nvSpPr>
@@ -4363,11 +5190,10 @@
                   <a:gd name="adj2" fmla="val 21258290"/>
                 </a:avLst>
               </a:prstGeom>
-              <a:ln w="76200">
+              <a:grpFill/>
+              <a:ln w="3175">
                 <a:solidFill>
-                  <a:schemeClr val="accent1">
-                    <a:lumMod val="75000"/>
-                  </a:schemeClr>
+                  <a:schemeClr val="tx1"/>
                 </a:solidFill>
               </a:ln>
             </p:spPr>
@@ -4411,11 +5237,10 @@
                   <a:gd name="adj2" fmla="val 21472270"/>
                 </a:avLst>
               </a:prstGeom>
-              <a:ln w="76200">
+              <a:grpFill/>
+              <a:ln w="3175">
                 <a:solidFill>
-                  <a:schemeClr val="accent1">
-                    <a:lumMod val="75000"/>
-                  </a:schemeClr>
+                  <a:schemeClr val="tx1"/>
                 </a:solidFill>
               </a:ln>
             </p:spPr>
@@ -4459,11 +5284,10 @@
                   <a:gd name="adj2" fmla="val 21464359"/>
                 </a:avLst>
               </a:prstGeom>
-              <a:ln w="76200">
+              <a:grpFill/>
+              <a:ln w="3175">
                 <a:solidFill>
-                  <a:schemeClr val="accent1">
-                    <a:lumMod val="75000"/>
-                  </a:schemeClr>
+                  <a:schemeClr val="tx1"/>
                 </a:solidFill>
               </a:ln>
             </p:spPr>
@@ -4507,11 +5331,10 @@
                   <a:gd name="adj2" fmla="val 8702"/>
                 </a:avLst>
               </a:prstGeom>
-              <a:ln w="76200">
+              <a:grpFill/>
+              <a:ln w="3175">
                 <a:solidFill>
-                  <a:schemeClr val="accent1">
-                    <a:lumMod val="75000"/>
-                  </a:schemeClr>
+                  <a:schemeClr val="tx1"/>
                 </a:solidFill>
               </a:ln>
             </p:spPr>
@@ -4543,7 +5366,7 @@
     </p:spTree>
     <p:extLst>
       <p:ext uri="{BB962C8B-B14F-4D97-AF65-F5344CB8AC3E}">
-        <p14:creationId xmlns:p14="http://schemas.microsoft.com/office/powerpoint/2010/main" val="905694865"/>
+        <p14:creationId xmlns:p14="http://schemas.microsoft.com/office/powerpoint/2010/main" val="3931331809"/>
       </p:ext>
     </p:extLst>
   </p:cSld>
@@ -4553,7 +5376,768 @@
 </p:sld>
 </file>
 
-<file path=ppt/slides/slide3.xml><?xml version="1.0" encoding="utf-8"?>
+<file path=ppt/slides/slide4.xml><?xml version="1.0" encoding="utf-8"?>
+<p:sld xmlns:a="http://schemas.openxmlformats.org/drawingml/2006/main" xmlns:r="http://schemas.openxmlformats.org/officeDocument/2006/relationships" xmlns:p="http://schemas.openxmlformats.org/presentationml/2006/main">
+  <p:cSld>
+    <p:spTree>
+      <p:nvGrpSpPr>
+        <p:cNvPr id="1" name=""/>
+        <p:cNvGrpSpPr/>
+        <p:nvPr/>
+      </p:nvGrpSpPr>
+      <p:grpSpPr>
+        <a:xfrm>
+          <a:off x="0" y="0"/>
+          <a:ext cx="0" cy="0"/>
+          <a:chOff x="0" y="0"/>
+          <a:chExt cx="0" cy="0"/>
+        </a:xfrm>
+      </p:grpSpPr>
+      <p:pic>
+        <p:nvPicPr>
+          <p:cNvPr id="34" name="Picture 2" descr="https://cdn0.iconfinder.com/data/icons/money-2/512/YPS__Money_bank_B-512.png"/>
+          <p:cNvPicPr>
+            <a:picLocks noChangeAspect="1" noChangeArrowheads="1"/>
+          </p:cNvPicPr>
+          <p:nvPr/>
+        </p:nvPicPr>
+        <p:blipFill rotWithShape="1">
+          <a:blip r:embed="rId2">
+            <a:clrChange>
+              <a:clrFrom>
+                <a:srgbClr val="444444">
+                  <a:alpha val="5882"/>
+                </a:srgbClr>
+              </a:clrFrom>
+              <a:clrTo>
+                <a:srgbClr val="444444">
+                  <a:alpha val="0"/>
+                </a:srgbClr>
+              </a:clrTo>
+            </a:clrChange>
+            <a:biLevel thresh="25000"/>
+            <a:extLst>
+              <a:ext uri="{BEBA8EAE-BF5A-486C-A8C5-ECC9F3942E4B}">
+                <a14:imgProps xmlns:a14="http://schemas.microsoft.com/office/drawing/2010/main">
+                  <a14:imgLayer r:embed="rId3">
+                    <a14:imgEffect>
+                      <a14:colorTemperature colorTemp="7125"/>
+                    </a14:imgEffect>
+                  </a14:imgLayer>
+                </a14:imgProps>
+              </a:ext>
+              <a:ext uri="{28A0092B-C50C-407E-A947-70E740481C1C}">
+                <a14:useLocalDpi xmlns:a14="http://schemas.microsoft.com/office/drawing/2010/main" val="0"/>
+              </a:ext>
+            </a:extLst>
+          </a:blip>
+          <a:srcRect b="26910"/>
+          <a:stretch/>
+        </p:blipFill>
+        <p:spPr bwMode="auto">
+          <a:xfrm>
+            <a:off x="1162224" y="-243408"/>
+            <a:ext cx="6156000" cy="4246570"/>
+          </a:xfrm>
+          <a:prstGeom prst="rect">
+            <a:avLst/>
+          </a:prstGeom>
+          <a:noFill/>
+          <a:extLst>
+            <a:ext uri="{909E8E84-426E-40DD-AFC4-6F175D3DCCD1}">
+              <a14:hiddenFill xmlns:a14="http://schemas.microsoft.com/office/drawing/2010/main">
+                <a:solidFill>
+                  <a:srgbClr val="FFFFFF"/>
+                </a:solidFill>
+              </a14:hiddenFill>
+            </a:ext>
+          </a:extLst>
+        </p:spPr>
+      </p:pic>
+      <p:sp>
+        <p:nvSpPr>
+          <p:cNvPr id="4" name="Ovale 3"/>
+          <p:cNvSpPr/>
+          <p:nvPr/>
+        </p:nvSpPr>
+        <p:spPr>
+          <a:xfrm>
+            <a:off x="3923928" y="3933056"/>
+            <a:ext cx="576064" cy="576064"/>
+          </a:xfrm>
+          <a:prstGeom prst="ellipse">
+            <a:avLst/>
+          </a:prstGeom>
+          <a:solidFill>
+            <a:schemeClr val="bg1"/>
+          </a:solidFill>
+          <a:ln w="76200">
+            <a:solidFill>
+              <a:schemeClr val="bg1"/>
+            </a:solidFill>
+          </a:ln>
+        </p:spPr>
+        <p:style>
+          <a:lnRef idx="2">
+            <a:schemeClr val="accent1">
+              <a:shade val="50000"/>
+            </a:schemeClr>
+          </a:lnRef>
+          <a:fillRef idx="1">
+            <a:schemeClr val="accent1"/>
+          </a:fillRef>
+          <a:effectRef idx="0">
+            <a:schemeClr val="accent1"/>
+          </a:effectRef>
+          <a:fontRef idx="minor">
+            <a:schemeClr val="lt1"/>
+          </a:fontRef>
+        </p:style>
+        <p:txBody>
+          <a:bodyPr rtlCol="0" anchor="ctr"/>
+          <a:lstStyle/>
+          <a:p>
+            <a:pPr algn="ctr"/>
+            <a:endParaRPr lang="it-IT"/>
+          </a:p>
+        </p:txBody>
+      </p:sp>
+      <p:sp>
+        <p:nvSpPr>
+          <p:cNvPr id="7" name="Rettangolo arrotondato 6"/>
+          <p:cNvSpPr/>
+          <p:nvPr/>
+        </p:nvSpPr>
+        <p:spPr>
+          <a:xfrm rot="21211910">
+            <a:off x="4404169" y="4018541"/>
+            <a:ext cx="2808312" cy="216024"/>
+          </a:xfrm>
+          <a:prstGeom prst="roundRect">
+            <a:avLst>
+              <a:gd name="adj" fmla="val 50000"/>
+            </a:avLst>
+          </a:prstGeom>
+          <a:solidFill>
+            <a:schemeClr val="bg1"/>
+          </a:solidFill>
+          <a:ln>
+            <a:solidFill>
+              <a:schemeClr val="bg1"/>
+            </a:solidFill>
+          </a:ln>
+        </p:spPr>
+        <p:style>
+          <a:lnRef idx="2">
+            <a:schemeClr val="accent1">
+              <a:shade val="50000"/>
+            </a:schemeClr>
+          </a:lnRef>
+          <a:fillRef idx="1">
+            <a:schemeClr val="accent1"/>
+          </a:fillRef>
+          <a:effectRef idx="0">
+            <a:schemeClr val="accent1"/>
+          </a:effectRef>
+          <a:fontRef idx="minor">
+            <a:schemeClr val="lt1"/>
+          </a:fontRef>
+        </p:style>
+        <p:txBody>
+          <a:bodyPr rtlCol="0" anchor="ctr"/>
+          <a:lstStyle/>
+          <a:p>
+            <a:pPr algn="ctr"/>
+            <a:endParaRPr lang="it-IT"/>
+          </a:p>
+        </p:txBody>
+      </p:sp>
+      <p:sp>
+        <p:nvSpPr>
+          <p:cNvPr id="8" name="Ovale 7"/>
+          <p:cNvSpPr/>
+          <p:nvPr/>
+        </p:nvSpPr>
+        <p:spPr>
+          <a:xfrm>
+            <a:off x="3950113" y="4003162"/>
+            <a:ext cx="523695" cy="576064"/>
+          </a:xfrm>
+          <a:prstGeom prst="ellipse">
+            <a:avLst/>
+          </a:prstGeom>
+          <a:solidFill>
+            <a:schemeClr val="bg1"/>
+          </a:solidFill>
+          <a:ln w="76200">
+            <a:solidFill>
+              <a:schemeClr val="bg1"/>
+            </a:solidFill>
+          </a:ln>
+        </p:spPr>
+        <p:style>
+          <a:lnRef idx="2">
+            <a:schemeClr val="accent1">
+              <a:shade val="50000"/>
+            </a:schemeClr>
+          </a:lnRef>
+          <a:fillRef idx="1">
+            <a:schemeClr val="accent1"/>
+          </a:fillRef>
+          <a:effectRef idx="0">
+            <a:schemeClr val="accent1"/>
+          </a:effectRef>
+          <a:fontRef idx="minor">
+            <a:schemeClr val="lt1"/>
+          </a:fontRef>
+        </p:style>
+        <p:txBody>
+          <a:bodyPr rtlCol="0" anchor="ctr"/>
+          <a:lstStyle/>
+          <a:p>
+            <a:pPr algn="ctr"/>
+            <a:endParaRPr lang="it-IT"/>
+          </a:p>
+        </p:txBody>
+      </p:sp>
+      <p:sp>
+        <p:nvSpPr>
+          <p:cNvPr id="9" name="Ovale 8"/>
+          <p:cNvSpPr/>
+          <p:nvPr/>
+        </p:nvSpPr>
+        <p:spPr>
+          <a:xfrm>
+            <a:off x="3995179" y="4069452"/>
+            <a:ext cx="432805" cy="576064"/>
+          </a:xfrm>
+          <a:prstGeom prst="ellipse">
+            <a:avLst/>
+          </a:prstGeom>
+          <a:solidFill>
+            <a:schemeClr val="bg1"/>
+          </a:solidFill>
+          <a:ln w="76200">
+            <a:solidFill>
+              <a:schemeClr val="bg1"/>
+            </a:solidFill>
+          </a:ln>
+        </p:spPr>
+        <p:style>
+          <a:lnRef idx="2">
+            <a:schemeClr val="accent1">
+              <a:shade val="50000"/>
+            </a:schemeClr>
+          </a:lnRef>
+          <a:fillRef idx="1">
+            <a:schemeClr val="accent1"/>
+          </a:fillRef>
+          <a:effectRef idx="0">
+            <a:schemeClr val="accent1"/>
+          </a:effectRef>
+          <a:fontRef idx="minor">
+            <a:schemeClr val="lt1"/>
+          </a:fontRef>
+        </p:style>
+        <p:txBody>
+          <a:bodyPr rtlCol="0" anchor="ctr"/>
+          <a:lstStyle/>
+          <a:p>
+            <a:pPr algn="ctr"/>
+            <a:endParaRPr lang="it-IT"/>
+          </a:p>
+        </p:txBody>
+      </p:sp>
+      <p:grpSp>
+        <p:nvGrpSpPr>
+          <p:cNvPr id="26" name="Gruppo 25"/>
+          <p:cNvGrpSpPr/>
+          <p:nvPr/>
+        </p:nvGrpSpPr>
+        <p:grpSpPr>
+          <a:xfrm rot="21307307" flipH="1">
+            <a:off x="4218233" y="3062189"/>
+            <a:ext cx="4982400" cy="1432540"/>
+            <a:chOff x="1676909" y="1196752"/>
+            <a:chExt cx="4982944" cy="1432540"/>
+          </a:xfrm>
+          <a:solidFill>
+            <a:schemeClr val="bg1"/>
+          </a:solidFill>
+        </p:grpSpPr>
+        <p:sp>
+          <p:nvSpPr>
+            <p:cNvPr id="22" name="Arco 21"/>
+            <p:cNvSpPr/>
+            <p:nvPr/>
+          </p:nvSpPr>
+          <p:spPr>
+            <a:xfrm>
+              <a:off x="1907325" y="1837204"/>
+              <a:ext cx="4752528" cy="792088"/>
+            </a:xfrm>
+            <a:prstGeom prst="arc">
+              <a:avLst>
+                <a:gd name="adj1" fmla="val 12844504"/>
+                <a:gd name="adj2" fmla="val 21258290"/>
+              </a:avLst>
+            </a:prstGeom>
+            <a:grpFill/>
+            <a:ln w="76200">
+              <a:solidFill>
+                <a:schemeClr val="bg1"/>
+              </a:solidFill>
+            </a:ln>
+          </p:spPr>
+          <p:style>
+            <a:lnRef idx="1">
+              <a:schemeClr val="accent1"/>
+            </a:lnRef>
+            <a:fillRef idx="0">
+              <a:schemeClr val="accent1"/>
+            </a:fillRef>
+            <a:effectRef idx="0">
+              <a:schemeClr val="accent1"/>
+            </a:effectRef>
+            <a:fontRef idx="minor">
+              <a:schemeClr val="tx1"/>
+            </a:fontRef>
+          </p:style>
+          <p:txBody>
+            <a:bodyPr rtlCol="0" anchor="ctr"/>
+            <a:lstStyle/>
+            <a:p>
+              <a:pPr algn="ctr"/>
+              <a:endParaRPr lang="it-IT"/>
+            </a:p>
+          </p:txBody>
+        </p:sp>
+        <p:sp>
+          <p:nvSpPr>
+            <p:cNvPr id="23" name="Arco 22"/>
+            <p:cNvSpPr/>
+            <p:nvPr/>
+          </p:nvSpPr>
+          <p:spPr>
+            <a:xfrm>
+              <a:off x="1676909" y="1619084"/>
+              <a:ext cx="4752528" cy="792088"/>
+            </a:xfrm>
+            <a:prstGeom prst="arc">
+              <a:avLst>
+                <a:gd name="adj1" fmla="val 13703058"/>
+                <a:gd name="adj2" fmla="val 21472270"/>
+              </a:avLst>
+            </a:prstGeom>
+            <a:grpFill/>
+            <a:ln w="76200">
+              <a:solidFill>
+                <a:schemeClr val="bg1"/>
+              </a:solidFill>
+            </a:ln>
+          </p:spPr>
+          <p:style>
+            <a:lnRef idx="1">
+              <a:schemeClr val="accent1"/>
+            </a:lnRef>
+            <a:fillRef idx="0">
+              <a:schemeClr val="accent1"/>
+            </a:fillRef>
+            <a:effectRef idx="0">
+              <a:schemeClr val="accent1"/>
+            </a:effectRef>
+            <a:fontRef idx="minor">
+              <a:schemeClr val="tx1"/>
+            </a:fontRef>
+          </p:style>
+          <p:txBody>
+            <a:bodyPr rtlCol="0" anchor="ctr"/>
+            <a:lstStyle/>
+            <a:p>
+              <a:pPr algn="ctr"/>
+              <a:endParaRPr lang="it-IT"/>
+            </a:p>
+          </p:txBody>
+        </p:sp>
+        <p:sp>
+          <p:nvSpPr>
+            <p:cNvPr id="24" name="Arco 23"/>
+            <p:cNvSpPr/>
+            <p:nvPr/>
+          </p:nvSpPr>
+          <p:spPr>
+            <a:xfrm>
+              <a:off x="1763688" y="1412776"/>
+              <a:ext cx="4752528" cy="998396"/>
+            </a:xfrm>
+            <a:prstGeom prst="arc">
+              <a:avLst>
+                <a:gd name="adj1" fmla="val 13703058"/>
+                <a:gd name="adj2" fmla="val 21464359"/>
+              </a:avLst>
+            </a:prstGeom>
+            <a:grpFill/>
+            <a:ln w="76200">
+              <a:solidFill>
+                <a:schemeClr val="bg1"/>
+              </a:solidFill>
+            </a:ln>
+          </p:spPr>
+          <p:style>
+            <a:lnRef idx="1">
+              <a:schemeClr val="accent1"/>
+            </a:lnRef>
+            <a:fillRef idx="0">
+              <a:schemeClr val="accent1"/>
+            </a:fillRef>
+            <a:effectRef idx="0">
+              <a:schemeClr val="accent1"/>
+            </a:effectRef>
+            <a:fontRef idx="minor">
+              <a:schemeClr val="tx1"/>
+            </a:fontRef>
+          </p:style>
+          <p:txBody>
+            <a:bodyPr rtlCol="0" anchor="ctr"/>
+            <a:lstStyle/>
+            <a:p>
+              <a:pPr algn="ctr"/>
+              <a:endParaRPr lang="it-IT"/>
+            </a:p>
+          </p:txBody>
+        </p:sp>
+        <p:sp>
+          <p:nvSpPr>
+            <p:cNvPr id="25" name="Arco 24"/>
+            <p:cNvSpPr/>
+            <p:nvPr/>
+          </p:nvSpPr>
+          <p:spPr>
+            <a:xfrm>
+              <a:off x="1835696" y="1196752"/>
+              <a:ext cx="4752528" cy="1144508"/>
+            </a:xfrm>
+            <a:prstGeom prst="arc">
+              <a:avLst>
+                <a:gd name="adj1" fmla="val 13649308"/>
+                <a:gd name="adj2" fmla="val 8702"/>
+              </a:avLst>
+            </a:prstGeom>
+            <a:grpFill/>
+            <a:ln w="76200">
+              <a:solidFill>
+                <a:schemeClr val="bg1"/>
+              </a:solidFill>
+            </a:ln>
+          </p:spPr>
+          <p:style>
+            <a:lnRef idx="1">
+              <a:schemeClr val="accent1"/>
+            </a:lnRef>
+            <a:fillRef idx="0">
+              <a:schemeClr val="accent1"/>
+            </a:fillRef>
+            <a:effectRef idx="0">
+              <a:schemeClr val="accent1"/>
+            </a:effectRef>
+            <a:fontRef idx="minor">
+              <a:schemeClr val="tx1"/>
+            </a:fontRef>
+          </p:style>
+          <p:txBody>
+            <a:bodyPr rtlCol="0" anchor="ctr"/>
+            <a:lstStyle/>
+            <a:p>
+              <a:pPr algn="ctr"/>
+              <a:endParaRPr lang="it-IT"/>
+            </a:p>
+          </p:txBody>
+        </p:sp>
+      </p:grpSp>
+      <p:grpSp>
+        <p:nvGrpSpPr>
+          <p:cNvPr id="27" name="Gruppo 26"/>
+          <p:cNvGrpSpPr/>
+          <p:nvPr/>
+        </p:nvGrpSpPr>
+        <p:grpSpPr>
+          <a:xfrm flipH="1">
+            <a:off x="-747592" y="3058728"/>
+            <a:ext cx="4982400" cy="1432540"/>
+            <a:chOff x="1925366" y="901948"/>
+            <a:chExt cx="4982400" cy="1432540"/>
+          </a:xfrm>
+          <a:solidFill>
+            <a:schemeClr val="bg1"/>
+          </a:solidFill>
+        </p:grpSpPr>
+        <p:sp>
+          <p:nvSpPr>
+            <p:cNvPr id="28" name="Rettangolo arrotondato 27"/>
+            <p:cNvSpPr/>
+            <p:nvPr/>
+          </p:nvSpPr>
+          <p:spPr>
+            <a:xfrm rot="21211910">
+              <a:off x="2111302" y="1858300"/>
+              <a:ext cx="2808312" cy="216024"/>
+            </a:xfrm>
+            <a:prstGeom prst="roundRect">
+              <a:avLst>
+                <a:gd name="adj" fmla="val 50000"/>
+              </a:avLst>
+            </a:prstGeom>
+            <a:grpFill/>
+            <a:ln>
+              <a:solidFill>
+                <a:schemeClr val="bg1"/>
+              </a:solidFill>
+            </a:ln>
+          </p:spPr>
+          <p:style>
+            <a:lnRef idx="2">
+              <a:schemeClr val="accent1">
+                <a:shade val="50000"/>
+              </a:schemeClr>
+            </a:lnRef>
+            <a:fillRef idx="1">
+              <a:schemeClr val="accent1"/>
+            </a:fillRef>
+            <a:effectRef idx="0">
+              <a:schemeClr val="accent1"/>
+            </a:effectRef>
+            <a:fontRef idx="minor">
+              <a:schemeClr val="lt1"/>
+            </a:fontRef>
+          </p:style>
+          <p:txBody>
+            <a:bodyPr rtlCol="0" anchor="ctr"/>
+            <a:lstStyle/>
+            <a:p>
+              <a:pPr algn="ctr"/>
+              <a:endParaRPr lang="it-IT"/>
+            </a:p>
+          </p:txBody>
+        </p:sp>
+        <p:grpSp>
+          <p:nvGrpSpPr>
+            <p:cNvPr id="29" name="Gruppo 28"/>
+            <p:cNvGrpSpPr/>
+            <p:nvPr/>
+          </p:nvGrpSpPr>
+          <p:grpSpPr>
+            <a:xfrm rot="21307307" flipH="1">
+              <a:off x="1925366" y="901948"/>
+              <a:ext cx="4982400" cy="1432540"/>
+              <a:chOff x="1676909" y="1196752"/>
+              <a:chExt cx="4982944" cy="1432540"/>
+            </a:xfrm>
+            <a:grpFill/>
+          </p:grpSpPr>
+          <p:sp>
+            <p:nvSpPr>
+              <p:cNvPr id="30" name="Arco 29"/>
+              <p:cNvSpPr/>
+              <p:nvPr/>
+            </p:nvSpPr>
+            <p:spPr>
+              <a:xfrm>
+                <a:off x="1907325" y="1837204"/>
+                <a:ext cx="4752528" cy="792088"/>
+              </a:xfrm>
+              <a:prstGeom prst="arc">
+                <a:avLst>
+                  <a:gd name="adj1" fmla="val 12844504"/>
+                  <a:gd name="adj2" fmla="val 21258290"/>
+                </a:avLst>
+              </a:prstGeom>
+              <a:grpFill/>
+              <a:ln w="76200">
+                <a:solidFill>
+                  <a:schemeClr val="bg1"/>
+                </a:solidFill>
+              </a:ln>
+            </p:spPr>
+            <p:style>
+              <a:lnRef idx="1">
+                <a:schemeClr val="accent1"/>
+              </a:lnRef>
+              <a:fillRef idx="0">
+                <a:schemeClr val="accent1"/>
+              </a:fillRef>
+              <a:effectRef idx="0">
+                <a:schemeClr val="accent1"/>
+              </a:effectRef>
+              <a:fontRef idx="minor">
+                <a:schemeClr val="tx1"/>
+              </a:fontRef>
+            </p:style>
+            <p:txBody>
+              <a:bodyPr rtlCol="0" anchor="ctr"/>
+              <a:lstStyle/>
+              <a:p>
+                <a:pPr algn="ctr"/>
+                <a:endParaRPr lang="it-IT"/>
+              </a:p>
+            </p:txBody>
+          </p:sp>
+          <p:sp>
+            <p:nvSpPr>
+              <p:cNvPr id="31" name="Arco 30"/>
+              <p:cNvSpPr/>
+              <p:nvPr/>
+            </p:nvSpPr>
+            <p:spPr>
+              <a:xfrm>
+                <a:off x="1676909" y="1619084"/>
+                <a:ext cx="4752528" cy="792088"/>
+              </a:xfrm>
+              <a:prstGeom prst="arc">
+                <a:avLst>
+                  <a:gd name="adj1" fmla="val 13703058"/>
+                  <a:gd name="adj2" fmla="val 21472270"/>
+                </a:avLst>
+              </a:prstGeom>
+              <a:grpFill/>
+              <a:ln w="76200">
+                <a:solidFill>
+                  <a:schemeClr val="bg1"/>
+                </a:solidFill>
+              </a:ln>
+            </p:spPr>
+            <p:style>
+              <a:lnRef idx="1">
+                <a:schemeClr val="accent1"/>
+              </a:lnRef>
+              <a:fillRef idx="0">
+                <a:schemeClr val="accent1"/>
+              </a:fillRef>
+              <a:effectRef idx="0">
+                <a:schemeClr val="accent1"/>
+              </a:effectRef>
+              <a:fontRef idx="minor">
+                <a:schemeClr val="tx1"/>
+              </a:fontRef>
+            </p:style>
+            <p:txBody>
+              <a:bodyPr rtlCol="0" anchor="ctr"/>
+              <a:lstStyle/>
+              <a:p>
+                <a:pPr algn="ctr"/>
+                <a:endParaRPr lang="it-IT"/>
+              </a:p>
+            </p:txBody>
+          </p:sp>
+          <p:sp>
+            <p:nvSpPr>
+              <p:cNvPr id="32" name="Arco 31"/>
+              <p:cNvSpPr/>
+              <p:nvPr/>
+            </p:nvSpPr>
+            <p:spPr>
+              <a:xfrm>
+                <a:off x="1763688" y="1412776"/>
+                <a:ext cx="4752528" cy="998396"/>
+              </a:xfrm>
+              <a:prstGeom prst="arc">
+                <a:avLst>
+                  <a:gd name="adj1" fmla="val 13703058"/>
+                  <a:gd name="adj2" fmla="val 21464359"/>
+                </a:avLst>
+              </a:prstGeom>
+              <a:grpFill/>
+              <a:ln w="76200">
+                <a:solidFill>
+                  <a:schemeClr val="bg1"/>
+                </a:solidFill>
+              </a:ln>
+            </p:spPr>
+            <p:style>
+              <a:lnRef idx="1">
+                <a:schemeClr val="accent1"/>
+              </a:lnRef>
+              <a:fillRef idx="0">
+                <a:schemeClr val="accent1"/>
+              </a:fillRef>
+              <a:effectRef idx="0">
+                <a:schemeClr val="accent1"/>
+              </a:effectRef>
+              <a:fontRef idx="minor">
+                <a:schemeClr val="tx1"/>
+              </a:fontRef>
+            </p:style>
+            <p:txBody>
+              <a:bodyPr rtlCol="0" anchor="ctr"/>
+              <a:lstStyle/>
+              <a:p>
+                <a:pPr algn="ctr"/>
+                <a:endParaRPr lang="it-IT"/>
+              </a:p>
+            </p:txBody>
+          </p:sp>
+          <p:sp>
+            <p:nvSpPr>
+              <p:cNvPr id="33" name="Arco 32"/>
+              <p:cNvSpPr/>
+              <p:nvPr/>
+            </p:nvSpPr>
+            <p:spPr>
+              <a:xfrm>
+                <a:off x="1835696" y="1196752"/>
+                <a:ext cx="4752528" cy="1144508"/>
+              </a:xfrm>
+              <a:prstGeom prst="arc">
+                <a:avLst>
+                  <a:gd name="adj1" fmla="val 13649308"/>
+                  <a:gd name="adj2" fmla="val 8702"/>
+                </a:avLst>
+              </a:prstGeom>
+              <a:grpFill/>
+              <a:ln w="76200">
+                <a:solidFill>
+                  <a:schemeClr val="bg1"/>
+                </a:solidFill>
+              </a:ln>
+            </p:spPr>
+            <p:style>
+              <a:lnRef idx="1">
+                <a:schemeClr val="accent1"/>
+              </a:lnRef>
+              <a:fillRef idx="0">
+                <a:schemeClr val="accent1"/>
+              </a:fillRef>
+              <a:effectRef idx="0">
+                <a:schemeClr val="accent1"/>
+              </a:effectRef>
+              <a:fontRef idx="minor">
+                <a:schemeClr val="tx1"/>
+              </a:fontRef>
+            </p:style>
+            <p:txBody>
+              <a:bodyPr rtlCol="0" anchor="ctr"/>
+              <a:lstStyle/>
+              <a:p>
+                <a:pPr algn="ctr"/>
+                <a:endParaRPr lang="it-IT"/>
+              </a:p>
+            </p:txBody>
+          </p:sp>
+        </p:grpSp>
+      </p:grpSp>
+    </p:spTree>
+    <p:extLst>
+      <p:ext uri="{BB962C8B-B14F-4D97-AF65-F5344CB8AC3E}">
+        <p14:creationId xmlns:p14="http://schemas.microsoft.com/office/powerpoint/2010/main" val="2659665385"/>
+      </p:ext>
+    </p:extLst>
+  </p:cSld>
+  <p:clrMapOvr>
+    <a:masterClrMapping/>
+  </p:clrMapOvr>
+</p:sld>
+</file>
+
+<file path=ppt/slides/slide5.xml><?xml version="1.0" encoding="utf-8"?>
 <p:sld xmlns:a="http://schemas.openxmlformats.org/drawingml/2006/main" xmlns:r="http://schemas.openxmlformats.org/officeDocument/2006/relationships" xmlns:p="http://schemas.openxmlformats.org/presentationml/2006/main">
   <p:cSld>
     <p:spTree>
@@ -5894,7 +7478,7 @@
 </p:sld>
 </file>
 
-<file path=ppt/slides/slide4.xml><?xml version="1.0" encoding="utf-8"?>
+<file path=ppt/slides/slide6.xml><?xml version="1.0" encoding="utf-8"?>
 <p:sld xmlns:a="http://schemas.openxmlformats.org/drawingml/2006/main" xmlns:r="http://schemas.openxmlformats.org/officeDocument/2006/relationships" xmlns:p="http://schemas.openxmlformats.org/presentationml/2006/main">
   <p:cSld>
     <p:spTree>

--- a/ConsulenzaLegale/res/logo.pptx
+++ b/ConsulenzaLegale/res/logo.pptx
@@ -9,8 +9,9 @@
     <p:sldId id="257" r:id="rId3"/>
     <p:sldId id="261" r:id="rId4"/>
     <p:sldId id="260" r:id="rId5"/>
-    <p:sldId id="258" r:id="rId6"/>
-    <p:sldId id="259" r:id="rId7"/>
+    <p:sldId id="263" r:id="rId6"/>
+    <p:sldId id="258" r:id="rId7"/>
+    <p:sldId id="259" r:id="rId8"/>
   </p:sldIdLst>
   <p:sldSz cx="9144000" cy="6858000" type="screen4x3"/>
   <p:notesSz cx="6858000" cy="9144000"/>
@@ -293,7 +294,7 @@
           <a:p>
             <a:fld id="{05BF656D-9183-4C9C-AEA2-F0357128171C}" type="datetimeFigureOut">
               <a:rPr lang="it-IT" smtClean="0"/>
-              <a:t>19/05/2016</a:t>
+              <a:t>31/05/2016</a:t>
             </a:fld>
             <a:endParaRPr lang="it-IT"/>
           </a:p>
@@ -463,7 +464,7 @@
           <a:p>
             <a:fld id="{05BF656D-9183-4C9C-AEA2-F0357128171C}" type="datetimeFigureOut">
               <a:rPr lang="it-IT" smtClean="0"/>
-              <a:t>19/05/2016</a:t>
+              <a:t>31/05/2016</a:t>
             </a:fld>
             <a:endParaRPr lang="it-IT"/>
           </a:p>
@@ -643,7 +644,7 @@
           <a:p>
             <a:fld id="{05BF656D-9183-4C9C-AEA2-F0357128171C}" type="datetimeFigureOut">
               <a:rPr lang="it-IT" smtClean="0"/>
-              <a:t>19/05/2016</a:t>
+              <a:t>31/05/2016</a:t>
             </a:fld>
             <a:endParaRPr lang="it-IT"/>
           </a:p>
@@ -813,7 +814,7 @@
           <a:p>
             <a:fld id="{05BF656D-9183-4C9C-AEA2-F0357128171C}" type="datetimeFigureOut">
               <a:rPr lang="it-IT" smtClean="0"/>
-              <a:t>19/05/2016</a:t>
+              <a:t>31/05/2016</a:t>
             </a:fld>
             <a:endParaRPr lang="it-IT"/>
           </a:p>
@@ -1059,7 +1060,7 @@
           <a:p>
             <a:fld id="{05BF656D-9183-4C9C-AEA2-F0357128171C}" type="datetimeFigureOut">
               <a:rPr lang="it-IT" smtClean="0"/>
-              <a:t>19/05/2016</a:t>
+              <a:t>31/05/2016</a:t>
             </a:fld>
             <a:endParaRPr lang="it-IT"/>
           </a:p>
@@ -1347,7 +1348,7 @@
           <a:p>
             <a:fld id="{05BF656D-9183-4C9C-AEA2-F0357128171C}" type="datetimeFigureOut">
               <a:rPr lang="it-IT" smtClean="0"/>
-              <a:t>19/05/2016</a:t>
+              <a:t>31/05/2016</a:t>
             </a:fld>
             <a:endParaRPr lang="it-IT"/>
           </a:p>
@@ -1769,7 +1770,7 @@
           <a:p>
             <a:fld id="{05BF656D-9183-4C9C-AEA2-F0357128171C}" type="datetimeFigureOut">
               <a:rPr lang="it-IT" smtClean="0"/>
-              <a:t>19/05/2016</a:t>
+              <a:t>31/05/2016</a:t>
             </a:fld>
             <a:endParaRPr lang="it-IT"/>
           </a:p>
@@ -1887,7 +1888,7 @@
           <a:p>
             <a:fld id="{05BF656D-9183-4C9C-AEA2-F0357128171C}" type="datetimeFigureOut">
               <a:rPr lang="it-IT" smtClean="0"/>
-              <a:t>19/05/2016</a:t>
+              <a:t>31/05/2016</a:t>
             </a:fld>
             <a:endParaRPr lang="it-IT"/>
           </a:p>
@@ -1982,7 +1983,7 @@
           <a:p>
             <a:fld id="{05BF656D-9183-4C9C-AEA2-F0357128171C}" type="datetimeFigureOut">
               <a:rPr lang="it-IT" smtClean="0"/>
-              <a:t>19/05/2016</a:t>
+              <a:t>31/05/2016</a:t>
             </a:fld>
             <a:endParaRPr lang="it-IT"/>
           </a:p>
@@ -2259,7 +2260,7 @@
           <a:p>
             <a:fld id="{05BF656D-9183-4C9C-AEA2-F0357128171C}" type="datetimeFigureOut">
               <a:rPr lang="it-IT" smtClean="0"/>
-              <a:t>19/05/2016</a:t>
+              <a:t>31/05/2016</a:t>
             </a:fld>
             <a:endParaRPr lang="it-IT"/>
           </a:p>
@@ -2512,7 +2513,7 @@
           <a:p>
             <a:fld id="{05BF656D-9183-4C9C-AEA2-F0357128171C}" type="datetimeFigureOut">
               <a:rPr lang="it-IT" smtClean="0"/>
-              <a:t>19/05/2016</a:t>
+              <a:t>31/05/2016</a:t>
             </a:fld>
             <a:endParaRPr lang="it-IT"/>
           </a:p>
@@ -2725,7 +2726,7 @@
           <a:p>
             <a:fld id="{05BF656D-9183-4C9C-AEA2-F0357128171C}" type="datetimeFigureOut">
               <a:rPr lang="it-IT" smtClean="0"/>
-              <a:t>19/05/2016</a:t>
+              <a:t>31/05/2016</a:t>
             </a:fld>
             <a:endParaRPr lang="it-IT"/>
           </a:p>
@@ -6138,6 +6139,399 @@
 </file>
 
 <file path=ppt/slides/slide5.xml><?xml version="1.0" encoding="utf-8"?>
+<p:sld xmlns:a="http://schemas.openxmlformats.org/drawingml/2006/main" xmlns:r="http://schemas.openxmlformats.org/officeDocument/2006/relationships" xmlns:p="http://schemas.openxmlformats.org/presentationml/2006/main">
+  <p:cSld>
+    <p:spTree>
+      <p:nvGrpSpPr>
+        <p:cNvPr id="1" name=""/>
+        <p:cNvGrpSpPr/>
+        <p:nvPr/>
+      </p:nvGrpSpPr>
+      <p:grpSpPr>
+        <a:xfrm>
+          <a:off x="0" y="0"/>
+          <a:ext cx="0" cy="0"/>
+          <a:chOff x="0" y="0"/>
+          <a:chExt cx="0" cy="0"/>
+        </a:xfrm>
+      </p:grpSpPr>
+      <p:pic>
+        <p:nvPicPr>
+          <p:cNvPr id="4" name="Picture 2" descr="F:\xampp\htdocs\ernesto\ConsulenzaLegale\public\img\old\contact.png"/>
+          <p:cNvPicPr>
+            <a:picLocks noChangeAspect="1" noChangeArrowheads="1"/>
+          </p:cNvPicPr>
+          <p:nvPr/>
+        </p:nvPicPr>
+        <p:blipFill>
+          <a:blip r:embed="rId2">
+            <a:duotone>
+              <a:schemeClr val="accent6">
+                <a:shade val="45000"/>
+                <a:satMod val="135000"/>
+              </a:schemeClr>
+              <a:prstClr val="white"/>
+            </a:duotone>
+            <a:extLst>
+              <a:ext uri="{BEBA8EAE-BF5A-486C-A8C5-ECC9F3942E4B}">
+                <a14:imgProps xmlns:a14="http://schemas.microsoft.com/office/drawing/2010/main">
+                  <a14:imgLayer r:embed="rId3">
+                    <a14:imgEffect>
+                      <a14:artisticCutout/>
+                    </a14:imgEffect>
+                    <a14:imgEffect>
+                      <a14:sharpenSoften amount="-50000"/>
+                    </a14:imgEffect>
+                    <a14:imgEffect>
+                      <a14:brightnessContrast bright="-40000" contrast="40000"/>
+                    </a14:imgEffect>
+                  </a14:imgLayer>
+                </a14:imgProps>
+              </a:ext>
+              <a:ext uri="{28A0092B-C50C-407E-A947-70E740481C1C}">
+                <a14:useLocalDpi xmlns:a14="http://schemas.microsoft.com/office/drawing/2010/main" val="0"/>
+              </a:ext>
+            </a:extLst>
+          </a:blip>
+          <a:srcRect/>
+          <a:stretch>
+            <a:fillRect/>
+          </a:stretch>
+        </p:blipFill>
+        <p:spPr bwMode="auto">
+          <a:xfrm>
+            <a:off x="1115616" y="1556792"/>
+            <a:ext cx="914400" cy="914400"/>
+          </a:xfrm>
+          <a:prstGeom prst="rect">
+            <a:avLst/>
+          </a:prstGeom>
+          <a:noFill/>
+          <a:extLst>
+            <a:ext uri="{909E8E84-426E-40DD-AFC4-6F175D3DCCD1}">
+              <a14:hiddenFill xmlns:a14="http://schemas.microsoft.com/office/drawing/2010/main">
+                <a:solidFill>
+                  <a:srgbClr val="FFFFFF"/>
+                </a:solidFill>
+              </a14:hiddenFill>
+            </a:ext>
+          </a:extLst>
+        </p:spPr>
+      </p:pic>
+      <p:pic>
+        <p:nvPicPr>
+          <p:cNvPr id="5" name="Picture 3" descr="F:\xampp\htdocs\ernesto\ConsulenzaLegale\public\img\old\send.png"/>
+          <p:cNvPicPr>
+            <a:picLocks noChangeAspect="1" noChangeArrowheads="1"/>
+          </p:cNvPicPr>
+          <p:nvPr/>
+        </p:nvPicPr>
+        <p:blipFill>
+          <a:blip r:embed="rId4">
+            <a:duotone>
+              <a:schemeClr val="accent6">
+                <a:shade val="45000"/>
+                <a:satMod val="135000"/>
+              </a:schemeClr>
+              <a:prstClr val="white"/>
+            </a:duotone>
+            <a:extLst>
+              <a:ext uri="{BEBA8EAE-BF5A-486C-A8C5-ECC9F3942E4B}">
+                <a14:imgProps xmlns:a14="http://schemas.microsoft.com/office/drawing/2010/main">
+                  <a14:imgLayer r:embed="rId5">
+                    <a14:imgEffect>
+                      <a14:artisticCutout/>
+                    </a14:imgEffect>
+                    <a14:imgEffect>
+                      <a14:brightnessContrast bright="-40000" contrast="40000"/>
+                    </a14:imgEffect>
+                  </a14:imgLayer>
+                </a14:imgProps>
+              </a:ext>
+              <a:ext uri="{28A0092B-C50C-407E-A947-70E740481C1C}">
+                <a14:useLocalDpi xmlns:a14="http://schemas.microsoft.com/office/drawing/2010/main" val="0"/>
+              </a:ext>
+            </a:extLst>
+          </a:blip>
+          <a:srcRect/>
+          <a:stretch>
+            <a:fillRect/>
+          </a:stretch>
+        </p:blipFill>
+        <p:spPr bwMode="auto">
+          <a:xfrm>
+            <a:off x="2686703" y="1557075"/>
+            <a:ext cx="914400" cy="914400"/>
+          </a:xfrm>
+          <a:prstGeom prst="rect">
+            <a:avLst/>
+          </a:prstGeom>
+          <a:noFill/>
+          <a:extLst>
+            <a:ext uri="{909E8E84-426E-40DD-AFC4-6F175D3DCCD1}">
+              <a14:hiddenFill xmlns:a14="http://schemas.microsoft.com/office/drawing/2010/main">
+                <a:solidFill>
+                  <a:srgbClr val="FFFFFF"/>
+                </a:solidFill>
+              </a14:hiddenFill>
+            </a:ext>
+          </a:extLst>
+        </p:spPr>
+      </p:pic>
+      <p:pic>
+        <p:nvPicPr>
+          <p:cNvPr id="6" name="Picture 4" descr="F:\xampp\htdocs\ernesto\ConsulenzaLegale\public\img\old\service.png"/>
+          <p:cNvPicPr>
+            <a:picLocks noChangeAspect="1" noChangeArrowheads="1"/>
+          </p:cNvPicPr>
+          <p:nvPr/>
+        </p:nvPicPr>
+        <p:blipFill>
+          <a:blip r:embed="rId6">
+            <a:duotone>
+              <a:schemeClr val="accent6">
+                <a:shade val="45000"/>
+                <a:satMod val="135000"/>
+              </a:schemeClr>
+              <a:prstClr val="white"/>
+            </a:duotone>
+            <a:extLst>
+              <a:ext uri="{BEBA8EAE-BF5A-486C-A8C5-ECC9F3942E4B}">
+                <a14:imgProps xmlns:a14="http://schemas.microsoft.com/office/drawing/2010/main">
+                  <a14:imgLayer r:embed="rId7">
+                    <a14:imgEffect>
+                      <a14:artisticCutout/>
+                    </a14:imgEffect>
+                    <a14:imgEffect>
+                      <a14:brightnessContrast bright="-40000" contrast="40000"/>
+                    </a14:imgEffect>
+                  </a14:imgLayer>
+                </a14:imgProps>
+              </a:ext>
+              <a:ext uri="{28A0092B-C50C-407E-A947-70E740481C1C}">
+                <a14:useLocalDpi xmlns:a14="http://schemas.microsoft.com/office/drawing/2010/main" val="0"/>
+              </a:ext>
+            </a:extLst>
+          </a:blip>
+          <a:srcRect/>
+          <a:stretch>
+            <a:fillRect/>
+          </a:stretch>
+        </p:blipFill>
+        <p:spPr bwMode="auto">
+          <a:xfrm>
+            <a:off x="4012001" y="1557075"/>
+            <a:ext cx="914400" cy="914400"/>
+          </a:xfrm>
+          <a:prstGeom prst="rect">
+            <a:avLst/>
+          </a:prstGeom>
+          <a:noFill/>
+          <a:extLst>
+            <a:ext uri="{909E8E84-426E-40DD-AFC4-6F175D3DCCD1}">
+              <a14:hiddenFill xmlns:a14="http://schemas.microsoft.com/office/drawing/2010/main">
+                <a:solidFill>
+                  <a:srgbClr val="FFFFFF"/>
+                </a:solidFill>
+              </a14:hiddenFill>
+            </a:ext>
+          </a:extLst>
+        </p:spPr>
+      </p:pic>
+      <p:pic>
+        <p:nvPicPr>
+          <p:cNvPr id="7" name="Picture 5" descr="F:\xampp\htdocs\ernesto\ConsulenzaLegale\public\img\old\who.png"/>
+          <p:cNvPicPr>
+            <a:picLocks noChangeAspect="1" noChangeArrowheads="1"/>
+          </p:cNvPicPr>
+          <p:nvPr/>
+        </p:nvPicPr>
+        <p:blipFill>
+          <a:blip r:embed="rId8">
+            <a:duotone>
+              <a:schemeClr val="accent6">
+                <a:shade val="45000"/>
+                <a:satMod val="135000"/>
+              </a:schemeClr>
+              <a:prstClr val="white"/>
+            </a:duotone>
+            <a:extLst>
+              <a:ext uri="{BEBA8EAE-BF5A-486C-A8C5-ECC9F3942E4B}">
+                <a14:imgProps xmlns:a14="http://schemas.microsoft.com/office/drawing/2010/main">
+                  <a14:imgLayer r:embed="rId9">
+                    <a14:imgEffect>
+                      <a14:artisticCutout/>
+                    </a14:imgEffect>
+                    <a14:imgEffect>
+                      <a14:brightnessContrast bright="-40000" contrast="40000"/>
+                    </a14:imgEffect>
+                  </a14:imgLayer>
+                </a14:imgProps>
+              </a:ext>
+              <a:ext uri="{28A0092B-C50C-407E-A947-70E740481C1C}">
+                <a14:useLocalDpi xmlns:a14="http://schemas.microsoft.com/office/drawing/2010/main" val="0"/>
+              </a:ext>
+            </a:extLst>
+          </a:blip>
+          <a:srcRect/>
+          <a:stretch>
+            <a:fillRect/>
+          </a:stretch>
+        </p:blipFill>
+        <p:spPr bwMode="auto">
+          <a:xfrm>
+            <a:off x="5592763" y="1346200"/>
+            <a:ext cx="914400" cy="914400"/>
+          </a:xfrm>
+          <a:prstGeom prst="rect">
+            <a:avLst/>
+          </a:prstGeom>
+          <a:noFill/>
+          <a:extLst>
+            <a:ext uri="{909E8E84-426E-40DD-AFC4-6F175D3DCCD1}">
+              <a14:hiddenFill xmlns:a14="http://schemas.microsoft.com/office/drawing/2010/main">
+                <a:solidFill>
+                  <a:srgbClr val="FFFFFF"/>
+                </a:solidFill>
+              </a14:hiddenFill>
+            </a:ext>
+          </a:extLst>
+        </p:spPr>
+      </p:pic>
+      <p:pic>
+        <p:nvPicPr>
+          <p:cNvPr id="8" name="Picture 6" descr="F:\xampp\htdocs\ernesto\ConsulenzaLegale\public\img\properties.png"/>
+          <p:cNvPicPr>
+            <a:picLocks noChangeAspect="1" noChangeArrowheads="1"/>
+          </p:cNvPicPr>
+          <p:nvPr/>
+        </p:nvPicPr>
+        <p:blipFill>
+          <a:blip r:embed="rId10">
+            <a:duotone>
+              <a:schemeClr val="accent6">
+                <a:shade val="45000"/>
+                <a:satMod val="135000"/>
+              </a:schemeClr>
+              <a:prstClr val="white"/>
+            </a:duotone>
+            <a:extLst>
+              <a:ext uri="{BEBA8EAE-BF5A-486C-A8C5-ECC9F3942E4B}">
+                <a14:imgProps xmlns:a14="http://schemas.microsoft.com/office/drawing/2010/main">
+                  <a14:imgLayer r:embed="rId11">
+                    <a14:imgEffect>
+                      <a14:artisticCutout/>
+                    </a14:imgEffect>
+                    <a14:imgEffect>
+                      <a14:brightnessContrast bright="-40000" contrast="40000"/>
+                    </a14:imgEffect>
+                  </a14:imgLayer>
+                </a14:imgProps>
+              </a:ext>
+              <a:ext uri="{28A0092B-C50C-407E-A947-70E740481C1C}">
+                <a14:useLocalDpi xmlns:a14="http://schemas.microsoft.com/office/drawing/2010/main" val="0"/>
+              </a:ext>
+            </a:extLst>
+          </a:blip>
+          <a:srcRect/>
+          <a:stretch>
+            <a:fillRect/>
+          </a:stretch>
+        </p:blipFill>
+        <p:spPr bwMode="auto">
+          <a:xfrm>
+            <a:off x="2586038" y="3802063"/>
+            <a:ext cx="914400" cy="914400"/>
+          </a:xfrm>
+          <a:prstGeom prst="rect">
+            <a:avLst/>
+          </a:prstGeom>
+          <a:noFill/>
+          <a:extLst>
+            <a:ext uri="{909E8E84-426E-40DD-AFC4-6F175D3DCCD1}">
+              <a14:hiddenFill xmlns:a14="http://schemas.microsoft.com/office/drawing/2010/main">
+                <a:solidFill>
+                  <a:srgbClr val="FFFFFF"/>
+                </a:solidFill>
+              </a14:hiddenFill>
+            </a:ext>
+          </a:extLst>
+        </p:spPr>
+      </p:pic>
+      <p:pic>
+        <p:nvPicPr>
+          <p:cNvPr id="9" name="Picture 7" descr="F:\xampp\htdocs\ernesto\ConsulenzaLegale\public\img\content.png"/>
+          <p:cNvPicPr>
+            <a:picLocks noChangeAspect="1" noChangeArrowheads="1"/>
+          </p:cNvPicPr>
+          <p:nvPr/>
+        </p:nvPicPr>
+        <p:blipFill>
+          <a:blip r:embed="rId12">
+            <a:duotone>
+              <a:schemeClr val="accent6">
+                <a:shade val="45000"/>
+                <a:satMod val="135000"/>
+              </a:schemeClr>
+              <a:prstClr val="white"/>
+            </a:duotone>
+            <a:extLst>
+              <a:ext uri="{BEBA8EAE-BF5A-486C-A8C5-ECC9F3942E4B}">
+                <a14:imgProps xmlns:a14="http://schemas.microsoft.com/office/drawing/2010/main">
+                  <a14:imgLayer r:embed="rId13">
+                    <a14:imgEffect>
+                      <a14:artisticCutout/>
+                    </a14:imgEffect>
+                    <a14:imgEffect>
+                      <a14:brightnessContrast bright="-40000" contrast="40000"/>
+                    </a14:imgEffect>
+                  </a14:imgLayer>
+                </a14:imgProps>
+              </a:ext>
+              <a:ext uri="{28A0092B-C50C-407E-A947-70E740481C1C}">
+                <a14:useLocalDpi xmlns:a14="http://schemas.microsoft.com/office/drawing/2010/main" val="0"/>
+              </a:ext>
+            </a:extLst>
+          </a:blip>
+          <a:srcRect/>
+          <a:stretch>
+            <a:fillRect/>
+          </a:stretch>
+        </p:blipFill>
+        <p:spPr bwMode="auto">
+          <a:xfrm>
+            <a:off x="4591050" y="3651250"/>
+            <a:ext cx="914400" cy="914400"/>
+          </a:xfrm>
+          <a:prstGeom prst="rect">
+            <a:avLst/>
+          </a:prstGeom>
+          <a:noFill/>
+          <a:extLst>
+            <a:ext uri="{909E8E84-426E-40DD-AFC4-6F175D3DCCD1}">
+              <a14:hiddenFill xmlns:a14="http://schemas.microsoft.com/office/drawing/2010/main">
+                <a:solidFill>
+                  <a:srgbClr val="FFFFFF"/>
+                </a:solidFill>
+              </a14:hiddenFill>
+            </a:ext>
+          </a:extLst>
+        </p:spPr>
+      </p:pic>
+    </p:spTree>
+    <p:extLst>
+      <p:ext uri="{BB962C8B-B14F-4D97-AF65-F5344CB8AC3E}">
+        <p14:creationId xmlns:p14="http://schemas.microsoft.com/office/powerpoint/2010/main" val="2960609574"/>
+      </p:ext>
+    </p:extLst>
+  </p:cSld>
+  <p:clrMapOvr>
+    <a:masterClrMapping/>
+  </p:clrMapOvr>
+</p:sld>
+</file>
+
+<file path=ppt/slides/slide6.xml><?xml version="1.0" encoding="utf-8"?>
 <p:sld xmlns:a="http://schemas.openxmlformats.org/drawingml/2006/main" xmlns:r="http://schemas.openxmlformats.org/officeDocument/2006/relationships" xmlns:p="http://schemas.openxmlformats.org/presentationml/2006/main">
   <p:cSld>
     <p:spTree>
@@ -7478,7 +7872,7 @@
 </p:sld>
 </file>
 
-<file path=ppt/slides/slide6.xml><?xml version="1.0" encoding="utf-8"?>
+<file path=ppt/slides/slide7.xml><?xml version="1.0" encoding="utf-8"?>
 <p:sld xmlns:a="http://schemas.openxmlformats.org/drawingml/2006/main" xmlns:r="http://schemas.openxmlformats.org/officeDocument/2006/relationships" xmlns:p="http://schemas.openxmlformats.org/presentationml/2006/main">
   <p:cSld>
     <p:spTree>

--- a/ConsulenzaLegale/res/logo.pptx
+++ b/ConsulenzaLegale/res/logo.pptx
@@ -12,6 +12,7 @@
     <p:sldId id="263" r:id="rId6"/>
     <p:sldId id="258" r:id="rId7"/>
     <p:sldId id="259" r:id="rId8"/>
+    <p:sldId id="264" r:id="rId9"/>
   </p:sldIdLst>
   <p:sldSz cx="9144000" cy="6858000" type="screen4x3"/>
   <p:notesSz cx="6858000" cy="9144000"/>
@@ -294,7 +295,7 @@
           <a:p>
             <a:fld id="{05BF656D-9183-4C9C-AEA2-F0357128171C}" type="datetimeFigureOut">
               <a:rPr lang="it-IT" smtClean="0"/>
-              <a:t>31/05/2016</a:t>
+              <a:t>01/06/2016</a:t>
             </a:fld>
             <a:endParaRPr lang="it-IT"/>
           </a:p>
@@ -464,7 +465,7 @@
           <a:p>
             <a:fld id="{05BF656D-9183-4C9C-AEA2-F0357128171C}" type="datetimeFigureOut">
               <a:rPr lang="it-IT" smtClean="0"/>
-              <a:t>31/05/2016</a:t>
+              <a:t>01/06/2016</a:t>
             </a:fld>
             <a:endParaRPr lang="it-IT"/>
           </a:p>
@@ -644,7 +645,7 @@
           <a:p>
             <a:fld id="{05BF656D-9183-4C9C-AEA2-F0357128171C}" type="datetimeFigureOut">
               <a:rPr lang="it-IT" smtClean="0"/>
-              <a:t>31/05/2016</a:t>
+              <a:t>01/06/2016</a:t>
             </a:fld>
             <a:endParaRPr lang="it-IT"/>
           </a:p>
@@ -814,7 +815,7 @@
           <a:p>
             <a:fld id="{05BF656D-9183-4C9C-AEA2-F0357128171C}" type="datetimeFigureOut">
               <a:rPr lang="it-IT" smtClean="0"/>
-              <a:t>31/05/2016</a:t>
+              <a:t>01/06/2016</a:t>
             </a:fld>
             <a:endParaRPr lang="it-IT"/>
           </a:p>
@@ -1060,7 +1061,7 @@
           <a:p>
             <a:fld id="{05BF656D-9183-4C9C-AEA2-F0357128171C}" type="datetimeFigureOut">
               <a:rPr lang="it-IT" smtClean="0"/>
-              <a:t>31/05/2016</a:t>
+              <a:t>01/06/2016</a:t>
             </a:fld>
             <a:endParaRPr lang="it-IT"/>
           </a:p>
@@ -1348,7 +1349,7 @@
           <a:p>
             <a:fld id="{05BF656D-9183-4C9C-AEA2-F0357128171C}" type="datetimeFigureOut">
               <a:rPr lang="it-IT" smtClean="0"/>
-              <a:t>31/05/2016</a:t>
+              <a:t>01/06/2016</a:t>
             </a:fld>
             <a:endParaRPr lang="it-IT"/>
           </a:p>
@@ -1770,7 +1771,7 @@
           <a:p>
             <a:fld id="{05BF656D-9183-4C9C-AEA2-F0357128171C}" type="datetimeFigureOut">
               <a:rPr lang="it-IT" smtClean="0"/>
-              <a:t>31/05/2016</a:t>
+              <a:t>01/06/2016</a:t>
             </a:fld>
             <a:endParaRPr lang="it-IT"/>
           </a:p>
@@ -1888,7 +1889,7 @@
           <a:p>
             <a:fld id="{05BF656D-9183-4C9C-AEA2-F0357128171C}" type="datetimeFigureOut">
               <a:rPr lang="it-IT" smtClean="0"/>
-              <a:t>31/05/2016</a:t>
+              <a:t>01/06/2016</a:t>
             </a:fld>
             <a:endParaRPr lang="it-IT"/>
           </a:p>
@@ -1983,7 +1984,7 @@
           <a:p>
             <a:fld id="{05BF656D-9183-4C9C-AEA2-F0357128171C}" type="datetimeFigureOut">
               <a:rPr lang="it-IT" smtClean="0"/>
-              <a:t>31/05/2016</a:t>
+              <a:t>01/06/2016</a:t>
             </a:fld>
             <a:endParaRPr lang="it-IT"/>
           </a:p>
@@ -2260,7 +2261,7 @@
           <a:p>
             <a:fld id="{05BF656D-9183-4C9C-AEA2-F0357128171C}" type="datetimeFigureOut">
               <a:rPr lang="it-IT" smtClean="0"/>
-              <a:t>31/05/2016</a:t>
+              <a:t>01/06/2016</a:t>
             </a:fld>
             <a:endParaRPr lang="it-IT"/>
           </a:p>
@@ -2513,7 +2514,7 @@
           <a:p>
             <a:fld id="{05BF656D-9183-4C9C-AEA2-F0357128171C}" type="datetimeFigureOut">
               <a:rPr lang="it-IT" smtClean="0"/>
-              <a:t>31/05/2016</a:t>
+              <a:t>01/06/2016</a:t>
             </a:fld>
             <a:endParaRPr lang="it-IT"/>
           </a:p>
@@ -2726,7 +2727,7 @@
           <a:p>
             <a:fld id="{05BF656D-9183-4C9C-AEA2-F0357128171C}" type="datetimeFigureOut">
               <a:rPr lang="it-IT" smtClean="0"/>
-              <a:t>31/05/2016</a:t>
+              <a:t>01/06/2016</a:t>
             </a:fld>
             <a:endParaRPr lang="it-IT"/>
           </a:p>
@@ -3143,7 +3144,7 @@
         </p:blipFill>
         <p:spPr bwMode="auto">
           <a:xfrm>
-            <a:off x="1162224" y="-243408"/>
+            <a:off x="1149524" y="-97358"/>
             <a:ext cx="6156000" cy="4246570"/>
           </a:xfrm>
           <a:prstGeom prst="rect">
@@ -3161,218 +3162,45 @@
           </a:extLst>
         </p:spPr>
       </p:pic>
-      <p:sp>
-        <p:nvSpPr>
-          <p:cNvPr id="4" name="Ovale 3"/>
-          <p:cNvSpPr/>
-          <p:nvPr/>
-        </p:nvSpPr>
-        <p:spPr>
-          <a:xfrm>
-            <a:off x="3923928" y="3933056"/>
-            <a:ext cx="576064" cy="576064"/>
-          </a:xfrm>
-          <a:prstGeom prst="ellipse">
-            <a:avLst/>
-          </a:prstGeom>
-          <a:noFill/>
-          <a:ln w="76200"/>
-        </p:spPr>
-        <p:style>
-          <a:lnRef idx="2">
-            <a:schemeClr val="accent1">
-              <a:shade val="50000"/>
-            </a:schemeClr>
-          </a:lnRef>
-          <a:fillRef idx="1">
-            <a:schemeClr val="accent1"/>
-          </a:fillRef>
-          <a:effectRef idx="0">
-            <a:schemeClr val="accent1"/>
-          </a:effectRef>
-          <a:fontRef idx="minor">
-            <a:schemeClr val="lt1"/>
-          </a:fontRef>
-        </p:style>
-        <p:txBody>
-          <a:bodyPr rtlCol="0" anchor="ctr"/>
-          <a:lstStyle/>
-          <a:p>
-            <a:pPr algn="ctr"/>
-            <a:endParaRPr lang="it-IT"/>
-          </a:p>
-        </p:txBody>
-      </p:sp>
-      <p:sp>
-        <p:nvSpPr>
-          <p:cNvPr id="7" name="Rettangolo arrotondato 6"/>
-          <p:cNvSpPr/>
-          <p:nvPr/>
-        </p:nvSpPr>
-        <p:spPr>
-          <a:xfrm rot="21211910">
-            <a:off x="4404169" y="4018541"/>
-            <a:ext cx="2808312" cy="216024"/>
-          </a:xfrm>
-          <a:prstGeom prst="roundRect">
-            <a:avLst>
-              <a:gd name="adj" fmla="val 50000"/>
-            </a:avLst>
-          </a:prstGeom>
-          <a:solidFill>
-            <a:schemeClr val="accent1">
-              <a:lumMod val="75000"/>
-            </a:schemeClr>
-          </a:solidFill>
-          <a:ln>
-            <a:noFill/>
-          </a:ln>
-        </p:spPr>
-        <p:style>
-          <a:lnRef idx="2">
-            <a:schemeClr val="accent1">
-              <a:shade val="50000"/>
-            </a:schemeClr>
-          </a:lnRef>
-          <a:fillRef idx="1">
-            <a:schemeClr val="accent1"/>
-          </a:fillRef>
-          <a:effectRef idx="0">
-            <a:schemeClr val="accent1"/>
-          </a:effectRef>
-          <a:fontRef idx="minor">
-            <a:schemeClr val="lt1"/>
-          </a:fontRef>
-        </p:style>
-        <p:txBody>
-          <a:bodyPr rtlCol="0" anchor="ctr"/>
-          <a:lstStyle/>
-          <a:p>
-            <a:pPr algn="ctr"/>
-            <a:endParaRPr lang="it-IT"/>
-          </a:p>
-        </p:txBody>
-      </p:sp>
-      <p:sp>
-        <p:nvSpPr>
-          <p:cNvPr id="8" name="Ovale 7"/>
-          <p:cNvSpPr/>
-          <p:nvPr/>
-        </p:nvSpPr>
-        <p:spPr>
-          <a:xfrm>
-            <a:off x="3950113" y="4003162"/>
-            <a:ext cx="523695" cy="576064"/>
-          </a:xfrm>
-          <a:prstGeom prst="ellipse">
-            <a:avLst/>
-          </a:prstGeom>
-          <a:noFill/>
-          <a:ln w="76200"/>
-        </p:spPr>
-        <p:style>
-          <a:lnRef idx="2">
-            <a:schemeClr val="accent1">
-              <a:shade val="50000"/>
-            </a:schemeClr>
-          </a:lnRef>
-          <a:fillRef idx="1">
-            <a:schemeClr val="accent1"/>
-          </a:fillRef>
-          <a:effectRef idx="0">
-            <a:schemeClr val="accent1"/>
-          </a:effectRef>
-          <a:fontRef idx="minor">
-            <a:schemeClr val="lt1"/>
-          </a:fontRef>
-        </p:style>
-        <p:txBody>
-          <a:bodyPr rtlCol="0" anchor="ctr"/>
-          <a:lstStyle/>
-          <a:p>
-            <a:pPr algn="ctr"/>
-            <a:endParaRPr lang="it-IT"/>
-          </a:p>
-        </p:txBody>
-      </p:sp>
-      <p:sp>
-        <p:nvSpPr>
-          <p:cNvPr id="9" name="Ovale 8"/>
-          <p:cNvSpPr/>
-          <p:nvPr/>
-        </p:nvSpPr>
-        <p:spPr>
-          <a:xfrm>
-            <a:off x="3995179" y="4069452"/>
-            <a:ext cx="432805" cy="576064"/>
-          </a:xfrm>
-          <a:prstGeom prst="ellipse">
-            <a:avLst/>
-          </a:prstGeom>
-          <a:noFill/>
-          <a:ln w="76200"/>
-        </p:spPr>
-        <p:style>
-          <a:lnRef idx="2">
-            <a:schemeClr val="accent1">
-              <a:shade val="50000"/>
-            </a:schemeClr>
-          </a:lnRef>
-          <a:fillRef idx="1">
-            <a:schemeClr val="accent1"/>
-          </a:fillRef>
-          <a:effectRef idx="0">
-            <a:schemeClr val="accent1"/>
-          </a:effectRef>
-          <a:fontRef idx="minor">
-            <a:schemeClr val="lt1"/>
-          </a:fontRef>
-        </p:style>
-        <p:txBody>
-          <a:bodyPr rtlCol="0" anchor="ctr"/>
-          <a:lstStyle/>
-          <a:p>
-            <a:pPr algn="ctr"/>
-            <a:endParaRPr lang="it-IT"/>
-          </a:p>
-        </p:txBody>
-      </p:sp>
       <p:grpSp>
         <p:nvGrpSpPr>
-          <p:cNvPr id="26" name="Gruppo 25"/>
+          <p:cNvPr id="2" name="Gruppo 1"/>
           <p:cNvGrpSpPr/>
           <p:nvPr/>
         </p:nvGrpSpPr>
         <p:grpSpPr>
-          <a:xfrm rot="21307307" flipH="1">
-            <a:off x="4218233" y="3062189"/>
-            <a:ext cx="4982400" cy="1432540"/>
-            <a:chOff x="1676909" y="1196752"/>
-            <a:chExt cx="4982944" cy="1432540"/>
+          <a:xfrm>
+            <a:off x="4093017" y="3284266"/>
+            <a:ext cx="5066488" cy="1312269"/>
+            <a:chOff x="4093017" y="3284266"/>
+            <a:chExt cx="5066488" cy="1312269"/>
           </a:xfrm>
         </p:grpSpPr>
         <p:sp>
           <p:nvSpPr>
-            <p:cNvPr id="22" name="Arco 21"/>
+            <p:cNvPr id="42" name="Arco 41"/>
             <p:cNvSpPr/>
             <p:nvPr/>
           </p:nvSpPr>
           <p:spPr>
-            <a:xfrm>
-              <a:off x="1907325" y="1837204"/>
-              <a:ext cx="4752528" cy="792088"/>
+            <a:xfrm rot="21307307" flipH="1">
+              <a:off x="4407496" y="3284266"/>
+              <a:ext cx="4752009" cy="1144508"/>
             </a:xfrm>
             <a:prstGeom prst="arc">
               <a:avLst>
-                <a:gd name="adj1" fmla="val 12844504"/>
-                <a:gd name="adj2" fmla="val 21258290"/>
+                <a:gd name="adj1" fmla="val 13649308"/>
+                <a:gd name="adj2" fmla="val 8702"/>
               </a:avLst>
             </a:prstGeom>
-            <a:ln w="76200">
+            <a:solidFill>
+              <a:schemeClr val="accent1">
+                <a:lumMod val="75000"/>
+              </a:schemeClr>
+            </a:solidFill>
+            <a:ln w="38100">
               <a:solidFill>
-                <a:schemeClr val="accent1">
-                  <a:lumMod val="75000"/>
-                </a:schemeClr>
+                <a:schemeClr val="tx1"/>
               </a:solidFill>
             </a:ln>
           </p:spPr>
@@ -3401,26 +3229,29 @@
         </p:sp>
         <p:sp>
           <p:nvSpPr>
-            <p:cNvPr id="23" name="Arco 22"/>
+            <p:cNvPr id="43" name="Arco 42"/>
             <p:cNvSpPr/>
             <p:nvPr/>
           </p:nvSpPr>
           <p:spPr>
-            <a:xfrm>
-              <a:off x="1676909" y="1619084"/>
-              <a:ext cx="4752528" cy="792088"/>
+            <a:xfrm rot="21307307" flipH="1">
+              <a:off x="4394658" y="3470369"/>
+              <a:ext cx="4752009" cy="998396"/>
             </a:xfrm>
             <a:prstGeom prst="arc">
               <a:avLst>
                 <a:gd name="adj1" fmla="val 13703058"/>
-                <a:gd name="adj2" fmla="val 21472270"/>
+                <a:gd name="adj2" fmla="val 21464359"/>
               </a:avLst>
             </a:prstGeom>
-            <a:ln w="76200">
+            <a:solidFill>
+              <a:schemeClr val="accent1">
+                <a:lumMod val="75000"/>
+              </a:schemeClr>
+            </a:solidFill>
+            <a:ln w="38100">
               <a:solidFill>
-                <a:schemeClr val="accent1">
-                  <a:lumMod val="75000"/>
-                </a:schemeClr>
+                <a:schemeClr val="tx1"/>
               </a:solidFill>
             </a:ln>
           </p:spPr>
@@ -3449,26 +3280,29 @@
         </p:sp>
         <p:sp>
           <p:nvSpPr>
-            <p:cNvPr id="24" name="Arco 23"/>
+            <p:cNvPr id="44" name="Arco 43"/>
             <p:cNvSpPr/>
             <p:nvPr/>
           </p:nvSpPr>
           <p:spPr>
-            <a:xfrm>
-              <a:off x="1763688" y="1412776"/>
-              <a:ext cx="4752528" cy="998396"/>
+            <a:xfrm rot="21307307" flipH="1">
+              <a:off x="4381049" y="3616998"/>
+              <a:ext cx="4752009" cy="792088"/>
             </a:xfrm>
             <a:prstGeom prst="arc">
               <a:avLst>
                 <a:gd name="adj1" fmla="val 13703058"/>
-                <a:gd name="adj2" fmla="val 21464359"/>
+                <a:gd name="adj2" fmla="val 21472270"/>
               </a:avLst>
             </a:prstGeom>
-            <a:ln w="76200">
+            <a:solidFill>
+              <a:schemeClr val="accent1">
+                <a:lumMod val="75000"/>
+              </a:schemeClr>
+            </a:solidFill>
+            <a:ln w="38100">
               <a:solidFill>
-                <a:schemeClr val="accent1">
-                  <a:lumMod val="75000"/>
-                </a:schemeClr>
+                <a:schemeClr val="tx1"/>
               </a:solidFill>
             </a:ln>
           </p:spPr>
@@ -3497,26 +3331,29 @@
         </p:sp>
         <p:sp>
           <p:nvSpPr>
-            <p:cNvPr id="25" name="Arco 24"/>
+            <p:cNvPr id="45" name="Arco 44"/>
             <p:cNvSpPr/>
             <p:nvPr/>
           </p:nvSpPr>
           <p:spPr>
-            <a:xfrm>
-              <a:off x="1835696" y="1196752"/>
-              <a:ext cx="4752528" cy="1144508"/>
+            <a:xfrm rot="21307307" flipH="1">
+              <a:off x="4093017" y="3804447"/>
+              <a:ext cx="4752009" cy="792088"/>
             </a:xfrm>
             <a:prstGeom prst="arc">
               <a:avLst>
-                <a:gd name="adj1" fmla="val 13649308"/>
-                <a:gd name="adj2" fmla="val 8702"/>
+                <a:gd name="adj1" fmla="val 12844504"/>
+                <a:gd name="adj2" fmla="val 21258290"/>
               </a:avLst>
             </a:prstGeom>
-            <a:ln w="76200">
+            <a:solidFill>
+              <a:schemeClr val="accent1">
+                <a:lumMod val="75000"/>
+              </a:schemeClr>
+            </a:solidFill>
+            <a:ln w="38100">
               <a:solidFill>
-                <a:schemeClr val="accent1">
-                  <a:lumMod val="75000"/>
-                </a:schemeClr>
+                <a:schemeClr val="tx1"/>
               </a:solidFill>
             </a:ln>
           </p:spPr>
@@ -3543,31 +3380,16 @@
             </a:p>
           </p:txBody>
         </p:sp>
-      </p:grpSp>
-      <p:grpSp>
-        <p:nvGrpSpPr>
-          <p:cNvPr id="27" name="Gruppo 26"/>
-          <p:cNvGrpSpPr/>
-          <p:nvPr/>
-        </p:nvGrpSpPr>
-        <p:grpSpPr>
-          <a:xfrm flipH="1">
-            <a:off x="-747592" y="3058728"/>
-            <a:ext cx="4982400" cy="1432540"/>
-            <a:chOff x="1925366" y="901948"/>
-            <a:chExt cx="4982400" cy="1432540"/>
-          </a:xfrm>
-        </p:grpSpPr>
         <p:sp>
           <p:nvSpPr>
-            <p:cNvPr id="28" name="Rettangolo arrotondato 27"/>
+            <p:cNvPr id="46" name="Rettangolo arrotondato 45"/>
             <p:cNvSpPr/>
             <p:nvPr/>
           </p:nvSpPr>
           <p:spPr>
             <a:xfrm rot="21211910">
-              <a:off x="2111302" y="1858300"/>
-              <a:ext cx="2808312" cy="216024"/>
+              <a:off x="4406426" y="4022500"/>
+              <a:ext cx="2736000" cy="252000"/>
             </a:xfrm>
             <a:prstGeom prst="roundRect">
               <a:avLst>
@@ -3579,8 +3401,10 @@
                 <a:lumMod val="75000"/>
               </a:schemeClr>
             </a:solidFill>
-            <a:ln>
-              <a:noFill/>
+            <a:ln w="38100">
+              <a:solidFill>
+                <a:schemeClr val="tx1"/>
+              </a:solidFill>
             </a:ln>
           </p:spPr>
           <p:style>
@@ -3608,214 +3432,600 @@
             </a:p>
           </p:txBody>
         </p:sp>
-        <p:grpSp>
-          <p:nvGrpSpPr>
-            <p:cNvPr id="29" name="Gruppo 28"/>
-            <p:cNvGrpSpPr/>
+      </p:grpSp>
+      <p:grpSp>
+        <p:nvGrpSpPr>
+          <p:cNvPr id="47" name="Gruppo 46"/>
+          <p:cNvGrpSpPr/>
+          <p:nvPr/>
+        </p:nvGrpSpPr>
+        <p:grpSpPr>
+          <a:xfrm flipH="1">
+            <a:off x="-705007" y="3284984"/>
+            <a:ext cx="5065200" cy="1312269"/>
+            <a:chOff x="4093017" y="3284266"/>
+            <a:chExt cx="5066488" cy="1312269"/>
+          </a:xfrm>
+        </p:grpSpPr>
+        <p:sp>
+          <p:nvSpPr>
+            <p:cNvPr id="48" name="Arco 47"/>
+            <p:cNvSpPr/>
             <p:nvPr/>
-          </p:nvGrpSpPr>
-          <p:grpSpPr>
+          </p:nvSpPr>
+          <p:spPr>
             <a:xfrm rot="21307307" flipH="1">
-              <a:off x="1925366" y="901948"/>
-              <a:ext cx="4982400" cy="1432540"/>
-              <a:chOff x="1676909" y="1196752"/>
-              <a:chExt cx="4982944" cy="1432540"/>
+              <a:off x="4407496" y="3284266"/>
+              <a:ext cx="4752009" cy="1144508"/>
             </a:xfrm>
-          </p:grpSpPr>
-          <p:sp>
-            <p:nvSpPr>
-              <p:cNvPr id="30" name="Arco 29"/>
-              <p:cNvSpPr/>
-              <p:nvPr/>
-            </p:nvSpPr>
-            <p:spPr>
-              <a:xfrm>
-                <a:off x="1907325" y="1837204"/>
-                <a:ext cx="4752528" cy="792088"/>
-              </a:xfrm>
-              <a:prstGeom prst="arc">
-                <a:avLst>
-                  <a:gd name="adj1" fmla="val 12844504"/>
-                  <a:gd name="adj2" fmla="val 21258290"/>
-                </a:avLst>
-              </a:prstGeom>
-              <a:ln w="76200">
-                <a:solidFill>
-                  <a:schemeClr val="accent1">
-                    <a:lumMod val="75000"/>
-                  </a:schemeClr>
-                </a:solidFill>
-              </a:ln>
-            </p:spPr>
-            <p:style>
-              <a:lnRef idx="1">
-                <a:schemeClr val="accent1"/>
-              </a:lnRef>
-              <a:fillRef idx="0">
-                <a:schemeClr val="accent1"/>
-              </a:fillRef>
-              <a:effectRef idx="0">
-                <a:schemeClr val="accent1"/>
-              </a:effectRef>
-              <a:fontRef idx="minor">
+            <a:prstGeom prst="arc">
+              <a:avLst>
+                <a:gd name="adj1" fmla="val 13649308"/>
+                <a:gd name="adj2" fmla="val 8702"/>
+              </a:avLst>
+            </a:prstGeom>
+            <a:solidFill>
+              <a:schemeClr val="accent1">
+                <a:lumMod val="75000"/>
+              </a:schemeClr>
+            </a:solidFill>
+            <a:ln w="38100">
+              <a:solidFill>
                 <a:schemeClr val="tx1"/>
-              </a:fontRef>
-            </p:style>
-            <p:txBody>
-              <a:bodyPr rtlCol="0" anchor="ctr"/>
-              <a:lstStyle/>
-              <a:p>
-                <a:pPr algn="ctr"/>
-                <a:endParaRPr lang="it-IT"/>
-              </a:p>
-            </p:txBody>
-          </p:sp>
-          <p:sp>
-            <p:nvSpPr>
-              <p:cNvPr id="31" name="Arco 30"/>
-              <p:cNvSpPr/>
-              <p:nvPr/>
-            </p:nvSpPr>
-            <p:spPr>
-              <a:xfrm>
-                <a:off x="1676909" y="1619084"/>
-                <a:ext cx="4752528" cy="792088"/>
-              </a:xfrm>
-              <a:prstGeom prst="arc">
-                <a:avLst>
-                  <a:gd name="adj1" fmla="val 13703058"/>
-                  <a:gd name="adj2" fmla="val 21472270"/>
-                </a:avLst>
-              </a:prstGeom>
-              <a:ln w="76200">
-                <a:solidFill>
-                  <a:schemeClr val="accent1">
-                    <a:lumMod val="75000"/>
-                  </a:schemeClr>
-                </a:solidFill>
-              </a:ln>
-            </p:spPr>
-            <p:style>
-              <a:lnRef idx="1">
-                <a:schemeClr val="accent1"/>
-              </a:lnRef>
-              <a:fillRef idx="0">
-                <a:schemeClr val="accent1"/>
-              </a:fillRef>
-              <a:effectRef idx="0">
-                <a:schemeClr val="accent1"/>
-              </a:effectRef>
-              <a:fontRef idx="minor">
+              </a:solidFill>
+            </a:ln>
+          </p:spPr>
+          <p:style>
+            <a:lnRef idx="1">
+              <a:schemeClr val="accent1"/>
+            </a:lnRef>
+            <a:fillRef idx="0">
+              <a:schemeClr val="accent1"/>
+            </a:fillRef>
+            <a:effectRef idx="0">
+              <a:schemeClr val="accent1"/>
+            </a:effectRef>
+            <a:fontRef idx="minor">
+              <a:schemeClr val="tx1"/>
+            </a:fontRef>
+          </p:style>
+          <p:txBody>
+            <a:bodyPr rtlCol="0" anchor="ctr"/>
+            <a:lstStyle/>
+            <a:p>
+              <a:pPr algn="ctr"/>
+              <a:endParaRPr lang="it-IT"/>
+            </a:p>
+          </p:txBody>
+        </p:sp>
+        <p:sp>
+          <p:nvSpPr>
+            <p:cNvPr id="49" name="Arco 48"/>
+            <p:cNvSpPr/>
+            <p:nvPr/>
+          </p:nvSpPr>
+          <p:spPr>
+            <a:xfrm rot="21307307" flipH="1">
+              <a:off x="4394658" y="3470369"/>
+              <a:ext cx="4752009" cy="998396"/>
+            </a:xfrm>
+            <a:prstGeom prst="arc">
+              <a:avLst>
+                <a:gd name="adj1" fmla="val 13703058"/>
+                <a:gd name="adj2" fmla="val 21464359"/>
+              </a:avLst>
+            </a:prstGeom>
+            <a:solidFill>
+              <a:schemeClr val="accent1">
+                <a:lumMod val="75000"/>
+              </a:schemeClr>
+            </a:solidFill>
+            <a:ln w="38100">
+              <a:solidFill>
                 <a:schemeClr val="tx1"/>
-              </a:fontRef>
-            </p:style>
-            <p:txBody>
-              <a:bodyPr rtlCol="0" anchor="ctr"/>
-              <a:lstStyle/>
-              <a:p>
-                <a:pPr algn="ctr"/>
-                <a:endParaRPr lang="it-IT"/>
-              </a:p>
-            </p:txBody>
-          </p:sp>
-          <p:sp>
-            <p:nvSpPr>
-              <p:cNvPr id="32" name="Arco 31"/>
-              <p:cNvSpPr/>
-              <p:nvPr/>
-            </p:nvSpPr>
-            <p:spPr>
-              <a:xfrm>
-                <a:off x="1763688" y="1412776"/>
-                <a:ext cx="4752528" cy="998396"/>
-              </a:xfrm>
-              <a:prstGeom prst="arc">
-                <a:avLst>
-                  <a:gd name="adj1" fmla="val 13703058"/>
-                  <a:gd name="adj2" fmla="val 21464359"/>
-                </a:avLst>
-              </a:prstGeom>
-              <a:ln w="76200">
-                <a:solidFill>
-                  <a:schemeClr val="accent1">
-                    <a:lumMod val="75000"/>
-                  </a:schemeClr>
-                </a:solidFill>
-              </a:ln>
-            </p:spPr>
-            <p:style>
-              <a:lnRef idx="1">
-                <a:schemeClr val="accent1"/>
-              </a:lnRef>
-              <a:fillRef idx="0">
-                <a:schemeClr val="accent1"/>
-              </a:fillRef>
-              <a:effectRef idx="0">
-                <a:schemeClr val="accent1"/>
-              </a:effectRef>
-              <a:fontRef idx="minor">
+              </a:solidFill>
+            </a:ln>
+          </p:spPr>
+          <p:style>
+            <a:lnRef idx="1">
+              <a:schemeClr val="accent1"/>
+            </a:lnRef>
+            <a:fillRef idx="0">
+              <a:schemeClr val="accent1"/>
+            </a:fillRef>
+            <a:effectRef idx="0">
+              <a:schemeClr val="accent1"/>
+            </a:effectRef>
+            <a:fontRef idx="minor">
+              <a:schemeClr val="tx1"/>
+            </a:fontRef>
+          </p:style>
+          <p:txBody>
+            <a:bodyPr rtlCol="0" anchor="ctr"/>
+            <a:lstStyle/>
+            <a:p>
+              <a:pPr algn="ctr"/>
+              <a:endParaRPr lang="it-IT"/>
+            </a:p>
+          </p:txBody>
+        </p:sp>
+        <p:sp>
+          <p:nvSpPr>
+            <p:cNvPr id="50" name="Arco 49"/>
+            <p:cNvSpPr/>
+            <p:nvPr/>
+          </p:nvSpPr>
+          <p:spPr>
+            <a:xfrm rot="21307307" flipH="1">
+              <a:off x="4381049" y="3616998"/>
+              <a:ext cx="4752009" cy="792088"/>
+            </a:xfrm>
+            <a:prstGeom prst="arc">
+              <a:avLst>
+                <a:gd name="adj1" fmla="val 13703058"/>
+                <a:gd name="adj2" fmla="val 21472270"/>
+              </a:avLst>
+            </a:prstGeom>
+            <a:solidFill>
+              <a:schemeClr val="accent1">
+                <a:lumMod val="75000"/>
+              </a:schemeClr>
+            </a:solidFill>
+            <a:ln w="38100">
+              <a:solidFill>
                 <a:schemeClr val="tx1"/>
-              </a:fontRef>
-            </p:style>
-            <p:txBody>
-              <a:bodyPr rtlCol="0" anchor="ctr"/>
-              <a:lstStyle/>
-              <a:p>
-                <a:pPr algn="ctr"/>
-                <a:endParaRPr lang="it-IT"/>
-              </a:p>
-            </p:txBody>
-          </p:sp>
-          <p:sp>
-            <p:nvSpPr>
-              <p:cNvPr id="33" name="Arco 32"/>
-              <p:cNvSpPr/>
-              <p:nvPr/>
-            </p:nvSpPr>
-            <p:spPr>
-              <a:xfrm>
-                <a:off x="1835696" y="1196752"/>
-                <a:ext cx="4752528" cy="1144508"/>
-              </a:xfrm>
-              <a:prstGeom prst="arc">
-                <a:avLst>
-                  <a:gd name="adj1" fmla="val 13649308"/>
-                  <a:gd name="adj2" fmla="val 8702"/>
-                </a:avLst>
-              </a:prstGeom>
-              <a:ln w="76200">
-                <a:solidFill>
-                  <a:schemeClr val="accent1">
-                    <a:lumMod val="75000"/>
-                  </a:schemeClr>
-                </a:solidFill>
-              </a:ln>
-            </p:spPr>
-            <p:style>
-              <a:lnRef idx="1">
-                <a:schemeClr val="accent1"/>
-              </a:lnRef>
-              <a:fillRef idx="0">
-                <a:schemeClr val="accent1"/>
-              </a:fillRef>
-              <a:effectRef idx="0">
-                <a:schemeClr val="accent1"/>
-              </a:effectRef>
-              <a:fontRef idx="minor">
+              </a:solidFill>
+            </a:ln>
+          </p:spPr>
+          <p:style>
+            <a:lnRef idx="1">
+              <a:schemeClr val="accent1"/>
+            </a:lnRef>
+            <a:fillRef idx="0">
+              <a:schemeClr val="accent1"/>
+            </a:fillRef>
+            <a:effectRef idx="0">
+              <a:schemeClr val="accent1"/>
+            </a:effectRef>
+            <a:fontRef idx="minor">
+              <a:schemeClr val="tx1"/>
+            </a:fontRef>
+          </p:style>
+          <p:txBody>
+            <a:bodyPr rtlCol="0" anchor="ctr"/>
+            <a:lstStyle/>
+            <a:p>
+              <a:pPr algn="ctr"/>
+              <a:endParaRPr lang="it-IT"/>
+            </a:p>
+          </p:txBody>
+        </p:sp>
+        <p:sp>
+          <p:nvSpPr>
+            <p:cNvPr id="51" name="Arco 50"/>
+            <p:cNvSpPr/>
+            <p:nvPr/>
+          </p:nvSpPr>
+          <p:spPr>
+            <a:xfrm rot="21307307" flipH="1">
+              <a:off x="4093017" y="3804447"/>
+              <a:ext cx="4752009" cy="792088"/>
+            </a:xfrm>
+            <a:prstGeom prst="arc">
+              <a:avLst>
+                <a:gd name="adj1" fmla="val 12844504"/>
+                <a:gd name="adj2" fmla="val 21258290"/>
+              </a:avLst>
+            </a:prstGeom>
+            <a:solidFill>
+              <a:schemeClr val="accent1">
+                <a:lumMod val="75000"/>
+              </a:schemeClr>
+            </a:solidFill>
+            <a:ln w="38100">
+              <a:solidFill>
                 <a:schemeClr val="tx1"/>
-              </a:fontRef>
-            </p:style>
-            <p:txBody>
-              <a:bodyPr rtlCol="0" anchor="ctr"/>
-              <a:lstStyle/>
-              <a:p>
-                <a:pPr algn="ctr"/>
-                <a:endParaRPr lang="it-IT"/>
-              </a:p>
-            </p:txBody>
-          </p:sp>
-        </p:grpSp>
+              </a:solidFill>
+            </a:ln>
+          </p:spPr>
+          <p:style>
+            <a:lnRef idx="1">
+              <a:schemeClr val="accent1"/>
+            </a:lnRef>
+            <a:fillRef idx="0">
+              <a:schemeClr val="accent1"/>
+            </a:fillRef>
+            <a:effectRef idx="0">
+              <a:schemeClr val="accent1"/>
+            </a:effectRef>
+            <a:fontRef idx="minor">
+              <a:schemeClr val="tx1"/>
+            </a:fontRef>
+          </p:style>
+          <p:txBody>
+            <a:bodyPr rtlCol="0" anchor="ctr"/>
+            <a:lstStyle/>
+            <a:p>
+              <a:pPr algn="ctr"/>
+              <a:endParaRPr lang="it-IT"/>
+            </a:p>
+          </p:txBody>
+        </p:sp>
+        <p:sp>
+          <p:nvSpPr>
+            <p:cNvPr id="52" name="Rettangolo arrotondato 51"/>
+            <p:cNvSpPr/>
+            <p:nvPr/>
+          </p:nvSpPr>
+          <p:spPr>
+            <a:xfrm rot="21211910">
+              <a:off x="4406426" y="4022500"/>
+              <a:ext cx="2736000" cy="252000"/>
+            </a:xfrm>
+            <a:prstGeom prst="roundRect">
+              <a:avLst>
+                <a:gd name="adj" fmla="val 50000"/>
+              </a:avLst>
+            </a:prstGeom>
+            <a:solidFill>
+              <a:schemeClr val="accent1">
+                <a:lumMod val="75000"/>
+              </a:schemeClr>
+            </a:solidFill>
+            <a:ln w="38100">
+              <a:solidFill>
+                <a:schemeClr val="tx1"/>
+              </a:solidFill>
+            </a:ln>
+          </p:spPr>
+          <p:style>
+            <a:lnRef idx="2">
+              <a:schemeClr val="accent1">
+                <a:shade val="50000"/>
+              </a:schemeClr>
+            </a:lnRef>
+            <a:fillRef idx="1">
+              <a:schemeClr val="accent1"/>
+            </a:fillRef>
+            <a:effectRef idx="0">
+              <a:schemeClr val="accent1"/>
+            </a:effectRef>
+            <a:fontRef idx="minor">
+              <a:schemeClr val="lt1"/>
+            </a:fontRef>
+          </p:style>
+          <p:txBody>
+            <a:bodyPr rtlCol="0" anchor="ctr"/>
+            <a:lstStyle/>
+            <a:p>
+              <a:pPr algn="ctr"/>
+              <a:endParaRPr lang="it-IT"/>
+            </a:p>
+          </p:txBody>
+        </p:sp>
       </p:grpSp>
+      <p:sp>
+        <p:nvSpPr>
+          <p:cNvPr id="53" name="Ovale 52"/>
+          <p:cNvSpPr/>
+          <p:nvPr/>
+        </p:nvSpPr>
+        <p:spPr>
+          <a:xfrm>
+            <a:off x="3916308" y="3973696"/>
+            <a:ext cx="576064" cy="576064"/>
+          </a:xfrm>
+          <a:prstGeom prst="ellipse">
+            <a:avLst/>
+          </a:prstGeom>
+          <a:solidFill>
+            <a:schemeClr val="accent1">
+              <a:lumMod val="75000"/>
+            </a:schemeClr>
+          </a:solidFill>
+          <a:ln w="57150">
+            <a:solidFill>
+              <a:schemeClr val="tx1"/>
+            </a:solidFill>
+          </a:ln>
+        </p:spPr>
+        <p:style>
+          <a:lnRef idx="2">
+            <a:schemeClr val="accent1">
+              <a:shade val="50000"/>
+            </a:schemeClr>
+          </a:lnRef>
+          <a:fillRef idx="1">
+            <a:schemeClr val="accent1"/>
+          </a:fillRef>
+          <a:effectRef idx="0">
+            <a:schemeClr val="accent1"/>
+          </a:effectRef>
+          <a:fontRef idx="minor">
+            <a:schemeClr val="lt1"/>
+          </a:fontRef>
+        </p:style>
+        <p:txBody>
+          <a:bodyPr rtlCol="0" anchor="ctr"/>
+          <a:lstStyle/>
+          <a:p>
+            <a:pPr algn="ctr"/>
+            <a:endParaRPr lang="it-IT"/>
+          </a:p>
+        </p:txBody>
+      </p:sp>
+      <p:sp>
+        <p:nvSpPr>
+          <p:cNvPr id="54" name="Ovale 53"/>
+          <p:cNvSpPr/>
+          <p:nvPr/>
+        </p:nvSpPr>
+        <p:spPr>
+          <a:xfrm>
+            <a:off x="3950113" y="4028562"/>
+            <a:ext cx="523695" cy="576064"/>
+          </a:xfrm>
+          <a:prstGeom prst="ellipse">
+            <a:avLst/>
+          </a:prstGeom>
+          <a:solidFill>
+            <a:schemeClr val="accent1">
+              <a:lumMod val="75000"/>
+            </a:schemeClr>
+          </a:solidFill>
+          <a:ln w="57150">
+            <a:solidFill>
+              <a:schemeClr val="tx1"/>
+            </a:solidFill>
+          </a:ln>
+        </p:spPr>
+        <p:style>
+          <a:lnRef idx="2">
+            <a:schemeClr val="accent1">
+              <a:shade val="50000"/>
+            </a:schemeClr>
+          </a:lnRef>
+          <a:fillRef idx="1">
+            <a:schemeClr val="accent1"/>
+          </a:fillRef>
+          <a:effectRef idx="0">
+            <a:schemeClr val="accent1"/>
+          </a:effectRef>
+          <a:fontRef idx="minor">
+            <a:schemeClr val="lt1"/>
+          </a:fontRef>
+        </p:style>
+        <p:txBody>
+          <a:bodyPr rtlCol="0" anchor="ctr"/>
+          <a:lstStyle/>
+          <a:p>
+            <a:pPr algn="ctr"/>
+            <a:endParaRPr lang="it-IT"/>
+          </a:p>
+        </p:txBody>
+      </p:sp>
+      <p:sp>
+        <p:nvSpPr>
+          <p:cNvPr id="55" name="Ovale 54"/>
+          <p:cNvSpPr/>
+          <p:nvPr/>
+        </p:nvSpPr>
+        <p:spPr>
+          <a:xfrm>
+            <a:off x="3982478" y="4074532"/>
+            <a:ext cx="468000" cy="576064"/>
+          </a:xfrm>
+          <a:prstGeom prst="ellipse">
+            <a:avLst/>
+          </a:prstGeom>
+          <a:solidFill>
+            <a:schemeClr val="accent1">
+              <a:lumMod val="75000"/>
+            </a:schemeClr>
+          </a:solidFill>
+          <a:ln w="57150">
+            <a:solidFill>
+              <a:schemeClr val="tx1"/>
+            </a:solidFill>
+          </a:ln>
+        </p:spPr>
+        <p:style>
+          <a:lnRef idx="2">
+            <a:schemeClr val="accent1">
+              <a:shade val="50000"/>
+            </a:schemeClr>
+          </a:lnRef>
+          <a:fillRef idx="1">
+            <a:schemeClr val="accent1"/>
+          </a:fillRef>
+          <a:effectRef idx="0">
+            <a:schemeClr val="accent1"/>
+          </a:effectRef>
+          <a:fontRef idx="minor">
+            <a:schemeClr val="lt1"/>
+          </a:fontRef>
+        </p:style>
+        <p:txBody>
+          <a:bodyPr rtlCol="0" anchor="ctr"/>
+          <a:lstStyle/>
+          <a:p>
+            <a:pPr algn="ctr"/>
+            <a:endParaRPr lang="it-IT"/>
+          </a:p>
+        </p:txBody>
+      </p:sp>
+      <p:sp>
+        <p:nvSpPr>
+          <p:cNvPr id="56" name="Rettangolo 55"/>
+          <p:cNvSpPr/>
+          <p:nvPr/>
+        </p:nvSpPr>
+        <p:spPr>
+          <a:xfrm>
+            <a:off x="1252188" y="4433670"/>
+            <a:ext cx="6056116" cy="342274"/>
+          </a:xfrm>
+          <a:prstGeom prst="rect">
+            <a:avLst/>
+          </a:prstGeom>
+          <a:solidFill>
+            <a:schemeClr val="bg1"/>
+          </a:solidFill>
+          <a:ln>
+            <a:noFill/>
+          </a:ln>
+        </p:spPr>
+        <p:style>
+          <a:lnRef idx="2">
+            <a:schemeClr val="accent1">
+              <a:shade val="50000"/>
+            </a:schemeClr>
+          </a:lnRef>
+          <a:fillRef idx="1">
+            <a:schemeClr val="accent1"/>
+          </a:fillRef>
+          <a:effectRef idx="0">
+            <a:schemeClr val="accent1"/>
+          </a:effectRef>
+          <a:fontRef idx="minor">
+            <a:schemeClr val="lt1"/>
+          </a:fontRef>
+        </p:style>
+        <p:txBody>
+          <a:bodyPr rtlCol="0" anchor="ctr"/>
+          <a:lstStyle/>
+          <a:p>
+            <a:pPr algn="ctr"/>
+            <a:endParaRPr lang="it-IT"/>
+          </a:p>
+        </p:txBody>
+      </p:sp>
+      <p:sp>
+        <p:nvSpPr>
+          <p:cNvPr id="57" name="Ovale 56"/>
+          <p:cNvSpPr/>
+          <p:nvPr/>
+        </p:nvSpPr>
+        <p:spPr>
+          <a:xfrm>
+            <a:off x="3923928" y="4065642"/>
+            <a:ext cx="576064" cy="576064"/>
+          </a:xfrm>
+          <a:prstGeom prst="ellipse">
+            <a:avLst/>
+          </a:prstGeom>
+          <a:noFill/>
+          <a:ln w="76200"/>
+        </p:spPr>
+        <p:style>
+          <a:lnRef idx="2">
+            <a:schemeClr val="accent1">
+              <a:shade val="50000"/>
+            </a:schemeClr>
+          </a:lnRef>
+          <a:fillRef idx="1">
+            <a:schemeClr val="accent1"/>
+          </a:fillRef>
+          <a:effectRef idx="0">
+            <a:schemeClr val="accent1"/>
+          </a:effectRef>
+          <a:fontRef idx="minor">
+            <a:schemeClr val="lt1"/>
+          </a:fontRef>
+        </p:style>
+        <p:txBody>
+          <a:bodyPr rtlCol="0" anchor="ctr"/>
+          <a:lstStyle/>
+          <a:p>
+            <a:pPr algn="ctr"/>
+            <a:endParaRPr lang="it-IT"/>
+          </a:p>
+        </p:txBody>
+      </p:sp>
+      <p:sp>
+        <p:nvSpPr>
+          <p:cNvPr id="58" name="Ovale 57"/>
+          <p:cNvSpPr/>
+          <p:nvPr/>
+        </p:nvSpPr>
+        <p:spPr>
+          <a:xfrm>
+            <a:off x="3950113" y="4135748"/>
+            <a:ext cx="523695" cy="576064"/>
+          </a:xfrm>
+          <a:prstGeom prst="ellipse">
+            <a:avLst/>
+          </a:prstGeom>
+          <a:noFill/>
+          <a:ln w="76200"/>
+        </p:spPr>
+        <p:style>
+          <a:lnRef idx="2">
+            <a:schemeClr val="accent1">
+              <a:shade val="50000"/>
+            </a:schemeClr>
+          </a:lnRef>
+          <a:fillRef idx="1">
+            <a:schemeClr val="accent1"/>
+          </a:fillRef>
+          <a:effectRef idx="0">
+            <a:schemeClr val="accent1"/>
+          </a:effectRef>
+          <a:fontRef idx="minor">
+            <a:schemeClr val="lt1"/>
+          </a:fontRef>
+        </p:style>
+        <p:txBody>
+          <a:bodyPr rtlCol="0" anchor="ctr"/>
+          <a:lstStyle/>
+          <a:p>
+            <a:pPr algn="ctr"/>
+            <a:endParaRPr lang="it-IT"/>
+          </a:p>
+        </p:txBody>
+      </p:sp>
+      <p:sp>
+        <p:nvSpPr>
+          <p:cNvPr id="59" name="Ovale 58"/>
+          <p:cNvSpPr/>
+          <p:nvPr/>
+        </p:nvSpPr>
+        <p:spPr>
+          <a:xfrm>
+            <a:off x="3995179" y="4202038"/>
+            <a:ext cx="432805" cy="576064"/>
+          </a:xfrm>
+          <a:prstGeom prst="ellipse">
+            <a:avLst/>
+          </a:prstGeom>
+          <a:noFill/>
+          <a:ln w="76200"/>
+        </p:spPr>
+        <p:style>
+          <a:lnRef idx="2">
+            <a:schemeClr val="accent1">
+              <a:shade val="50000"/>
+            </a:schemeClr>
+          </a:lnRef>
+          <a:fillRef idx="1">
+            <a:schemeClr val="accent1"/>
+          </a:fillRef>
+          <a:effectRef idx="0">
+            <a:schemeClr val="accent1"/>
+          </a:effectRef>
+          <a:fontRef idx="minor">
+            <a:schemeClr val="lt1"/>
+          </a:fontRef>
+        </p:style>
+        <p:txBody>
+          <a:bodyPr rtlCol="0" anchor="ctr"/>
+          <a:lstStyle/>
+          <a:p>
+            <a:pPr algn="ctr"/>
+            <a:endParaRPr lang="it-IT"/>
+          </a:p>
+        </p:txBody>
+      </p:sp>
     </p:spTree>
     <p:extLst>
       <p:ext uri="{BB962C8B-B14F-4D97-AF65-F5344CB8AC3E}">
@@ -7891,730 +8101,48 @@
       </p:grpSpPr>
       <p:grpSp>
         <p:nvGrpSpPr>
-          <p:cNvPr id="14" name="Gruppo 13"/>
+          <p:cNvPr id="15" name="Gruppo 14"/>
           <p:cNvGrpSpPr/>
           <p:nvPr/>
         </p:nvGrpSpPr>
         <p:grpSpPr>
           <a:xfrm>
-            <a:off x="1778886" y="265323"/>
-            <a:ext cx="5050737" cy="3102879"/>
-            <a:chOff x="248558" y="692696"/>
-            <a:chExt cx="7950025" cy="4134224"/>
+            <a:off x="1778886" y="156465"/>
+            <a:ext cx="5050737" cy="3227372"/>
+            <a:chOff x="1778886" y="156465"/>
+            <a:chExt cx="5050737" cy="3227372"/>
           </a:xfrm>
         </p:grpSpPr>
-        <p:sp>
-          <p:nvSpPr>
-            <p:cNvPr id="46" name="Triangolo isoscele 45"/>
-            <p:cNvSpPr/>
-            <p:nvPr/>
-          </p:nvSpPr>
-          <p:spPr>
-            <a:xfrm>
-              <a:off x="2195736" y="692696"/>
-              <a:ext cx="4032447" cy="1080120"/>
-            </a:xfrm>
-            <a:prstGeom prst="triangle">
-              <a:avLst/>
-            </a:prstGeom>
-            <a:solidFill>
-              <a:srgbClr val="CCAE1A"/>
-            </a:solidFill>
-            <a:ln>
-              <a:noFill/>
-            </a:ln>
-          </p:spPr>
-          <p:style>
-            <a:lnRef idx="2">
-              <a:schemeClr val="accent1">
-                <a:shade val="50000"/>
-              </a:schemeClr>
-            </a:lnRef>
-            <a:fillRef idx="1">
-              <a:schemeClr val="accent1"/>
-            </a:fillRef>
-            <a:effectRef idx="0">
-              <a:schemeClr val="accent1"/>
-            </a:effectRef>
-            <a:fontRef idx="minor">
-              <a:schemeClr val="lt1"/>
-            </a:fontRef>
-          </p:style>
-          <p:txBody>
-            <a:bodyPr rtlCol="0" anchor="ctr"/>
-            <a:lstStyle/>
-            <a:p>
-              <a:pPr algn="ctr"/>
-              <a:endParaRPr lang="it-IT"/>
-            </a:p>
-          </p:txBody>
-        </p:sp>
-        <p:sp>
-          <p:nvSpPr>
-            <p:cNvPr id="45" name="Triangolo isoscele 44"/>
-            <p:cNvSpPr/>
-            <p:nvPr/>
-          </p:nvSpPr>
-          <p:spPr>
-            <a:xfrm>
-              <a:off x="2742669" y="935915"/>
-              <a:ext cx="2962409" cy="697037"/>
-            </a:xfrm>
-            <a:prstGeom prst="triangle">
-              <a:avLst/>
-            </a:prstGeom>
-            <a:solidFill>
-              <a:schemeClr val="bg1"/>
-            </a:solidFill>
-            <a:ln>
-              <a:noFill/>
-            </a:ln>
-          </p:spPr>
-          <p:style>
-            <a:lnRef idx="2">
-              <a:schemeClr val="accent1">
-                <a:shade val="50000"/>
-              </a:schemeClr>
-            </a:lnRef>
-            <a:fillRef idx="1">
-              <a:schemeClr val="accent1"/>
-            </a:fillRef>
-            <a:effectRef idx="0">
-              <a:schemeClr val="accent1"/>
-            </a:effectRef>
-            <a:fontRef idx="minor">
-              <a:schemeClr val="lt1"/>
-            </a:fontRef>
-          </p:style>
-          <p:txBody>
-            <a:bodyPr rtlCol="0" anchor="ctr"/>
-            <a:lstStyle/>
-            <a:p>
-              <a:pPr algn="ctr"/>
-              <a:endParaRPr lang="it-IT"/>
-            </a:p>
-          </p:txBody>
-        </p:sp>
-        <p:sp>
-          <p:nvSpPr>
-            <p:cNvPr id="6" name="Triangolo isoscele 5"/>
-            <p:cNvSpPr/>
-            <p:nvPr/>
-          </p:nvSpPr>
-          <p:spPr>
-            <a:xfrm>
-              <a:off x="3164572" y="1056117"/>
-              <a:ext cx="2094778" cy="476086"/>
-            </a:xfrm>
-            <a:prstGeom prst="triangle">
-              <a:avLst/>
-            </a:prstGeom>
-            <a:solidFill>
-              <a:srgbClr val="CCAE1A"/>
-            </a:solidFill>
-            <a:ln>
-              <a:noFill/>
-            </a:ln>
-          </p:spPr>
-          <p:style>
-            <a:lnRef idx="2">
-              <a:schemeClr val="accent1">
-                <a:shade val="50000"/>
-              </a:schemeClr>
-            </a:lnRef>
-            <a:fillRef idx="1">
-              <a:schemeClr val="accent1"/>
-            </a:fillRef>
-            <a:effectRef idx="0">
-              <a:schemeClr val="accent1"/>
-            </a:effectRef>
-            <a:fontRef idx="minor">
-              <a:schemeClr val="lt1"/>
-            </a:fontRef>
-          </p:style>
-          <p:txBody>
-            <a:bodyPr rtlCol="0" anchor="ctr"/>
-            <a:lstStyle/>
-            <a:p>
-              <a:pPr algn="ctr"/>
-              <a:endParaRPr lang="it-IT"/>
-            </a:p>
-          </p:txBody>
-        </p:sp>
-        <p:sp>
-          <p:nvSpPr>
-            <p:cNvPr id="10" name="Rettangolo 9"/>
-            <p:cNvSpPr/>
-            <p:nvPr/>
-          </p:nvSpPr>
-          <p:spPr>
-            <a:xfrm>
-              <a:off x="1992335" y="1850838"/>
-              <a:ext cx="4474800" cy="119027"/>
-            </a:xfrm>
-            <a:prstGeom prst="rect">
-              <a:avLst/>
-            </a:prstGeom>
-            <a:solidFill>
-              <a:srgbClr val="CCAE1A"/>
-            </a:solidFill>
-            <a:ln>
-              <a:noFill/>
-            </a:ln>
-          </p:spPr>
-          <p:style>
-            <a:lnRef idx="2">
-              <a:schemeClr val="accent1">
-                <a:shade val="50000"/>
-              </a:schemeClr>
-            </a:lnRef>
-            <a:fillRef idx="1">
-              <a:schemeClr val="accent1"/>
-            </a:fillRef>
-            <a:effectRef idx="0">
-              <a:schemeClr val="accent1"/>
-            </a:effectRef>
-            <a:fontRef idx="minor">
-              <a:schemeClr val="lt1"/>
-            </a:fontRef>
-          </p:style>
-          <p:txBody>
-            <a:bodyPr rtlCol="0" anchor="ctr"/>
-            <a:lstStyle/>
-            <a:p>
-              <a:pPr algn="ctr"/>
-              <a:endParaRPr lang="it-IT"/>
-            </a:p>
-          </p:txBody>
-        </p:sp>
-        <p:sp>
-          <p:nvSpPr>
-            <p:cNvPr id="47" name="Rettangolo 46"/>
-            <p:cNvSpPr/>
-            <p:nvPr/>
-          </p:nvSpPr>
-          <p:spPr>
-            <a:xfrm>
-              <a:off x="2195736" y="2022288"/>
-              <a:ext cx="599397" cy="119027"/>
-            </a:xfrm>
-            <a:prstGeom prst="rect">
-              <a:avLst/>
-            </a:prstGeom>
-            <a:solidFill>
-              <a:srgbClr val="CCAE1A"/>
-            </a:solidFill>
-            <a:ln>
-              <a:noFill/>
-            </a:ln>
-          </p:spPr>
-          <p:style>
-            <a:lnRef idx="2">
-              <a:schemeClr val="accent1">
-                <a:shade val="50000"/>
-              </a:schemeClr>
-            </a:lnRef>
-            <a:fillRef idx="1">
-              <a:schemeClr val="accent1"/>
-            </a:fillRef>
-            <a:effectRef idx="0">
-              <a:schemeClr val="accent1"/>
-            </a:effectRef>
-            <a:fontRef idx="minor">
-              <a:schemeClr val="lt1"/>
-            </a:fontRef>
-          </p:style>
-          <p:txBody>
-            <a:bodyPr rtlCol="0" anchor="ctr"/>
-            <a:lstStyle/>
-            <a:p>
-              <a:pPr algn="ctr"/>
-              <a:endParaRPr lang="it-IT"/>
-            </a:p>
-          </p:txBody>
-        </p:sp>
-        <p:sp>
-          <p:nvSpPr>
-            <p:cNvPr id="48" name="Rettangolo 47"/>
-            <p:cNvSpPr/>
-            <p:nvPr/>
-          </p:nvSpPr>
-          <p:spPr>
-            <a:xfrm>
-              <a:off x="3362382" y="2016611"/>
-              <a:ext cx="599397" cy="119027"/>
-            </a:xfrm>
-            <a:prstGeom prst="rect">
-              <a:avLst/>
-            </a:prstGeom>
-            <a:solidFill>
-              <a:srgbClr val="CCAE1A"/>
-            </a:solidFill>
-            <a:ln>
-              <a:noFill/>
-            </a:ln>
-          </p:spPr>
-          <p:style>
-            <a:lnRef idx="2">
-              <a:schemeClr val="accent1">
-                <a:shade val="50000"/>
-              </a:schemeClr>
-            </a:lnRef>
-            <a:fillRef idx="1">
-              <a:schemeClr val="accent1"/>
-            </a:fillRef>
-            <a:effectRef idx="0">
-              <a:schemeClr val="accent1"/>
-            </a:effectRef>
-            <a:fontRef idx="minor">
-              <a:schemeClr val="lt1"/>
-            </a:fontRef>
-          </p:style>
-          <p:txBody>
-            <a:bodyPr rtlCol="0" anchor="ctr"/>
-            <a:lstStyle/>
-            <a:p>
-              <a:pPr algn="ctr"/>
-              <a:endParaRPr lang="it-IT"/>
-            </a:p>
-          </p:txBody>
-        </p:sp>
-        <p:sp>
-          <p:nvSpPr>
-            <p:cNvPr id="49" name="Rettangolo 48"/>
-            <p:cNvSpPr/>
-            <p:nvPr/>
-          </p:nvSpPr>
-          <p:spPr>
-            <a:xfrm>
-              <a:off x="4514510" y="2016611"/>
-              <a:ext cx="599397" cy="119027"/>
-            </a:xfrm>
-            <a:prstGeom prst="rect">
-              <a:avLst/>
-            </a:prstGeom>
-            <a:solidFill>
-              <a:srgbClr val="CCAE1A"/>
-            </a:solidFill>
-            <a:ln>
-              <a:noFill/>
-            </a:ln>
-          </p:spPr>
-          <p:style>
-            <a:lnRef idx="2">
-              <a:schemeClr val="accent1">
-                <a:shade val="50000"/>
-              </a:schemeClr>
-            </a:lnRef>
-            <a:fillRef idx="1">
-              <a:schemeClr val="accent1"/>
-            </a:fillRef>
-            <a:effectRef idx="0">
-              <a:schemeClr val="accent1"/>
-            </a:effectRef>
-            <a:fontRef idx="minor">
-              <a:schemeClr val="lt1"/>
-            </a:fontRef>
-          </p:style>
-          <p:txBody>
-            <a:bodyPr rtlCol="0" anchor="ctr"/>
-            <a:lstStyle/>
-            <a:p>
-              <a:pPr algn="ctr"/>
-              <a:endParaRPr lang="it-IT"/>
-            </a:p>
-          </p:txBody>
-        </p:sp>
-        <p:sp>
-          <p:nvSpPr>
-            <p:cNvPr id="50" name="Rettangolo 49"/>
-            <p:cNvSpPr/>
-            <p:nvPr/>
-          </p:nvSpPr>
-          <p:spPr>
-            <a:xfrm>
-              <a:off x="5666638" y="2016611"/>
-              <a:ext cx="599397" cy="119027"/>
-            </a:xfrm>
-            <a:prstGeom prst="rect">
-              <a:avLst/>
-            </a:prstGeom>
-            <a:solidFill>
-              <a:srgbClr val="CCAE1A"/>
-            </a:solidFill>
-            <a:ln>
-              <a:noFill/>
-            </a:ln>
-          </p:spPr>
-          <p:style>
-            <a:lnRef idx="2">
-              <a:schemeClr val="accent1">
-                <a:shade val="50000"/>
-              </a:schemeClr>
-            </a:lnRef>
-            <a:fillRef idx="1">
-              <a:schemeClr val="accent1"/>
-            </a:fillRef>
-            <a:effectRef idx="0">
-              <a:schemeClr val="accent1"/>
-            </a:effectRef>
-            <a:fontRef idx="minor">
-              <a:schemeClr val="lt1"/>
-            </a:fontRef>
-          </p:style>
-          <p:txBody>
-            <a:bodyPr rtlCol="0" anchor="ctr"/>
-            <a:lstStyle/>
-            <a:p>
-              <a:pPr algn="ctr"/>
-              <a:endParaRPr lang="it-IT"/>
-            </a:p>
-          </p:txBody>
-        </p:sp>
-        <p:sp>
-          <p:nvSpPr>
-            <p:cNvPr id="51" name="Rettangolo 50"/>
-            <p:cNvSpPr/>
-            <p:nvPr/>
-          </p:nvSpPr>
-          <p:spPr>
-            <a:xfrm>
-              <a:off x="2266074" y="2187549"/>
-              <a:ext cx="450336" cy="2076972"/>
-            </a:xfrm>
-            <a:prstGeom prst="rect">
-              <a:avLst/>
-            </a:prstGeom>
-            <a:solidFill>
-              <a:srgbClr val="CCAE1A"/>
-            </a:solidFill>
-            <a:ln>
-              <a:noFill/>
-            </a:ln>
-          </p:spPr>
-          <p:style>
-            <a:lnRef idx="2">
-              <a:schemeClr val="accent1">
-                <a:shade val="50000"/>
-              </a:schemeClr>
-            </a:lnRef>
-            <a:fillRef idx="1">
-              <a:schemeClr val="accent1"/>
-            </a:fillRef>
-            <a:effectRef idx="0">
-              <a:schemeClr val="accent1"/>
-            </a:effectRef>
-            <a:fontRef idx="minor">
-              <a:schemeClr val="lt1"/>
-            </a:fontRef>
-          </p:style>
-          <p:txBody>
-            <a:bodyPr rtlCol="0" anchor="ctr"/>
-            <a:lstStyle/>
-            <a:p>
-              <a:pPr algn="ctr"/>
-              <a:endParaRPr lang="it-IT"/>
-            </a:p>
-          </p:txBody>
-        </p:sp>
-        <p:sp>
-          <p:nvSpPr>
-            <p:cNvPr id="52" name="Rettangolo 51"/>
-            <p:cNvSpPr/>
-            <p:nvPr/>
-          </p:nvSpPr>
-          <p:spPr>
-            <a:xfrm>
-              <a:off x="3438802" y="2195339"/>
-              <a:ext cx="450336" cy="2076972"/>
-            </a:xfrm>
-            <a:prstGeom prst="rect">
-              <a:avLst/>
-            </a:prstGeom>
-            <a:solidFill>
-              <a:srgbClr val="CCAE1A"/>
-            </a:solidFill>
-            <a:ln>
-              <a:noFill/>
-            </a:ln>
-          </p:spPr>
-          <p:style>
-            <a:lnRef idx="2">
-              <a:schemeClr val="accent1">
-                <a:shade val="50000"/>
-              </a:schemeClr>
-            </a:lnRef>
-            <a:fillRef idx="1">
-              <a:schemeClr val="accent1"/>
-            </a:fillRef>
-            <a:effectRef idx="0">
-              <a:schemeClr val="accent1"/>
-            </a:effectRef>
-            <a:fontRef idx="minor">
-              <a:schemeClr val="lt1"/>
-            </a:fontRef>
-          </p:style>
-          <p:txBody>
-            <a:bodyPr rtlCol="0" anchor="ctr"/>
-            <a:lstStyle/>
-            <a:p>
-              <a:pPr algn="ctr"/>
-              <a:endParaRPr lang="it-IT"/>
-            </a:p>
-          </p:txBody>
-        </p:sp>
-        <p:sp>
-          <p:nvSpPr>
-            <p:cNvPr id="53" name="Rettangolo 52"/>
-            <p:cNvSpPr/>
-            <p:nvPr/>
-          </p:nvSpPr>
-          <p:spPr>
-            <a:xfrm>
-              <a:off x="4588772" y="2195339"/>
-              <a:ext cx="450336" cy="2076972"/>
-            </a:xfrm>
-            <a:prstGeom prst="rect">
-              <a:avLst/>
-            </a:prstGeom>
-            <a:solidFill>
-              <a:srgbClr val="CCAE1A"/>
-            </a:solidFill>
-            <a:ln>
-              <a:noFill/>
-            </a:ln>
-          </p:spPr>
-          <p:style>
-            <a:lnRef idx="2">
-              <a:schemeClr val="accent1">
-                <a:shade val="50000"/>
-              </a:schemeClr>
-            </a:lnRef>
-            <a:fillRef idx="1">
-              <a:schemeClr val="accent1"/>
-            </a:fillRef>
-            <a:effectRef idx="0">
-              <a:schemeClr val="accent1"/>
-            </a:effectRef>
-            <a:fontRef idx="minor">
-              <a:schemeClr val="lt1"/>
-            </a:fontRef>
-          </p:style>
-          <p:txBody>
-            <a:bodyPr rtlCol="0" anchor="ctr"/>
-            <a:lstStyle/>
-            <a:p>
-              <a:pPr algn="ctr"/>
-              <a:endParaRPr lang="it-IT"/>
-            </a:p>
-          </p:txBody>
-        </p:sp>
-        <p:sp>
-          <p:nvSpPr>
-            <p:cNvPr id="54" name="Rettangolo 53"/>
-            <p:cNvSpPr/>
-            <p:nvPr/>
-          </p:nvSpPr>
-          <p:spPr>
-            <a:xfrm>
-              <a:off x="5747250" y="2195339"/>
-              <a:ext cx="450336" cy="2076972"/>
-            </a:xfrm>
-            <a:prstGeom prst="rect">
-              <a:avLst/>
-            </a:prstGeom>
-            <a:solidFill>
-              <a:srgbClr val="CCAE1A"/>
-            </a:solidFill>
-            <a:ln>
-              <a:noFill/>
-            </a:ln>
-          </p:spPr>
-          <p:style>
-            <a:lnRef idx="2">
-              <a:schemeClr val="accent1">
-                <a:shade val="50000"/>
-              </a:schemeClr>
-            </a:lnRef>
-            <a:fillRef idx="1">
-              <a:schemeClr val="accent1"/>
-            </a:fillRef>
-            <a:effectRef idx="0">
-              <a:schemeClr val="accent1"/>
-            </a:effectRef>
-            <a:fontRef idx="minor">
-              <a:schemeClr val="lt1"/>
-            </a:fontRef>
-          </p:style>
-          <p:txBody>
-            <a:bodyPr rtlCol="0" anchor="ctr"/>
-            <a:lstStyle/>
-            <a:p>
-              <a:pPr algn="ctr"/>
-              <a:endParaRPr lang="it-IT"/>
-            </a:p>
-          </p:txBody>
-        </p:sp>
-        <p:sp>
-          <p:nvSpPr>
-            <p:cNvPr id="4" name="Ovale 3"/>
-            <p:cNvSpPr/>
-            <p:nvPr/>
-          </p:nvSpPr>
-          <p:spPr>
-            <a:xfrm>
-              <a:off x="3923928" y="3933056"/>
-              <a:ext cx="576064" cy="576064"/>
-            </a:xfrm>
-            <a:prstGeom prst="ellipse">
-              <a:avLst/>
-            </a:prstGeom>
-            <a:noFill/>
-            <a:ln w="76200"/>
-          </p:spPr>
-          <p:style>
-            <a:lnRef idx="2">
-              <a:schemeClr val="accent1">
-                <a:shade val="50000"/>
-              </a:schemeClr>
-            </a:lnRef>
-            <a:fillRef idx="1">
-              <a:schemeClr val="accent1"/>
-            </a:fillRef>
-            <a:effectRef idx="0">
-              <a:schemeClr val="accent1"/>
-            </a:effectRef>
-            <a:fontRef idx="minor">
-              <a:schemeClr val="lt1"/>
-            </a:fontRef>
-          </p:style>
-          <p:txBody>
-            <a:bodyPr rtlCol="0" anchor="ctr"/>
-            <a:lstStyle/>
-            <a:p>
-              <a:pPr algn="ctr"/>
-              <a:endParaRPr lang="it-IT"/>
-            </a:p>
-          </p:txBody>
-        </p:sp>
-        <p:sp>
-          <p:nvSpPr>
-            <p:cNvPr id="8" name="Ovale 7"/>
-            <p:cNvSpPr/>
-            <p:nvPr/>
-          </p:nvSpPr>
-          <p:spPr>
-            <a:xfrm>
-              <a:off x="3950113" y="4003162"/>
-              <a:ext cx="523695" cy="576064"/>
-            </a:xfrm>
-            <a:prstGeom prst="ellipse">
-              <a:avLst/>
-            </a:prstGeom>
-            <a:noFill/>
-            <a:ln w="76200"/>
-          </p:spPr>
-          <p:style>
-            <a:lnRef idx="2">
-              <a:schemeClr val="accent1">
-                <a:shade val="50000"/>
-              </a:schemeClr>
-            </a:lnRef>
-            <a:fillRef idx="1">
-              <a:schemeClr val="accent1"/>
-            </a:fillRef>
-            <a:effectRef idx="0">
-              <a:schemeClr val="accent1"/>
-            </a:effectRef>
-            <a:fontRef idx="minor">
-              <a:schemeClr val="lt1"/>
-            </a:fontRef>
-          </p:style>
-          <p:txBody>
-            <a:bodyPr rtlCol="0" anchor="ctr"/>
-            <a:lstStyle/>
-            <a:p>
-              <a:pPr algn="ctr"/>
-              <a:endParaRPr lang="it-IT"/>
-            </a:p>
-          </p:txBody>
-        </p:sp>
-        <p:sp>
-          <p:nvSpPr>
-            <p:cNvPr id="9" name="Ovale 8"/>
-            <p:cNvSpPr/>
-            <p:nvPr/>
-          </p:nvSpPr>
-          <p:spPr>
-            <a:xfrm>
-              <a:off x="3995179" y="4069452"/>
-              <a:ext cx="432805" cy="576064"/>
-            </a:xfrm>
-            <a:prstGeom prst="ellipse">
-              <a:avLst/>
-            </a:prstGeom>
-            <a:noFill/>
-            <a:ln w="76200"/>
-          </p:spPr>
-          <p:style>
-            <a:lnRef idx="2">
-              <a:schemeClr val="accent1">
-                <a:shade val="50000"/>
-              </a:schemeClr>
-            </a:lnRef>
-            <a:fillRef idx="1">
-              <a:schemeClr val="accent1"/>
-            </a:fillRef>
-            <a:effectRef idx="0">
-              <a:schemeClr val="accent1"/>
-            </a:effectRef>
-            <a:fontRef idx="minor">
-              <a:schemeClr val="lt1"/>
-            </a:fontRef>
-          </p:style>
-          <p:txBody>
-            <a:bodyPr rtlCol="0" anchor="ctr"/>
-            <a:lstStyle/>
-            <a:p>
-              <a:pPr algn="ctr"/>
-              <a:endParaRPr lang="it-IT"/>
-            </a:p>
-          </p:txBody>
-        </p:sp>
         <p:grpSp>
           <p:nvGrpSpPr>
-            <p:cNvPr id="5" name="Gruppo 4"/>
+            <p:cNvPr id="36" name="Gruppo 35"/>
             <p:cNvGrpSpPr/>
             <p:nvPr/>
           </p:nvGrpSpPr>
           <p:grpSpPr>
             <a:xfrm>
-              <a:off x="248558" y="3236721"/>
-              <a:ext cx="4674532" cy="1567883"/>
-              <a:chOff x="248558" y="3236721"/>
-              <a:chExt cx="4674532" cy="1567883"/>
+              <a:off x="5076450" y="1300874"/>
+              <a:ext cx="554462" cy="1639652"/>
+              <a:chOff x="2979442" y="1300874"/>
+              <a:chExt cx="554462" cy="1639652"/>
             </a:xfrm>
           </p:grpSpPr>
           <p:sp>
             <p:nvSpPr>
-              <p:cNvPr id="28" name="Rettangolo arrotondato 27"/>
+              <p:cNvPr id="38" name="Rettangolo 37"/>
               <p:cNvSpPr/>
               <p:nvPr/>
             </p:nvSpPr>
             <p:spPr>
-              <a:xfrm flipH="1">
-                <a:off x="1221510" y="4149080"/>
-                <a:ext cx="2808312" cy="216024"/>
+              <a:xfrm>
+                <a:off x="3060635" y="1387262"/>
+                <a:ext cx="396000" cy="1553264"/>
               </a:xfrm>
-              <a:prstGeom prst="roundRect">
-                <a:avLst>
-                  <a:gd name="adj" fmla="val 50000"/>
-                </a:avLst>
+              <a:prstGeom prst="rect">
+                <a:avLst/>
               </a:prstGeom>
               <a:solidFill>
-                <a:schemeClr val="accent1">
-                  <a:lumMod val="75000"/>
-                </a:schemeClr>
+                <a:srgbClr val="9D8E6D"/>
               </a:solidFill>
               <a:ln>
                 <a:noFill/>
@@ -8647,24 +8175,81 @@
           </p:sp>
           <p:sp>
             <p:nvSpPr>
-              <p:cNvPr id="3" name="Trapezio 2"/>
+              <p:cNvPr id="44" name="Ritardo 43"/>
               <p:cNvSpPr/>
               <p:nvPr/>
             </p:nvSpPr>
             <p:spPr>
-              <a:xfrm rot="5570810">
-                <a:off x="2462526" y="2704301"/>
-                <a:ext cx="194249" cy="2658596"/>
+              <a:xfrm rot="5400000">
+                <a:off x="3092710" y="1187606"/>
+                <a:ext cx="327925" cy="554462"/>
               </a:xfrm>
-              <a:prstGeom prst="trapezoid">
-                <a:avLst>
-                  <a:gd name="adj" fmla="val 36786"/>
-                </a:avLst>
+              <a:prstGeom prst="flowChartDelay">
+                <a:avLst/>
               </a:prstGeom>
               <a:solidFill>
+                <a:srgbClr val="9D8E6D"/>
+              </a:solidFill>
+              <a:ln>
+                <a:noFill/>
+              </a:ln>
+            </p:spPr>
+            <p:style>
+              <a:lnRef idx="2">
                 <a:schemeClr val="accent1">
-                  <a:lumMod val="75000"/>
+                  <a:shade val="50000"/>
                 </a:schemeClr>
+              </a:lnRef>
+              <a:fillRef idx="1">
+                <a:schemeClr val="accent1"/>
+              </a:fillRef>
+              <a:effectRef idx="0">
+                <a:schemeClr val="accent1"/>
+              </a:effectRef>
+              <a:fontRef idx="minor">
+                <a:schemeClr val="lt1"/>
+              </a:fontRef>
+            </p:style>
+            <p:txBody>
+              <a:bodyPr rtlCol="0" anchor="ctr"/>
+              <a:lstStyle/>
+              <a:p>
+                <a:pPr algn="ctr"/>
+                <a:endParaRPr lang="it-IT"/>
+              </a:p>
+            </p:txBody>
+          </p:sp>
+        </p:grpSp>
+        <p:grpSp>
+          <p:nvGrpSpPr>
+            <p:cNvPr id="32" name="Gruppo 31"/>
+            <p:cNvGrpSpPr/>
+            <p:nvPr/>
+          </p:nvGrpSpPr>
+          <p:grpSpPr>
+            <a:xfrm>
+              <a:off x="4017538" y="1300874"/>
+              <a:ext cx="554462" cy="1529049"/>
+              <a:chOff x="2979442" y="1300874"/>
+              <a:chExt cx="554462" cy="1529049"/>
+            </a:xfrm>
+          </p:grpSpPr>
+          <p:sp>
+            <p:nvSpPr>
+              <p:cNvPr id="33" name="Rettangolo 32"/>
+              <p:cNvSpPr/>
+              <p:nvPr/>
+            </p:nvSpPr>
+            <p:spPr>
+              <a:xfrm>
+                <a:off x="3060635" y="1387262"/>
+                <a:ext cx="396000" cy="1442661"/>
+              </a:xfrm>
+              <a:prstGeom prst="rect">
+                <a:avLst/>
+              </a:prstGeom>
+              <a:solidFill>
+                <a:srgbClr val="9D8E6D"/>
               </a:solidFill>
               <a:ln>
                 <a:noFill/>
@@ -8697,24 +8282,81 @@
           </p:sp>
           <p:sp>
             <p:nvSpPr>
-              <p:cNvPr id="21" name="Trapezio 20"/>
+              <p:cNvPr id="34" name="Ritardo 33"/>
               <p:cNvSpPr/>
               <p:nvPr/>
             </p:nvSpPr>
             <p:spPr>
-              <a:xfrm rot="5834061">
-                <a:off x="2443207" y="2495830"/>
-                <a:ext cx="258545" cy="2685086"/>
+              <a:xfrm rot="5400000">
+                <a:off x="3092710" y="1187606"/>
+                <a:ext cx="327925" cy="554462"/>
               </a:xfrm>
-              <a:prstGeom prst="trapezoid">
-                <a:avLst>
-                  <a:gd name="adj" fmla="val 36786"/>
-                </a:avLst>
+              <a:prstGeom prst="flowChartDelay">
+                <a:avLst/>
               </a:prstGeom>
               <a:solidFill>
+                <a:srgbClr val="9D8E6D"/>
+              </a:solidFill>
+              <a:ln>
+                <a:noFill/>
+              </a:ln>
+            </p:spPr>
+            <p:style>
+              <a:lnRef idx="2">
                 <a:schemeClr val="accent1">
-                  <a:lumMod val="75000"/>
+                  <a:shade val="50000"/>
                 </a:schemeClr>
+              </a:lnRef>
+              <a:fillRef idx="1">
+                <a:schemeClr val="accent1"/>
+              </a:fillRef>
+              <a:effectRef idx="0">
+                <a:schemeClr val="accent1"/>
+              </a:effectRef>
+              <a:fontRef idx="minor">
+                <a:schemeClr val="lt1"/>
+              </a:fontRef>
+            </p:style>
+            <p:txBody>
+              <a:bodyPr rtlCol="0" anchor="ctr"/>
+              <a:lstStyle/>
+              <a:p>
+                <a:pPr algn="ctr"/>
+                <a:endParaRPr lang="it-IT"/>
+              </a:p>
+            </p:txBody>
+          </p:sp>
+        </p:grpSp>
+        <p:grpSp>
+          <p:nvGrpSpPr>
+            <p:cNvPr id="5" name="Gruppo 4"/>
+            <p:cNvGrpSpPr/>
+            <p:nvPr/>
+          </p:nvGrpSpPr>
+          <p:grpSpPr>
+            <a:xfrm>
+              <a:off x="2979442" y="1300874"/>
+              <a:ext cx="554462" cy="1645228"/>
+              <a:chOff x="2979442" y="1300874"/>
+              <a:chExt cx="554462" cy="1645228"/>
+            </a:xfrm>
+          </p:grpSpPr>
+          <p:sp>
+            <p:nvSpPr>
+              <p:cNvPr id="51" name="Rettangolo 50"/>
+              <p:cNvSpPr/>
+              <p:nvPr/>
+            </p:nvSpPr>
+            <p:spPr>
+              <a:xfrm>
+                <a:off x="3060635" y="1387262"/>
+                <a:ext cx="396000" cy="1558840"/>
+              </a:xfrm>
+              <a:prstGeom prst="rect">
+                <a:avLst/>
+              </a:prstGeom>
+              <a:solidFill>
+                <a:srgbClr val="9D8E6D"/>
               </a:solidFill>
               <a:ln>
                 <a:noFill/>
@@ -8747,24 +8389,20 @@
           </p:sp>
           <p:sp>
             <p:nvSpPr>
-              <p:cNvPr id="35" name="Trapezio 34"/>
+              <p:cNvPr id="30" name="Ritardo 29"/>
               <p:cNvSpPr/>
               <p:nvPr/>
             </p:nvSpPr>
             <p:spPr>
-              <a:xfrm rot="6155846">
-                <a:off x="2442337" y="2252663"/>
-                <a:ext cx="344124" cy="2714720"/>
+              <a:xfrm rot="5400000">
+                <a:off x="3092710" y="1187606"/>
+                <a:ext cx="327925" cy="554462"/>
               </a:xfrm>
-              <a:prstGeom prst="trapezoid">
-                <a:avLst>
-                  <a:gd name="adj" fmla="val 36786"/>
-                </a:avLst>
+              <a:prstGeom prst="flowChartDelay">
+                <a:avLst/>
               </a:prstGeom>
               <a:solidFill>
-                <a:schemeClr val="accent1">
-                  <a:lumMod val="75000"/>
-                </a:schemeClr>
+                <a:srgbClr val="9D8E6D"/>
               </a:solidFill>
               <a:ln>
                 <a:noFill/>
@@ -8795,318 +8433,657 @@
               </a:p>
             </p:txBody>
           </p:sp>
-          <p:sp>
-            <p:nvSpPr>
-              <p:cNvPr id="37" name="Arco 36"/>
-              <p:cNvSpPr/>
-              <p:nvPr/>
-            </p:nvSpPr>
-            <p:spPr>
-              <a:xfrm rot="1173154">
-                <a:off x="248558" y="3236721"/>
-                <a:ext cx="4674532" cy="1567883"/>
-              </a:xfrm>
-              <a:prstGeom prst="arc">
-                <a:avLst>
-                  <a:gd name="adj1" fmla="val 12078486"/>
-                  <a:gd name="adj2" fmla="val 20049450"/>
-                </a:avLst>
-              </a:prstGeom>
-              <a:ln w="76200">
-                <a:solidFill>
-                  <a:schemeClr val="accent1">
-                    <a:lumMod val="75000"/>
-                  </a:schemeClr>
-                </a:solidFill>
-              </a:ln>
-            </p:spPr>
-            <p:style>
-              <a:lnRef idx="1">
-                <a:schemeClr val="accent1"/>
-              </a:lnRef>
-              <a:fillRef idx="0">
-                <a:schemeClr val="accent1"/>
-              </a:fillRef>
-              <a:effectRef idx="0">
-                <a:schemeClr val="accent1"/>
-              </a:effectRef>
-              <a:fontRef idx="minor">
-                <a:schemeClr val="tx1"/>
-              </a:fontRef>
-            </p:style>
-            <p:txBody>
-              <a:bodyPr rtlCol="0" anchor="ctr"/>
-              <a:lstStyle/>
-              <a:p>
-                <a:pPr algn="ctr"/>
-                <a:endParaRPr lang="it-IT"/>
-              </a:p>
-            </p:txBody>
-          </p:sp>
         </p:grpSp>
-        <p:grpSp>
-          <p:nvGrpSpPr>
-            <p:cNvPr id="38" name="Gruppo 37"/>
-            <p:cNvGrpSpPr/>
+        <p:sp>
+          <p:nvSpPr>
+            <p:cNvPr id="45" name="Triangolo isoscele 44"/>
+            <p:cNvSpPr/>
             <p:nvPr/>
-          </p:nvGrpSpPr>
-          <p:grpSpPr>
+          </p:nvSpPr>
+          <p:spPr>
+            <a:xfrm>
+              <a:off x="3363422" y="447867"/>
+              <a:ext cx="1882051" cy="523151"/>
+            </a:xfrm>
+            <a:prstGeom prst="triangle">
+              <a:avLst/>
+            </a:prstGeom>
+            <a:solidFill>
+              <a:schemeClr val="bg1"/>
+            </a:solidFill>
+            <a:ln>
+              <a:noFill/>
+            </a:ln>
+          </p:spPr>
+          <p:style>
+            <a:lnRef idx="2">
+              <a:schemeClr val="accent1">
+                <a:shade val="50000"/>
+              </a:schemeClr>
+            </a:lnRef>
+            <a:fillRef idx="1">
+              <a:schemeClr val="accent1"/>
+            </a:fillRef>
+            <a:effectRef idx="0">
+              <a:schemeClr val="accent1"/>
+            </a:effectRef>
+            <a:fontRef idx="minor">
+              <a:schemeClr val="lt1"/>
+            </a:fontRef>
+          </p:style>
+          <p:txBody>
+            <a:bodyPr rtlCol="0" anchor="ctr"/>
+            <a:lstStyle/>
+            <a:p>
+              <a:pPr algn="ctr"/>
+              <a:endParaRPr lang="it-IT"/>
+            </a:p>
+          </p:txBody>
+        </p:sp>
+        <p:sp>
+          <p:nvSpPr>
+            <p:cNvPr id="4" name="Ovale 3"/>
+            <p:cNvSpPr/>
+            <p:nvPr/>
+          </p:nvSpPr>
+          <p:spPr>
+            <a:xfrm>
+              <a:off x="4113888" y="2697326"/>
+              <a:ext cx="365980" cy="432356"/>
+            </a:xfrm>
+            <a:prstGeom prst="ellipse">
+              <a:avLst/>
+            </a:prstGeom>
+            <a:noFill/>
+            <a:ln w="76200"/>
+          </p:spPr>
+          <p:style>
+            <a:lnRef idx="2">
+              <a:schemeClr val="accent1">
+                <a:shade val="50000"/>
+              </a:schemeClr>
+            </a:lnRef>
+            <a:fillRef idx="1">
+              <a:schemeClr val="accent1"/>
+            </a:fillRef>
+            <a:effectRef idx="0">
+              <a:schemeClr val="accent1"/>
+            </a:effectRef>
+            <a:fontRef idx="minor">
+              <a:schemeClr val="lt1"/>
+            </a:fontRef>
+          </p:style>
+          <p:txBody>
+            <a:bodyPr rtlCol="0" anchor="ctr"/>
+            <a:lstStyle/>
+            <a:p>
+              <a:pPr algn="ctr"/>
+              <a:endParaRPr lang="it-IT"/>
+            </a:p>
+          </p:txBody>
+        </p:sp>
+        <p:sp>
+          <p:nvSpPr>
+            <p:cNvPr id="8" name="Ovale 7"/>
+            <p:cNvSpPr/>
+            <p:nvPr/>
+          </p:nvSpPr>
+          <p:spPr>
+            <a:xfrm>
+              <a:off x="4130524" y="2749943"/>
+              <a:ext cx="332709" cy="432356"/>
+            </a:xfrm>
+            <a:prstGeom prst="ellipse">
+              <a:avLst/>
+            </a:prstGeom>
+            <a:noFill/>
+            <a:ln w="76200"/>
+          </p:spPr>
+          <p:style>
+            <a:lnRef idx="2">
+              <a:schemeClr val="accent1">
+                <a:shade val="50000"/>
+              </a:schemeClr>
+            </a:lnRef>
+            <a:fillRef idx="1">
+              <a:schemeClr val="accent1"/>
+            </a:fillRef>
+            <a:effectRef idx="0">
+              <a:schemeClr val="accent1"/>
+            </a:effectRef>
+            <a:fontRef idx="minor">
+              <a:schemeClr val="lt1"/>
+            </a:fontRef>
+          </p:style>
+          <p:txBody>
+            <a:bodyPr rtlCol="0" anchor="ctr"/>
+            <a:lstStyle/>
+            <a:p>
+              <a:pPr algn="ctr"/>
+              <a:endParaRPr lang="it-IT"/>
+            </a:p>
+          </p:txBody>
+        </p:sp>
+        <p:sp>
+          <p:nvSpPr>
+            <p:cNvPr id="9" name="Ovale 8"/>
+            <p:cNvSpPr/>
+            <p:nvPr/>
+          </p:nvSpPr>
+          <p:spPr>
+            <a:xfrm>
+              <a:off x="4159155" y="2799696"/>
+              <a:ext cx="274966" cy="432356"/>
+            </a:xfrm>
+            <a:prstGeom prst="ellipse">
+              <a:avLst/>
+            </a:prstGeom>
+            <a:noFill/>
+            <a:ln w="76200"/>
+          </p:spPr>
+          <p:style>
+            <a:lnRef idx="2">
+              <a:schemeClr val="accent1">
+                <a:shade val="50000"/>
+              </a:schemeClr>
+            </a:lnRef>
+            <a:fillRef idx="1">
+              <a:schemeClr val="accent1"/>
+            </a:fillRef>
+            <a:effectRef idx="0">
+              <a:schemeClr val="accent1"/>
+            </a:effectRef>
+            <a:fontRef idx="minor">
+              <a:schemeClr val="lt1"/>
+            </a:fontRef>
+          </p:style>
+          <p:txBody>
+            <a:bodyPr rtlCol="0" anchor="ctr"/>
+            <a:lstStyle/>
+            <a:p>
+              <a:pPr algn="ctr"/>
+              <a:endParaRPr lang="it-IT"/>
+            </a:p>
+          </p:txBody>
+        </p:sp>
+        <p:sp>
+          <p:nvSpPr>
+            <p:cNvPr id="28" name="Rettangolo arrotondato 27"/>
+            <p:cNvSpPr/>
+            <p:nvPr/>
+          </p:nvSpPr>
+          <p:spPr>
             <a:xfrm flipH="1">
-              <a:off x="3522183" y="3254487"/>
-              <a:ext cx="4676400" cy="1567883"/>
-              <a:chOff x="248558" y="3236721"/>
-              <a:chExt cx="4674532" cy="1567883"/>
+              <a:off x="2397013" y="2859459"/>
+              <a:ext cx="1784151" cy="162134"/>
             </a:xfrm>
-          </p:grpSpPr>
-          <p:sp>
-            <p:nvSpPr>
-              <p:cNvPr id="39" name="Rettangolo arrotondato 38"/>
-              <p:cNvSpPr/>
-              <p:nvPr/>
-            </p:nvSpPr>
-            <p:spPr>
-              <a:xfrm flipH="1">
-                <a:off x="1221510" y="4149080"/>
-                <a:ext cx="2808312" cy="216024"/>
-              </a:xfrm>
-              <a:prstGeom prst="roundRect">
-                <a:avLst>
-                  <a:gd name="adj" fmla="val 50000"/>
-                </a:avLst>
-              </a:prstGeom>
+            <a:prstGeom prst="roundRect">
+              <a:avLst>
+                <a:gd name="adj" fmla="val 50000"/>
+              </a:avLst>
+            </a:prstGeom>
+            <a:solidFill>
+              <a:srgbClr val="2A5EA0"/>
+            </a:solidFill>
+            <a:ln>
+              <a:noFill/>
+            </a:ln>
+          </p:spPr>
+          <p:style>
+            <a:lnRef idx="2">
+              <a:schemeClr val="accent1">
+                <a:shade val="50000"/>
+              </a:schemeClr>
+            </a:lnRef>
+            <a:fillRef idx="1">
+              <a:schemeClr val="accent1"/>
+            </a:fillRef>
+            <a:effectRef idx="0">
+              <a:schemeClr val="accent1"/>
+            </a:effectRef>
+            <a:fontRef idx="minor">
+              <a:schemeClr val="lt1"/>
+            </a:fontRef>
+          </p:style>
+          <p:txBody>
+            <a:bodyPr rtlCol="0" anchor="ctr"/>
+            <a:lstStyle/>
+            <a:p>
+              <a:pPr algn="ctr"/>
+              <a:endParaRPr lang="it-IT"/>
+            </a:p>
+          </p:txBody>
+        </p:sp>
+        <p:sp>
+          <p:nvSpPr>
+            <p:cNvPr id="3" name="Trapezio 2"/>
+            <p:cNvSpPr/>
+            <p:nvPr/>
+          </p:nvSpPr>
+          <p:spPr>
+            <a:xfrm rot="5570810">
+              <a:off x="3174253" y="1928269"/>
+              <a:ext cx="145791" cy="1689035"/>
+            </a:xfrm>
+            <a:prstGeom prst="trapezoid">
+              <a:avLst>
+                <a:gd name="adj" fmla="val 36786"/>
+              </a:avLst>
+            </a:prstGeom>
+            <a:solidFill>
+              <a:srgbClr val="2A5EA0"/>
+            </a:solidFill>
+            <a:ln>
+              <a:noFill/>
+            </a:ln>
+          </p:spPr>
+          <p:style>
+            <a:lnRef idx="2">
+              <a:schemeClr val="accent1">
+                <a:shade val="50000"/>
+              </a:schemeClr>
+            </a:lnRef>
+            <a:fillRef idx="1">
+              <a:schemeClr val="accent1"/>
+            </a:fillRef>
+            <a:effectRef idx="0">
+              <a:schemeClr val="accent1"/>
+            </a:effectRef>
+            <a:fontRef idx="minor">
+              <a:schemeClr val="lt1"/>
+            </a:fontRef>
+          </p:style>
+          <p:txBody>
+            <a:bodyPr rtlCol="0" anchor="ctr"/>
+            <a:lstStyle/>
+            <a:p>
+              <a:pPr algn="ctr"/>
+              <a:endParaRPr lang="it-IT"/>
+            </a:p>
+          </p:txBody>
+        </p:sp>
+        <p:sp>
+          <p:nvSpPr>
+            <p:cNvPr id="21" name="Trapezio 20"/>
+            <p:cNvSpPr/>
+            <p:nvPr/>
+          </p:nvSpPr>
+          <p:spPr>
+            <a:xfrm rot="5834061">
+              <a:off x="3158275" y="1773331"/>
+              <a:ext cx="194047" cy="1705864"/>
+            </a:xfrm>
+            <a:prstGeom prst="trapezoid">
+              <a:avLst>
+                <a:gd name="adj" fmla="val 36786"/>
+              </a:avLst>
+            </a:prstGeom>
+            <a:solidFill>
+              <a:srgbClr val="2A5EA0"/>
+            </a:solidFill>
+            <a:ln>
+              <a:noFill/>
+            </a:ln>
+          </p:spPr>
+          <p:style>
+            <a:lnRef idx="2">
+              <a:schemeClr val="accent1">
+                <a:shade val="50000"/>
+              </a:schemeClr>
+            </a:lnRef>
+            <a:fillRef idx="1">
+              <a:schemeClr val="accent1"/>
+            </a:fillRef>
+            <a:effectRef idx="0">
+              <a:schemeClr val="accent1"/>
+            </a:effectRef>
+            <a:fontRef idx="minor">
+              <a:schemeClr val="lt1"/>
+            </a:fontRef>
+          </p:style>
+          <p:txBody>
+            <a:bodyPr rtlCol="0" anchor="ctr"/>
+            <a:lstStyle/>
+            <a:p>
+              <a:pPr algn="ctr"/>
+              <a:endParaRPr lang="it-IT"/>
+            </a:p>
+          </p:txBody>
+        </p:sp>
+        <p:sp>
+          <p:nvSpPr>
+            <p:cNvPr id="35" name="Trapezio 34"/>
+            <p:cNvSpPr/>
+            <p:nvPr/>
+          </p:nvSpPr>
+          <p:spPr>
+            <a:xfrm rot="6155846">
+              <a:off x="3152792" y="1592533"/>
+              <a:ext cx="258277" cy="1724691"/>
+            </a:xfrm>
+            <a:prstGeom prst="trapezoid">
+              <a:avLst>
+                <a:gd name="adj" fmla="val 36786"/>
+              </a:avLst>
+            </a:prstGeom>
+            <a:solidFill>
+              <a:srgbClr val="2A5EA0"/>
+            </a:solidFill>
+            <a:ln>
+              <a:noFill/>
+            </a:ln>
+          </p:spPr>
+          <p:style>
+            <a:lnRef idx="2">
+              <a:schemeClr val="accent1">
+                <a:shade val="50000"/>
+              </a:schemeClr>
+            </a:lnRef>
+            <a:fillRef idx="1">
+              <a:schemeClr val="accent1"/>
+            </a:fillRef>
+            <a:effectRef idx="0">
+              <a:schemeClr val="accent1"/>
+            </a:effectRef>
+            <a:fontRef idx="minor">
+              <a:schemeClr val="lt1"/>
+            </a:fontRef>
+          </p:style>
+          <p:txBody>
+            <a:bodyPr rtlCol="0" anchor="ctr"/>
+            <a:lstStyle/>
+            <a:p>
+              <a:pPr algn="ctr"/>
+              <a:endParaRPr lang="it-IT"/>
+            </a:p>
+          </p:txBody>
+        </p:sp>
+        <p:sp>
+          <p:nvSpPr>
+            <p:cNvPr id="37" name="Arco 36"/>
+            <p:cNvSpPr/>
+            <p:nvPr/>
+          </p:nvSpPr>
+          <p:spPr>
+            <a:xfrm rot="1173154">
+              <a:off x="1778886" y="2193752"/>
+              <a:ext cx="2969781" cy="1176751"/>
+            </a:xfrm>
+            <a:prstGeom prst="arc">
+              <a:avLst>
+                <a:gd name="adj1" fmla="val 12078486"/>
+                <a:gd name="adj2" fmla="val 20049450"/>
+              </a:avLst>
+            </a:prstGeom>
+            <a:noFill/>
+            <a:ln w="76200">
               <a:solidFill>
-                <a:schemeClr val="accent1">
-                  <a:lumMod val="75000"/>
-                </a:schemeClr>
+                <a:srgbClr val="2A5EA0"/>
               </a:solidFill>
-              <a:ln>
-                <a:noFill/>
-              </a:ln>
-            </p:spPr>
-            <p:style>
-              <a:lnRef idx="2">
-                <a:schemeClr val="accent1">
-                  <a:shade val="50000"/>
-                </a:schemeClr>
-              </a:lnRef>
-              <a:fillRef idx="1">
-                <a:schemeClr val="accent1"/>
-              </a:fillRef>
-              <a:effectRef idx="0">
-                <a:schemeClr val="accent1"/>
-              </a:effectRef>
-              <a:fontRef idx="minor">
-                <a:schemeClr val="lt1"/>
-              </a:fontRef>
-            </p:style>
-            <p:txBody>
-              <a:bodyPr rtlCol="0" anchor="ctr"/>
-              <a:lstStyle/>
-              <a:p>
-                <a:pPr algn="ctr"/>
-                <a:endParaRPr lang="it-IT"/>
-              </a:p>
-            </p:txBody>
-          </p:sp>
-          <p:sp>
-            <p:nvSpPr>
-              <p:cNvPr id="40" name="Trapezio 39"/>
-              <p:cNvSpPr/>
-              <p:nvPr/>
-            </p:nvSpPr>
-            <p:spPr>
-              <a:xfrm rot="5570810">
-                <a:off x="2462526" y="2704301"/>
-                <a:ext cx="194249" cy="2658596"/>
-              </a:xfrm>
-              <a:prstGeom prst="trapezoid">
-                <a:avLst>
-                  <a:gd name="adj" fmla="val 36786"/>
-                </a:avLst>
-              </a:prstGeom>
+            </a:ln>
+          </p:spPr>
+          <p:style>
+            <a:lnRef idx="1">
+              <a:schemeClr val="accent1"/>
+            </a:lnRef>
+            <a:fillRef idx="0">
+              <a:schemeClr val="accent1"/>
+            </a:fillRef>
+            <a:effectRef idx="0">
+              <a:schemeClr val="accent1"/>
+            </a:effectRef>
+            <a:fontRef idx="minor">
+              <a:schemeClr val="tx1"/>
+            </a:fontRef>
+          </p:style>
+          <p:txBody>
+            <a:bodyPr rtlCol="0" anchor="ctr"/>
+            <a:lstStyle/>
+            <a:p>
+              <a:pPr algn="ctr"/>
+              <a:endParaRPr lang="it-IT"/>
+            </a:p>
+          </p:txBody>
+        </p:sp>
+        <p:sp>
+          <p:nvSpPr>
+            <p:cNvPr id="39" name="Rettangolo arrotondato 38"/>
+            <p:cNvSpPr/>
+            <p:nvPr/>
+          </p:nvSpPr>
+          <p:spPr>
+            <a:xfrm>
+              <a:off x="4426385" y="2872793"/>
+              <a:ext cx="1784864" cy="162134"/>
+            </a:xfrm>
+            <a:prstGeom prst="roundRect">
+              <a:avLst>
+                <a:gd name="adj" fmla="val 50000"/>
+              </a:avLst>
+            </a:prstGeom>
+            <a:solidFill>
+              <a:srgbClr val="2A5EA0"/>
+            </a:solidFill>
+            <a:ln>
+              <a:noFill/>
+            </a:ln>
+          </p:spPr>
+          <p:style>
+            <a:lnRef idx="2">
+              <a:schemeClr val="accent1">
+                <a:shade val="50000"/>
+              </a:schemeClr>
+            </a:lnRef>
+            <a:fillRef idx="1">
+              <a:schemeClr val="accent1"/>
+            </a:fillRef>
+            <a:effectRef idx="0">
+              <a:schemeClr val="accent1"/>
+            </a:effectRef>
+            <a:fontRef idx="minor">
+              <a:schemeClr val="lt1"/>
+            </a:fontRef>
+          </p:style>
+          <p:txBody>
+            <a:bodyPr rtlCol="0" anchor="ctr"/>
+            <a:lstStyle/>
+            <a:p>
+              <a:pPr algn="ctr"/>
+              <a:endParaRPr lang="it-IT"/>
+            </a:p>
+          </p:txBody>
+        </p:sp>
+        <p:sp>
+          <p:nvSpPr>
+            <p:cNvPr id="40" name="Trapezio 39"/>
+            <p:cNvSpPr/>
+            <p:nvPr/>
+          </p:nvSpPr>
+          <p:spPr>
+            <a:xfrm rot="16029190" flipH="1">
+              <a:off x="5275179" y="1941266"/>
+              <a:ext cx="145791" cy="1689710"/>
+            </a:xfrm>
+            <a:prstGeom prst="trapezoid">
+              <a:avLst>
+                <a:gd name="adj" fmla="val 36786"/>
+              </a:avLst>
+            </a:prstGeom>
+            <a:solidFill>
+              <a:srgbClr val="2A5EA0"/>
+            </a:solidFill>
+            <a:ln>
+              <a:noFill/>
+            </a:ln>
+          </p:spPr>
+          <p:style>
+            <a:lnRef idx="2">
+              <a:schemeClr val="accent1">
+                <a:shade val="50000"/>
+              </a:schemeClr>
+            </a:lnRef>
+            <a:fillRef idx="1">
+              <a:schemeClr val="accent1"/>
+            </a:fillRef>
+            <a:effectRef idx="0">
+              <a:schemeClr val="accent1"/>
+            </a:effectRef>
+            <a:fontRef idx="minor">
+              <a:schemeClr val="lt1"/>
+            </a:fontRef>
+          </p:style>
+          <p:txBody>
+            <a:bodyPr rtlCol="0" anchor="ctr"/>
+            <a:lstStyle/>
+            <a:p>
+              <a:pPr algn="ctr"/>
+              <a:endParaRPr lang="it-IT"/>
+            </a:p>
+          </p:txBody>
+        </p:sp>
+        <p:sp>
+          <p:nvSpPr>
+            <p:cNvPr id="41" name="Trapezio 40"/>
+            <p:cNvSpPr/>
+            <p:nvPr/>
+          </p:nvSpPr>
+          <p:spPr>
+            <a:xfrm rot="15765939" flipH="1">
+              <a:off x="5242897" y="1786324"/>
+              <a:ext cx="194047" cy="1706546"/>
+            </a:xfrm>
+            <a:prstGeom prst="trapezoid">
+              <a:avLst>
+                <a:gd name="adj" fmla="val 36786"/>
+              </a:avLst>
+            </a:prstGeom>
+            <a:solidFill>
+              <a:srgbClr val="2A5EA0"/>
+            </a:solidFill>
+            <a:ln>
+              <a:noFill/>
+            </a:ln>
+          </p:spPr>
+          <p:style>
+            <a:lnRef idx="2">
+              <a:schemeClr val="accent1">
+                <a:shade val="50000"/>
+              </a:schemeClr>
+            </a:lnRef>
+            <a:fillRef idx="1">
+              <a:schemeClr val="accent1"/>
+            </a:fillRef>
+            <a:effectRef idx="0">
+              <a:schemeClr val="accent1"/>
+            </a:effectRef>
+            <a:fontRef idx="minor">
+              <a:schemeClr val="lt1"/>
+            </a:fontRef>
+          </p:style>
+          <p:txBody>
+            <a:bodyPr rtlCol="0" anchor="ctr"/>
+            <a:lstStyle/>
+            <a:p>
+              <a:pPr algn="ctr"/>
+              <a:endParaRPr lang="it-IT"/>
+            </a:p>
+          </p:txBody>
+        </p:sp>
+        <p:sp>
+          <p:nvSpPr>
+            <p:cNvPr id="42" name="Trapezio 41"/>
+            <p:cNvSpPr/>
+            <p:nvPr/>
+          </p:nvSpPr>
+          <p:spPr>
+            <a:xfrm rot="15444154" flipH="1">
+              <a:off x="5190489" y="1605522"/>
+              <a:ext cx="258277" cy="1725380"/>
+            </a:xfrm>
+            <a:prstGeom prst="trapezoid">
+              <a:avLst>
+                <a:gd name="adj" fmla="val 36786"/>
+              </a:avLst>
+            </a:prstGeom>
+            <a:solidFill>
+              <a:srgbClr val="2A5EA0"/>
+            </a:solidFill>
+            <a:ln>
+              <a:noFill/>
+            </a:ln>
+          </p:spPr>
+          <p:style>
+            <a:lnRef idx="2">
+              <a:schemeClr val="accent1">
+                <a:shade val="50000"/>
+              </a:schemeClr>
+            </a:lnRef>
+            <a:fillRef idx="1">
+              <a:schemeClr val="accent1"/>
+            </a:fillRef>
+            <a:effectRef idx="0">
+              <a:schemeClr val="accent1"/>
+            </a:effectRef>
+            <a:fontRef idx="minor">
+              <a:schemeClr val="lt1"/>
+            </a:fontRef>
+          </p:style>
+          <p:txBody>
+            <a:bodyPr rtlCol="0" anchor="ctr"/>
+            <a:lstStyle/>
+            <a:p>
+              <a:pPr algn="ctr"/>
+              <a:endParaRPr lang="it-IT"/>
+            </a:p>
+          </p:txBody>
+        </p:sp>
+        <p:sp>
+          <p:nvSpPr>
+            <p:cNvPr id="43" name="Arco 42"/>
+            <p:cNvSpPr/>
+            <p:nvPr/>
+          </p:nvSpPr>
+          <p:spPr>
+            <a:xfrm rot="20426846" flipH="1">
+              <a:off x="3858655" y="2207086"/>
+              <a:ext cx="2970968" cy="1176751"/>
+            </a:xfrm>
+            <a:prstGeom prst="arc">
+              <a:avLst>
+                <a:gd name="adj1" fmla="val 12078486"/>
+                <a:gd name="adj2" fmla="val 20022949"/>
+              </a:avLst>
+            </a:prstGeom>
+            <a:noFill/>
+            <a:ln w="76200">
               <a:solidFill>
-                <a:schemeClr val="accent1">
-                  <a:lumMod val="75000"/>
-                </a:schemeClr>
+                <a:srgbClr val="2A5EA0"/>
               </a:solidFill>
-              <a:ln>
-                <a:noFill/>
-              </a:ln>
-            </p:spPr>
-            <p:style>
-              <a:lnRef idx="2">
-                <a:schemeClr val="accent1">
-                  <a:shade val="50000"/>
-                </a:schemeClr>
-              </a:lnRef>
-              <a:fillRef idx="1">
-                <a:schemeClr val="accent1"/>
-              </a:fillRef>
-              <a:effectRef idx="0">
-                <a:schemeClr val="accent1"/>
-              </a:effectRef>
-              <a:fontRef idx="minor">
-                <a:schemeClr val="lt1"/>
-              </a:fontRef>
-            </p:style>
-            <p:txBody>
-              <a:bodyPr rtlCol="0" anchor="ctr"/>
-              <a:lstStyle/>
-              <a:p>
-                <a:pPr algn="ctr"/>
-                <a:endParaRPr lang="it-IT"/>
-              </a:p>
-            </p:txBody>
-          </p:sp>
-          <p:sp>
-            <p:nvSpPr>
-              <p:cNvPr id="41" name="Trapezio 40"/>
-              <p:cNvSpPr/>
-              <p:nvPr/>
-            </p:nvSpPr>
-            <p:spPr>
-              <a:xfrm rot="5834061">
-                <a:off x="2443207" y="2495830"/>
-                <a:ext cx="258545" cy="2685086"/>
-              </a:xfrm>
-              <a:prstGeom prst="trapezoid">
-                <a:avLst>
-                  <a:gd name="adj" fmla="val 36786"/>
-                </a:avLst>
-              </a:prstGeom>
-              <a:solidFill>
-                <a:schemeClr val="accent1">
-                  <a:lumMod val="75000"/>
-                </a:schemeClr>
-              </a:solidFill>
-              <a:ln>
-                <a:noFill/>
-              </a:ln>
-            </p:spPr>
-            <p:style>
-              <a:lnRef idx="2">
-                <a:schemeClr val="accent1">
-                  <a:shade val="50000"/>
-                </a:schemeClr>
-              </a:lnRef>
-              <a:fillRef idx="1">
-                <a:schemeClr val="accent1"/>
-              </a:fillRef>
-              <a:effectRef idx="0">
-                <a:schemeClr val="accent1"/>
-              </a:effectRef>
-              <a:fontRef idx="minor">
-                <a:schemeClr val="lt1"/>
-              </a:fontRef>
-            </p:style>
-            <p:txBody>
-              <a:bodyPr rtlCol="0" anchor="ctr"/>
-              <a:lstStyle/>
-              <a:p>
-                <a:pPr algn="ctr"/>
-                <a:endParaRPr lang="it-IT"/>
-              </a:p>
-            </p:txBody>
-          </p:sp>
-          <p:sp>
-            <p:nvSpPr>
-              <p:cNvPr id="42" name="Trapezio 41"/>
-              <p:cNvSpPr/>
-              <p:nvPr/>
-            </p:nvSpPr>
-            <p:spPr>
-              <a:xfrm rot="6155846">
-                <a:off x="2442337" y="2252663"/>
-                <a:ext cx="344124" cy="2714720"/>
-              </a:xfrm>
-              <a:prstGeom prst="trapezoid">
-                <a:avLst>
-                  <a:gd name="adj" fmla="val 36786"/>
-                </a:avLst>
-              </a:prstGeom>
-              <a:solidFill>
-                <a:schemeClr val="accent1">
-                  <a:lumMod val="75000"/>
-                </a:schemeClr>
-              </a:solidFill>
-              <a:ln>
-                <a:noFill/>
-              </a:ln>
-            </p:spPr>
-            <p:style>
-              <a:lnRef idx="2">
-                <a:schemeClr val="accent1">
-                  <a:shade val="50000"/>
-                </a:schemeClr>
-              </a:lnRef>
-              <a:fillRef idx="1">
-                <a:schemeClr val="accent1"/>
-              </a:fillRef>
-              <a:effectRef idx="0">
-                <a:schemeClr val="accent1"/>
-              </a:effectRef>
-              <a:fontRef idx="minor">
-                <a:schemeClr val="lt1"/>
-              </a:fontRef>
-            </p:style>
-            <p:txBody>
-              <a:bodyPr rtlCol="0" anchor="ctr"/>
-              <a:lstStyle/>
-              <a:p>
-                <a:pPr algn="ctr"/>
-                <a:endParaRPr lang="it-IT"/>
-              </a:p>
-            </p:txBody>
-          </p:sp>
-          <p:sp>
-            <p:nvSpPr>
-              <p:cNvPr id="43" name="Arco 42"/>
-              <p:cNvSpPr/>
-              <p:nvPr/>
-            </p:nvSpPr>
-            <p:spPr>
-              <a:xfrm rot="1173154">
-                <a:off x="248558" y="3236721"/>
-                <a:ext cx="4674532" cy="1567883"/>
-              </a:xfrm>
-              <a:prstGeom prst="arc">
-                <a:avLst>
-                  <a:gd name="adj1" fmla="val 12078486"/>
-                  <a:gd name="adj2" fmla="val 20022949"/>
-                </a:avLst>
-              </a:prstGeom>
-              <a:ln w="76200">
-                <a:solidFill>
-                  <a:schemeClr val="accent1">
-                    <a:lumMod val="75000"/>
-                  </a:schemeClr>
-                </a:solidFill>
-              </a:ln>
-            </p:spPr>
-            <p:style>
-              <a:lnRef idx="1">
-                <a:schemeClr val="accent1"/>
-              </a:lnRef>
-              <a:fillRef idx="0">
-                <a:schemeClr val="accent1"/>
-              </a:fillRef>
-              <a:effectRef idx="0">
-                <a:schemeClr val="accent1"/>
-              </a:effectRef>
-              <a:fontRef idx="minor">
-                <a:schemeClr val="tx1"/>
-              </a:fontRef>
-            </p:style>
-            <p:txBody>
-              <a:bodyPr rtlCol="0" anchor="ctr"/>
-              <a:lstStyle/>
-              <a:p>
-                <a:pPr algn="ctr"/>
-                <a:endParaRPr lang="it-IT"/>
-              </a:p>
-            </p:txBody>
-          </p:sp>
-        </p:grpSp>
+            </a:ln>
+          </p:spPr>
+          <p:style>
+            <a:lnRef idx="1">
+              <a:schemeClr val="accent1"/>
+            </a:lnRef>
+            <a:fillRef idx="0">
+              <a:schemeClr val="accent1"/>
+            </a:fillRef>
+            <a:effectRef idx="0">
+              <a:schemeClr val="accent1"/>
+            </a:effectRef>
+            <a:fontRef idx="minor">
+              <a:schemeClr val="tx1"/>
+            </a:fontRef>
+          </p:style>
+          <p:txBody>
+            <a:bodyPr rtlCol="0" anchor="ctr"/>
+            <a:lstStyle/>
+            <a:p>
+              <a:pPr algn="ctr"/>
+              <a:endParaRPr lang="it-IT"/>
+            </a:p>
+          </p:txBody>
+        </p:sp>
         <p:sp>
           <p:nvSpPr>
             <p:cNvPr id="12" name="Rettangolo 11"/>
@@ -9115,8 +9092,8 @@
           </p:nvSpPr>
           <p:spPr>
             <a:xfrm>
-              <a:off x="1252188" y="4357470"/>
-              <a:ext cx="6056117" cy="469450"/>
+              <a:off x="2416503" y="3015863"/>
+              <a:ext cx="3847517" cy="352339"/>
             </a:xfrm>
             <a:prstGeom prst="rect">
               <a:avLst/>
@@ -9153,115 +9130,1353 @@
             </a:p>
           </p:txBody>
         </p:sp>
+        <p:pic>
+          <p:nvPicPr>
+            <p:cNvPr id="1028" name="Picture 4"/>
+            <p:cNvPicPr>
+              <a:picLocks noChangeAspect="1" noChangeArrowheads="1"/>
+            </p:cNvPicPr>
+            <p:nvPr/>
+          </p:nvPicPr>
+          <p:blipFill>
+            <a:blip r:embed="rId2">
+              <a:extLst>
+                <a:ext uri="{28A0092B-C50C-407E-A947-70E740481C1C}">
+                  <a14:useLocalDpi xmlns:a14="http://schemas.microsoft.com/office/drawing/2010/main" val="0"/>
+                </a:ext>
+              </a:extLst>
+            </a:blip>
+            <a:srcRect/>
+            <a:stretch>
+              <a:fillRect/>
+            </a:stretch>
+          </p:blipFill>
+          <p:spPr bwMode="auto">
+            <a:xfrm>
+              <a:off x="2596050" y="156465"/>
+              <a:ext cx="3397436" cy="1048201"/>
+            </a:xfrm>
+            <a:prstGeom prst="rect">
+              <a:avLst/>
+            </a:prstGeom>
+            <a:noFill/>
+            <a:ln>
+              <a:noFill/>
+            </a:ln>
+            <a:effectLst/>
+            <a:extLst>
+              <a:ext uri="{909E8E84-426E-40DD-AFC4-6F175D3DCCD1}">
+                <a14:hiddenFill xmlns:a14="http://schemas.microsoft.com/office/drawing/2010/main">
+                  <a:solidFill>
+                    <a:schemeClr val="accent1"/>
+                  </a:solidFill>
+                </a14:hiddenFill>
+              </a:ext>
+              <a:ext uri="{91240B29-F687-4F45-9708-019B960494DF}">
+                <a14:hiddenLine xmlns:a14="http://schemas.microsoft.com/office/drawing/2010/main" w="9525">
+                  <a:solidFill>
+                    <a:schemeClr val="tx1"/>
+                  </a:solidFill>
+                  <a:miter lim="800000"/>
+                  <a:headEnd/>
+                  <a:tailEnd/>
+                </a14:hiddenLine>
+              </a:ext>
+              <a:ext uri="{AF507438-7753-43E0-B8FC-AC1667EBCBE1}">
+                <a14:hiddenEffects xmlns:a14="http://schemas.microsoft.com/office/drawing/2010/main">
+                  <a:effectLst>
+                    <a:outerShdw dist="35921" dir="2700000" algn="ctr" rotWithShape="0">
+                      <a:schemeClr val="bg2"/>
+                    </a:outerShdw>
+                  </a:effectLst>
+                </a14:hiddenEffects>
+              </a:ext>
+            </a:extLst>
+          </p:spPr>
+        </p:pic>
+        <p:sp>
+          <p:nvSpPr>
+            <p:cNvPr id="14" name="Ovale 13"/>
+            <p:cNvSpPr/>
+            <p:nvPr/>
+          </p:nvSpPr>
+          <p:spPr>
+            <a:xfrm>
+              <a:off x="4090784" y="529422"/>
+              <a:ext cx="407967" cy="360040"/>
+            </a:xfrm>
+            <a:prstGeom prst="ellipse">
+              <a:avLst/>
+            </a:prstGeom>
+            <a:solidFill>
+              <a:schemeClr val="bg1"/>
+            </a:solidFill>
+            <a:ln>
+              <a:noFill/>
+            </a:ln>
+          </p:spPr>
+          <p:style>
+            <a:lnRef idx="2">
+              <a:schemeClr val="accent1">
+                <a:shade val="50000"/>
+              </a:schemeClr>
+            </a:lnRef>
+            <a:fillRef idx="1">
+              <a:schemeClr val="accent1"/>
+            </a:fillRef>
+            <a:effectRef idx="0">
+              <a:schemeClr val="accent1"/>
+            </a:effectRef>
+            <a:fontRef idx="minor">
+              <a:schemeClr val="lt1"/>
+            </a:fontRef>
+          </p:style>
+          <p:txBody>
+            <a:bodyPr rtlCol="0" anchor="ctr"/>
+            <a:lstStyle/>
+            <a:p>
+              <a:pPr algn="ctr"/>
+              <a:endParaRPr lang="it-IT"/>
+            </a:p>
+          </p:txBody>
+        </p:sp>
       </p:grpSp>
-      <p:sp>
-        <p:nvSpPr>
-          <p:cNvPr id="13" name="CasellaDiTesto 12"/>
-          <p:cNvSpPr txBox="1"/>
+    </p:spTree>
+    <p:extLst>
+      <p:ext uri="{BB962C8B-B14F-4D97-AF65-F5344CB8AC3E}">
+        <p14:creationId xmlns:p14="http://schemas.microsoft.com/office/powerpoint/2010/main" val="2185659425"/>
+      </p:ext>
+    </p:extLst>
+  </p:cSld>
+  <p:clrMapOvr>
+    <a:masterClrMapping/>
+  </p:clrMapOvr>
+</p:sld>
+</file>
+
+<file path=ppt/slides/slide8.xml><?xml version="1.0" encoding="utf-8"?>
+<p:sld xmlns:a="http://schemas.openxmlformats.org/drawingml/2006/main" xmlns:r="http://schemas.openxmlformats.org/officeDocument/2006/relationships" xmlns:p="http://schemas.openxmlformats.org/presentationml/2006/main">
+  <p:cSld>
+    <p:spTree>
+      <p:nvGrpSpPr>
+        <p:cNvPr id="1" name=""/>
+        <p:cNvGrpSpPr/>
+        <p:nvPr/>
+      </p:nvGrpSpPr>
+      <p:grpSpPr>
+        <a:xfrm>
+          <a:off x="0" y="0"/>
+          <a:ext cx="0" cy="0"/>
+          <a:chOff x="0" y="0"/>
+          <a:chExt cx="0" cy="0"/>
+        </a:xfrm>
+      </p:grpSpPr>
+      <p:sp>
+        <p:nvSpPr>
+          <p:cNvPr id="46" name="Triangolo isoscele 45"/>
+          <p:cNvSpPr/>
           <p:nvPr/>
         </p:nvSpPr>
         <p:spPr>
           <a:xfrm>
-            <a:off x="175866" y="2924944"/>
-            <a:ext cx="8932638" cy="1323439"/>
+            <a:off x="3015949" y="265323"/>
+            <a:ext cx="2561857" cy="810668"/>
+          </a:xfrm>
+          <a:prstGeom prst="triangle">
+            <a:avLst/>
+          </a:prstGeom>
+          <a:solidFill>
+            <a:srgbClr val="9D8E6D"/>
+          </a:solidFill>
+          <a:ln>
+            <a:noFill/>
+          </a:ln>
+        </p:spPr>
+        <p:style>
+          <a:lnRef idx="2">
+            <a:schemeClr val="accent1">
+              <a:shade val="50000"/>
+            </a:schemeClr>
+          </a:lnRef>
+          <a:fillRef idx="1">
+            <a:schemeClr val="accent1"/>
+          </a:fillRef>
+          <a:effectRef idx="0">
+            <a:schemeClr val="accent1"/>
+          </a:effectRef>
+          <a:fontRef idx="minor">
+            <a:schemeClr val="lt1"/>
+          </a:fontRef>
+        </p:style>
+        <p:txBody>
+          <a:bodyPr rtlCol="0" anchor="ctr"/>
+          <a:lstStyle/>
+          <a:p>
+            <a:pPr algn="ctr"/>
+            <a:endParaRPr lang="it-IT"/>
+          </a:p>
+        </p:txBody>
+      </p:sp>
+      <p:sp>
+        <p:nvSpPr>
+          <p:cNvPr id="45" name="Triangolo isoscele 44"/>
+          <p:cNvSpPr/>
+          <p:nvPr/>
+        </p:nvSpPr>
+        <p:spPr>
+          <a:xfrm>
+            <a:off x="3363422" y="447867"/>
+            <a:ext cx="1882051" cy="523151"/>
+          </a:xfrm>
+          <a:prstGeom prst="triangle">
+            <a:avLst/>
+          </a:prstGeom>
+          <a:solidFill>
+            <a:schemeClr val="bg1"/>
+          </a:solidFill>
+          <a:ln>
+            <a:noFill/>
+          </a:ln>
+        </p:spPr>
+        <p:style>
+          <a:lnRef idx="2">
+            <a:schemeClr val="accent1">
+              <a:shade val="50000"/>
+            </a:schemeClr>
+          </a:lnRef>
+          <a:fillRef idx="1">
+            <a:schemeClr val="accent1"/>
+          </a:fillRef>
+          <a:effectRef idx="0">
+            <a:schemeClr val="accent1"/>
+          </a:effectRef>
+          <a:fontRef idx="minor">
+            <a:schemeClr val="lt1"/>
+          </a:fontRef>
+        </p:style>
+        <p:txBody>
+          <a:bodyPr rtlCol="0" anchor="ctr"/>
+          <a:lstStyle/>
+          <a:p>
+            <a:pPr algn="ctr"/>
+            <a:endParaRPr lang="it-IT"/>
+          </a:p>
+        </p:txBody>
+      </p:sp>
+      <p:sp>
+        <p:nvSpPr>
+          <p:cNvPr id="6" name="Triangolo isoscele 5"/>
+          <p:cNvSpPr/>
+          <p:nvPr/>
+        </p:nvSpPr>
+        <p:spPr>
+          <a:xfrm>
+            <a:off x="3631461" y="538083"/>
+            <a:ext cx="1330835" cy="357319"/>
+          </a:xfrm>
+          <a:prstGeom prst="triangle">
+            <a:avLst/>
+          </a:prstGeom>
+          <a:solidFill>
+            <a:srgbClr val="9D8E6D"/>
+          </a:solidFill>
+          <a:ln>
+            <a:noFill/>
+          </a:ln>
+        </p:spPr>
+        <p:style>
+          <a:lnRef idx="2">
+            <a:schemeClr val="accent1">
+              <a:shade val="50000"/>
+            </a:schemeClr>
+          </a:lnRef>
+          <a:fillRef idx="1">
+            <a:schemeClr val="accent1"/>
+          </a:fillRef>
+          <a:effectRef idx="0">
+            <a:schemeClr val="accent1"/>
+          </a:effectRef>
+          <a:fontRef idx="minor">
+            <a:schemeClr val="lt1"/>
+          </a:fontRef>
+        </p:style>
+        <p:txBody>
+          <a:bodyPr rtlCol="0" anchor="ctr"/>
+          <a:lstStyle/>
+          <a:p>
+            <a:pPr algn="ctr"/>
+            <a:endParaRPr lang="it-IT"/>
+          </a:p>
+        </p:txBody>
+      </p:sp>
+      <p:sp>
+        <p:nvSpPr>
+          <p:cNvPr id="10" name="Rettangolo 9"/>
+          <p:cNvSpPr/>
+          <p:nvPr/>
+        </p:nvSpPr>
+        <p:spPr>
+          <a:xfrm>
+            <a:off x="2886726" y="1134549"/>
+            <a:ext cx="2842889" cy="89334"/>
           </a:xfrm>
           <a:prstGeom prst="rect">
             <a:avLst/>
           </a:prstGeom>
-          <a:noFill/>
+          <a:solidFill>
+            <a:srgbClr val="9D8E6D"/>
+          </a:solidFill>
+          <a:ln>
+            <a:noFill/>
+          </a:ln>
         </p:spPr>
-        <p:txBody>
-          <a:bodyPr wrap="none" rtlCol="0">
-            <a:spAutoFit/>
-          </a:bodyPr>
+        <p:style>
+          <a:lnRef idx="2">
+            <a:schemeClr val="accent1">
+              <a:shade val="50000"/>
+            </a:schemeClr>
+          </a:lnRef>
+          <a:fillRef idx="1">
+            <a:schemeClr val="accent1"/>
+          </a:fillRef>
+          <a:effectRef idx="0">
+            <a:schemeClr val="accent1"/>
+          </a:effectRef>
+          <a:fontRef idx="minor">
+            <a:schemeClr val="lt1"/>
+          </a:fontRef>
+        </p:style>
+        <p:txBody>
+          <a:bodyPr rtlCol="0" anchor="ctr"/>
           <a:lstStyle/>
           <a:p>
-            <a:r>
-              <a:rPr lang="it-IT" sz="8000" b="1" dirty="0" smtClean="0">
-                <a:solidFill>
-                  <a:srgbClr val="988214"/>
-                </a:solidFill>
-                <a:latin typeface="Arial Narrow" pitchFamily="34" charset="0"/>
-              </a:rPr>
-              <a:t>Ricorso Verbali </a:t>
-            </a:r>
-            <a:r>
-              <a:rPr lang="it-IT" sz="8000" b="1" dirty="0" err="1" smtClean="0">
-                <a:solidFill>
-                  <a:srgbClr val="988214"/>
-                </a:solidFill>
-                <a:latin typeface="Arial Narrow" pitchFamily="34" charset="0"/>
-              </a:rPr>
-              <a:t>C.d.S</a:t>
-            </a:r>
-            <a:r>
-              <a:rPr lang="it-IT" sz="8000" b="1" dirty="0" smtClean="0">
-                <a:solidFill>
-                  <a:srgbClr val="988214"/>
-                </a:solidFill>
-                <a:latin typeface="Arial Narrow" pitchFamily="34" charset="0"/>
-              </a:rPr>
-              <a:t>.</a:t>
-            </a:r>
-            <a:endParaRPr lang="it-IT" sz="8000" b="1" dirty="0">
-              <a:solidFill>
-                <a:srgbClr val="988214"/>
-              </a:solidFill>
-              <a:latin typeface="Arial Narrow" pitchFamily="34" charset="0"/>
-            </a:endParaRPr>
-          </a:p>
-        </p:txBody>
-      </p:sp>
-      <p:sp>
-        <p:nvSpPr>
-          <p:cNvPr id="32" name="CasellaDiTesto 31"/>
-          <p:cNvSpPr txBox="1"/>
+            <a:pPr algn="ctr"/>
+            <a:endParaRPr lang="it-IT"/>
+          </a:p>
+        </p:txBody>
+      </p:sp>
+      <p:sp>
+        <p:nvSpPr>
+          <p:cNvPr id="47" name="Rettangolo 46"/>
+          <p:cNvSpPr/>
           <p:nvPr/>
         </p:nvSpPr>
         <p:spPr>
           <a:xfrm>
-            <a:off x="596356" y="4077072"/>
-            <a:ext cx="7864076" cy="769441"/>
+            <a:off x="3015949" y="1263228"/>
+            <a:ext cx="380803" cy="89334"/>
           </a:xfrm>
           <a:prstGeom prst="rect">
             <a:avLst/>
           </a:prstGeom>
+          <a:solidFill>
+            <a:srgbClr val="9D8E6D"/>
+          </a:solidFill>
+          <a:ln>
+            <a:noFill/>
+          </a:ln>
+        </p:spPr>
+        <p:style>
+          <a:lnRef idx="2">
+            <a:schemeClr val="accent1">
+              <a:shade val="50000"/>
+            </a:schemeClr>
+          </a:lnRef>
+          <a:fillRef idx="1">
+            <a:schemeClr val="accent1"/>
+          </a:fillRef>
+          <a:effectRef idx="0">
+            <a:schemeClr val="accent1"/>
+          </a:effectRef>
+          <a:fontRef idx="minor">
+            <a:schemeClr val="lt1"/>
+          </a:fontRef>
+        </p:style>
+        <p:txBody>
+          <a:bodyPr rtlCol="0" anchor="ctr"/>
+          <a:lstStyle/>
+          <a:p>
+            <a:pPr algn="ctr"/>
+            <a:endParaRPr lang="it-IT"/>
+          </a:p>
+        </p:txBody>
+      </p:sp>
+      <p:sp>
+        <p:nvSpPr>
+          <p:cNvPr id="48" name="Rettangolo 47"/>
+          <p:cNvSpPr/>
+          <p:nvPr/>
+        </p:nvSpPr>
+        <p:spPr>
+          <a:xfrm>
+            <a:off x="3757132" y="1258967"/>
+            <a:ext cx="380803" cy="89334"/>
+          </a:xfrm>
+          <a:prstGeom prst="rect">
+            <a:avLst/>
+          </a:prstGeom>
+          <a:solidFill>
+            <a:srgbClr val="9D8E6D"/>
+          </a:solidFill>
+          <a:ln>
+            <a:noFill/>
+          </a:ln>
+        </p:spPr>
+        <p:style>
+          <a:lnRef idx="2">
+            <a:schemeClr val="accent1">
+              <a:shade val="50000"/>
+            </a:schemeClr>
+          </a:lnRef>
+          <a:fillRef idx="1">
+            <a:schemeClr val="accent1"/>
+          </a:fillRef>
+          <a:effectRef idx="0">
+            <a:schemeClr val="accent1"/>
+          </a:effectRef>
+          <a:fontRef idx="minor">
+            <a:schemeClr val="lt1"/>
+          </a:fontRef>
+        </p:style>
+        <p:txBody>
+          <a:bodyPr rtlCol="0" anchor="ctr"/>
+          <a:lstStyle/>
+          <a:p>
+            <a:pPr algn="ctr"/>
+            <a:endParaRPr lang="it-IT"/>
+          </a:p>
+        </p:txBody>
+      </p:sp>
+      <p:sp>
+        <p:nvSpPr>
+          <p:cNvPr id="49" name="Rettangolo 48"/>
+          <p:cNvSpPr/>
+          <p:nvPr/>
+        </p:nvSpPr>
+        <p:spPr>
+          <a:xfrm>
+            <a:off x="4489092" y="1258967"/>
+            <a:ext cx="380803" cy="89334"/>
+          </a:xfrm>
+          <a:prstGeom prst="rect">
+            <a:avLst/>
+          </a:prstGeom>
+          <a:solidFill>
+            <a:srgbClr val="9D8E6D"/>
+          </a:solidFill>
+          <a:ln>
+            <a:noFill/>
+          </a:ln>
+        </p:spPr>
+        <p:style>
+          <a:lnRef idx="2">
+            <a:schemeClr val="accent1">
+              <a:shade val="50000"/>
+            </a:schemeClr>
+          </a:lnRef>
+          <a:fillRef idx="1">
+            <a:schemeClr val="accent1"/>
+          </a:fillRef>
+          <a:effectRef idx="0">
+            <a:schemeClr val="accent1"/>
+          </a:effectRef>
+          <a:fontRef idx="minor">
+            <a:schemeClr val="lt1"/>
+          </a:fontRef>
+        </p:style>
+        <p:txBody>
+          <a:bodyPr rtlCol="0" anchor="ctr"/>
+          <a:lstStyle/>
+          <a:p>
+            <a:pPr algn="ctr"/>
+            <a:endParaRPr lang="it-IT"/>
+          </a:p>
+        </p:txBody>
+      </p:sp>
+      <p:sp>
+        <p:nvSpPr>
+          <p:cNvPr id="50" name="Rettangolo 49"/>
+          <p:cNvSpPr/>
+          <p:nvPr/>
+        </p:nvSpPr>
+        <p:spPr>
+          <a:xfrm>
+            <a:off x="5221051" y="1258967"/>
+            <a:ext cx="380803" cy="89334"/>
+          </a:xfrm>
+          <a:prstGeom prst="rect">
+            <a:avLst/>
+          </a:prstGeom>
+          <a:solidFill>
+            <a:srgbClr val="9D8E6D"/>
+          </a:solidFill>
+          <a:ln>
+            <a:noFill/>
+          </a:ln>
+        </p:spPr>
+        <p:style>
+          <a:lnRef idx="2">
+            <a:schemeClr val="accent1">
+              <a:shade val="50000"/>
+            </a:schemeClr>
+          </a:lnRef>
+          <a:fillRef idx="1">
+            <a:schemeClr val="accent1"/>
+          </a:fillRef>
+          <a:effectRef idx="0">
+            <a:schemeClr val="accent1"/>
+          </a:effectRef>
+          <a:fontRef idx="minor">
+            <a:schemeClr val="lt1"/>
+          </a:fontRef>
+        </p:style>
+        <p:txBody>
+          <a:bodyPr rtlCol="0" anchor="ctr"/>
+          <a:lstStyle/>
+          <a:p>
+            <a:pPr algn="ctr"/>
+            <a:endParaRPr lang="it-IT"/>
+          </a:p>
+        </p:txBody>
+      </p:sp>
+      <p:sp>
+        <p:nvSpPr>
+          <p:cNvPr id="51" name="Rettangolo 50"/>
+          <p:cNvSpPr/>
+          <p:nvPr/>
+        </p:nvSpPr>
+        <p:spPr>
+          <a:xfrm>
+            <a:off x="3060636" y="1387262"/>
+            <a:ext cx="286103" cy="1558840"/>
+          </a:xfrm>
+          <a:prstGeom prst="rect">
+            <a:avLst/>
+          </a:prstGeom>
+          <a:solidFill>
+            <a:srgbClr val="9D8E6D"/>
+          </a:solidFill>
+          <a:ln>
+            <a:noFill/>
+          </a:ln>
+        </p:spPr>
+        <p:style>
+          <a:lnRef idx="2">
+            <a:schemeClr val="accent1">
+              <a:shade val="50000"/>
+            </a:schemeClr>
+          </a:lnRef>
+          <a:fillRef idx="1">
+            <a:schemeClr val="accent1"/>
+          </a:fillRef>
+          <a:effectRef idx="0">
+            <a:schemeClr val="accent1"/>
+          </a:effectRef>
+          <a:fontRef idx="minor">
+            <a:schemeClr val="lt1"/>
+          </a:fontRef>
+        </p:style>
+        <p:txBody>
+          <a:bodyPr rtlCol="0" anchor="ctr"/>
+          <a:lstStyle/>
+          <a:p>
+            <a:pPr algn="ctr"/>
+            <a:endParaRPr lang="it-IT"/>
+          </a:p>
+        </p:txBody>
+      </p:sp>
+      <p:sp>
+        <p:nvSpPr>
+          <p:cNvPr id="52" name="Rettangolo 51"/>
+          <p:cNvSpPr/>
+          <p:nvPr/>
+        </p:nvSpPr>
+        <p:spPr>
+          <a:xfrm>
+            <a:off x="3805683" y="1393109"/>
+            <a:ext cx="286103" cy="1558840"/>
+          </a:xfrm>
+          <a:prstGeom prst="rect">
+            <a:avLst/>
+          </a:prstGeom>
+          <a:solidFill>
+            <a:srgbClr val="9D8E6D"/>
+          </a:solidFill>
+          <a:ln>
+            <a:noFill/>
+          </a:ln>
+        </p:spPr>
+        <p:style>
+          <a:lnRef idx="2">
+            <a:schemeClr val="accent1">
+              <a:shade val="50000"/>
+            </a:schemeClr>
+          </a:lnRef>
+          <a:fillRef idx="1">
+            <a:schemeClr val="accent1"/>
+          </a:fillRef>
+          <a:effectRef idx="0">
+            <a:schemeClr val="accent1"/>
+          </a:effectRef>
+          <a:fontRef idx="minor">
+            <a:schemeClr val="lt1"/>
+          </a:fontRef>
+        </p:style>
+        <p:txBody>
+          <a:bodyPr rtlCol="0" anchor="ctr"/>
+          <a:lstStyle/>
+          <a:p>
+            <a:pPr algn="ctr"/>
+            <a:endParaRPr lang="it-IT"/>
+          </a:p>
+        </p:txBody>
+      </p:sp>
+      <p:sp>
+        <p:nvSpPr>
+          <p:cNvPr id="53" name="Rettangolo 52"/>
+          <p:cNvSpPr/>
+          <p:nvPr/>
+        </p:nvSpPr>
+        <p:spPr>
+          <a:xfrm>
+            <a:off x="4536271" y="1393109"/>
+            <a:ext cx="286103" cy="1558840"/>
+          </a:xfrm>
+          <a:prstGeom prst="rect">
+            <a:avLst/>
+          </a:prstGeom>
+          <a:solidFill>
+            <a:srgbClr val="9D8E6D"/>
+          </a:solidFill>
+          <a:ln>
+            <a:noFill/>
+          </a:ln>
+        </p:spPr>
+        <p:style>
+          <a:lnRef idx="2">
+            <a:schemeClr val="accent1">
+              <a:shade val="50000"/>
+            </a:schemeClr>
+          </a:lnRef>
+          <a:fillRef idx="1">
+            <a:schemeClr val="accent1"/>
+          </a:fillRef>
+          <a:effectRef idx="0">
+            <a:schemeClr val="accent1"/>
+          </a:effectRef>
+          <a:fontRef idx="minor">
+            <a:schemeClr val="lt1"/>
+          </a:fontRef>
+        </p:style>
+        <p:txBody>
+          <a:bodyPr rtlCol="0" anchor="ctr"/>
+          <a:lstStyle/>
+          <a:p>
+            <a:pPr algn="ctr"/>
+            <a:endParaRPr lang="it-IT"/>
+          </a:p>
+        </p:txBody>
+      </p:sp>
+      <p:sp>
+        <p:nvSpPr>
+          <p:cNvPr id="54" name="Rettangolo 53"/>
+          <p:cNvSpPr/>
+          <p:nvPr/>
+        </p:nvSpPr>
+        <p:spPr>
+          <a:xfrm>
+            <a:off x="5272265" y="1393109"/>
+            <a:ext cx="286103" cy="1558840"/>
+          </a:xfrm>
+          <a:prstGeom prst="rect">
+            <a:avLst/>
+          </a:prstGeom>
+          <a:solidFill>
+            <a:srgbClr val="9D8E6D"/>
+          </a:solidFill>
+          <a:ln>
+            <a:noFill/>
+          </a:ln>
+        </p:spPr>
+        <p:style>
+          <a:lnRef idx="2">
+            <a:schemeClr val="accent1">
+              <a:shade val="50000"/>
+            </a:schemeClr>
+          </a:lnRef>
+          <a:fillRef idx="1">
+            <a:schemeClr val="accent1"/>
+          </a:fillRef>
+          <a:effectRef idx="0">
+            <a:schemeClr val="accent1"/>
+          </a:effectRef>
+          <a:fontRef idx="minor">
+            <a:schemeClr val="lt1"/>
+          </a:fontRef>
+        </p:style>
+        <p:txBody>
+          <a:bodyPr rtlCol="0" anchor="ctr"/>
+          <a:lstStyle/>
+          <a:p>
+            <a:pPr algn="ctr"/>
+            <a:endParaRPr lang="it-IT"/>
+          </a:p>
+        </p:txBody>
+      </p:sp>
+      <p:sp>
+        <p:nvSpPr>
+          <p:cNvPr id="4" name="Ovale 3"/>
+          <p:cNvSpPr/>
+          <p:nvPr/>
+        </p:nvSpPr>
+        <p:spPr>
+          <a:xfrm>
+            <a:off x="4113888" y="2697326"/>
+            <a:ext cx="365980" cy="432356"/>
+          </a:xfrm>
+          <a:prstGeom prst="ellipse">
+            <a:avLst/>
+          </a:prstGeom>
           <a:noFill/>
+          <a:ln w="76200"/>
         </p:spPr>
-        <p:txBody>
-          <a:bodyPr wrap="none" rtlCol="0">
-            <a:spAutoFit/>
-          </a:bodyPr>
+        <p:style>
+          <a:lnRef idx="2">
+            <a:schemeClr val="accent1">
+              <a:shade val="50000"/>
+            </a:schemeClr>
+          </a:lnRef>
+          <a:fillRef idx="1">
+            <a:schemeClr val="accent1"/>
+          </a:fillRef>
+          <a:effectRef idx="0">
+            <a:schemeClr val="accent1"/>
+          </a:effectRef>
+          <a:fontRef idx="minor">
+            <a:schemeClr val="lt1"/>
+          </a:fontRef>
+        </p:style>
+        <p:txBody>
+          <a:bodyPr rtlCol="0" anchor="ctr"/>
           <a:lstStyle/>
           <a:p>
-            <a:r>
-              <a:rPr lang="it-IT" sz="4400" dirty="0" smtClean="0">
-                <a:solidFill>
-                  <a:schemeClr val="accent1">
-                    <a:lumMod val="75000"/>
-                  </a:schemeClr>
-                </a:solidFill>
-                <a:latin typeface="Times New Roman" pitchFamily="18" charset="0"/>
-                <a:cs typeface="Times New Roman" pitchFamily="18" charset="0"/>
-              </a:rPr>
-              <a:t>Richiedi un parere GRATUITO!!!</a:t>
-            </a:r>
-            <a:endParaRPr lang="it-IT" sz="4400" dirty="0">
-              <a:solidFill>
-                <a:schemeClr val="accent1">
-                  <a:lumMod val="75000"/>
-                </a:schemeClr>
-              </a:solidFill>
-              <a:latin typeface="Times New Roman" pitchFamily="18" charset="0"/>
-              <a:cs typeface="Times New Roman" pitchFamily="18" charset="0"/>
-            </a:endParaRPr>
+            <a:pPr algn="ctr"/>
+            <a:endParaRPr lang="it-IT"/>
+          </a:p>
+        </p:txBody>
+      </p:sp>
+      <p:sp>
+        <p:nvSpPr>
+          <p:cNvPr id="8" name="Ovale 7"/>
+          <p:cNvSpPr/>
+          <p:nvPr/>
+        </p:nvSpPr>
+        <p:spPr>
+          <a:xfrm>
+            <a:off x="4130524" y="2749943"/>
+            <a:ext cx="332709" cy="432356"/>
+          </a:xfrm>
+          <a:prstGeom prst="ellipse">
+            <a:avLst/>
+          </a:prstGeom>
+          <a:noFill/>
+          <a:ln w="76200"/>
+        </p:spPr>
+        <p:style>
+          <a:lnRef idx="2">
+            <a:schemeClr val="accent1">
+              <a:shade val="50000"/>
+            </a:schemeClr>
+          </a:lnRef>
+          <a:fillRef idx="1">
+            <a:schemeClr val="accent1"/>
+          </a:fillRef>
+          <a:effectRef idx="0">
+            <a:schemeClr val="accent1"/>
+          </a:effectRef>
+          <a:fontRef idx="minor">
+            <a:schemeClr val="lt1"/>
+          </a:fontRef>
+        </p:style>
+        <p:txBody>
+          <a:bodyPr rtlCol="0" anchor="ctr"/>
+          <a:lstStyle/>
+          <a:p>
+            <a:pPr algn="ctr"/>
+            <a:endParaRPr lang="it-IT"/>
+          </a:p>
+        </p:txBody>
+      </p:sp>
+      <p:sp>
+        <p:nvSpPr>
+          <p:cNvPr id="9" name="Ovale 8"/>
+          <p:cNvSpPr/>
+          <p:nvPr/>
+        </p:nvSpPr>
+        <p:spPr>
+          <a:xfrm>
+            <a:off x="4159155" y="2799696"/>
+            <a:ext cx="274966" cy="432356"/>
+          </a:xfrm>
+          <a:prstGeom prst="ellipse">
+            <a:avLst/>
+          </a:prstGeom>
+          <a:noFill/>
+          <a:ln w="76200"/>
+        </p:spPr>
+        <p:style>
+          <a:lnRef idx="2">
+            <a:schemeClr val="accent1">
+              <a:shade val="50000"/>
+            </a:schemeClr>
+          </a:lnRef>
+          <a:fillRef idx="1">
+            <a:schemeClr val="accent1"/>
+          </a:fillRef>
+          <a:effectRef idx="0">
+            <a:schemeClr val="accent1"/>
+          </a:effectRef>
+          <a:fontRef idx="minor">
+            <a:schemeClr val="lt1"/>
+          </a:fontRef>
+        </p:style>
+        <p:txBody>
+          <a:bodyPr rtlCol="0" anchor="ctr"/>
+          <a:lstStyle/>
+          <a:p>
+            <a:pPr algn="ctr"/>
+            <a:endParaRPr lang="it-IT"/>
+          </a:p>
+        </p:txBody>
+      </p:sp>
+      <p:sp>
+        <p:nvSpPr>
+          <p:cNvPr id="28" name="Rettangolo arrotondato 27"/>
+          <p:cNvSpPr/>
+          <p:nvPr/>
+        </p:nvSpPr>
+        <p:spPr>
+          <a:xfrm flipH="1">
+            <a:off x="2397013" y="2859459"/>
+            <a:ext cx="1784151" cy="162134"/>
+          </a:xfrm>
+          <a:prstGeom prst="roundRect">
+            <a:avLst>
+              <a:gd name="adj" fmla="val 50000"/>
+            </a:avLst>
+          </a:prstGeom>
+          <a:solidFill>
+            <a:srgbClr val="2A5EA0"/>
+          </a:solidFill>
+          <a:ln>
+            <a:noFill/>
+          </a:ln>
+        </p:spPr>
+        <p:style>
+          <a:lnRef idx="2">
+            <a:schemeClr val="accent1">
+              <a:shade val="50000"/>
+            </a:schemeClr>
+          </a:lnRef>
+          <a:fillRef idx="1">
+            <a:schemeClr val="accent1"/>
+          </a:fillRef>
+          <a:effectRef idx="0">
+            <a:schemeClr val="accent1"/>
+          </a:effectRef>
+          <a:fontRef idx="minor">
+            <a:schemeClr val="lt1"/>
+          </a:fontRef>
+        </p:style>
+        <p:txBody>
+          <a:bodyPr rtlCol="0" anchor="ctr"/>
+          <a:lstStyle/>
+          <a:p>
+            <a:pPr algn="ctr"/>
+            <a:endParaRPr lang="it-IT"/>
+          </a:p>
+        </p:txBody>
+      </p:sp>
+      <p:sp>
+        <p:nvSpPr>
+          <p:cNvPr id="3" name="Trapezio 2"/>
+          <p:cNvSpPr/>
+          <p:nvPr/>
+        </p:nvSpPr>
+        <p:spPr>
+          <a:xfrm rot="5570810">
+            <a:off x="3174253" y="1928269"/>
+            <a:ext cx="145791" cy="1689035"/>
+          </a:xfrm>
+          <a:prstGeom prst="trapezoid">
+            <a:avLst>
+              <a:gd name="adj" fmla="val 36786"/>
+            </a:avLst>
+          </a:prstGeom>
+          <a:solidFill>
+            <a:srgbClr val="2A5EA0"/>
+          </a:solidFill>
+          <a:ln>
+            <a:noFill/>
+          </a:ln>
+        </p:spPr>
+        <p:style>
+          <a:lnRef idx="2">
+            <a:schemeClr val="accent1">
+              <a:shade val="50000"/>
+            </a:schemeClr>
+          </a:lnRef>
+          <a:fillRef idx="1">
+            <a:schemeClr val="accent1"/>
+          </a:fillRef>
+          <a:effectRef idx="0">
+            <a:schemeClr val="accent1"/>
+          </a:effectRef>
+          <a:fontRef idx="minor">
+            <a:schemeClr val="lt1"/>
+          </a:fontRef>
+        </p:style>
+        <p:txBody>
+          <a:bodyPr rtlCol="0" anchor="ctr"/>
+          <a:lstStyle/>
+          <a:p>
+            <a:pPr algn="ctr"/>
+            <a:endParaRPr lang="it-IT"/>
+          </a:p>
+        </p:txBody>
+      </p:sp>
+      <p:sp>
+        <p:nvSpPr>
+          <p:cNvPr id="21" name="Trapezio 20"/>
+          <p:cNvSpPr/>
+          <p:nvPr/>
+        </p:nvSpPr>
+        <p:spPr>
+          <a:xfrm rot="5834061">
+            <a:off x="3158275" y="1773331"/>
+            <a:ext cx="194047" cy="1705864"/>
+          </a:xfrm>
+          <a:prstGeom prst="trapezoid">
+            <a:avLst>
+              <a:gd name="adj" fmla="val 36786"/>
+            </a:avLst>
+          </a:prstGeom>
+          <a:solidFill>
+            <a:srgbClr val="2A5EA0"/>
+          </a:solidFill>
+          <a:ln>
+            <a:noFill/>
+          </a:ln>
+        </p:spPr>
+        <p:style>
+          <a:lnRef idx="2">
+            <a:schemeClr val="accent1">
+              <a:shade val="50000"/>
+            </a:schemeClr>
+          </a:lnRef>
+          <a:fillRef idx="1">
+            <a:schemeClr val="accent1"/>
+          </a:fillRef>
+          <a:effectRef idx="0">
+            <a:schemeClr val="accent1"/>
+          </a:effectRef>
+          <a:fontRef idx="minor">
+            <a:schemeClr val="lt1"/>
+          </a:fontRef>
+        </p:style>
+        <p:txBody>
+          <a:bodyPr rtlCol="0" anchor="ctr"/>
+          <a:lstStyle/>
+          <a:p>
+            <a:pPr algn="ctr"/>
+            <a:endParaRPr lang="it-IT"/>
+          </a:p>
+        </p:txBody>
+      </p:sp>
+      <p:sp>
+        <p:nvSpPr>
+          <p:cNvPr id="35" name="Trapezio 34"/>
+          <p:cNvSpPr/>
+          <p:nvPr/>
+        </p:nvSpPr>
+        <p:spPr>
+          <a:xfrm rot="6155846">
+            <a:off x="3152792" y="1592533"/>
+            <a:ext cx="258277" cy="1724691"/>
+          </a:xfrm>
+          <a:prstGeom prst="trapezoid">
+            <a:avLst>
+              <a:gd name="adj" fmla="val 36786"/>
+            </a:avLst>
+          </a:prstGeom>
+          <a:solidFill>
+            <a:srgbClr val="2A5EA0"/>
+          </a:solidFill>
+          <a:ln>
+            <a:noFill/>
+          </a:ln>
+        </p:spPr>
+        <p:style>
+          <a:lnRef idx="2">
+            <a:schemeClr val="accent1">
+              <a:shade val="50000"/>
+            </a:schemeClr>
+          </a:lnRef>
+          <a:fillRef idx="1">
+            <a:schemeClr val="accent1"/>
+          </a:fillRef>
+          <a:effectRef idx="0">
+            <a:schemeClr val="accent1"/>
+          </a:effectRef>
+          <a:fontRef idx="minor">
+            <a:schemeClr val="lt1"/>
+          </a:fontRef>
+        </p:style>
+        <p:txBody>
+          <a:bodyPr rtlCol="0" anchor="ctr"/>
+          <a:lstStyle/>
+          <a:p>
+            <a:pPr algn="ctr"/>
+            <a:endParaRPr lang="it-IT"/>
+          </a:p>
+        </p:txBody>
+      </p:sp>
+      <p:sp>
+        <p:nvSpPr>
+          <p:cNvPr id="37" name="Arco 36"/>
+          <p:cNvSpPr/>
+          <p:nvPr/>
+        </p:nvSpPr>
+        <p:spPr>
+          <a:xfrm rot="1173154">
+            <a:off x="1778886" y="2174702"/>
+            <a:ext cx="2969781" cy="1176751"/>
+          </a:xfrm>
+          <a:prstGeom prst="arc">
+            <a:avLst>
+              <a:gd name="adj1" fmla="val 12078486"/>
+              <a:gd name="adj2" fmla="val 20049450"/>
+            </a:avLst>
+          </a:prstGeom>
+          <a:noFill/>
+          <a:ln w="76200">
+            <a:solidFill>
+              <a:srgbClr val="2A5EA0"/>
+            </a:solidFill>
+          </a:ln>
+        </p:spPr>
+        <p:style>
+          <a:lnRef idx="1">
+            <a:schemeClr val="accent1"/>
+          </a:lnRef>
+          <a:fillRef idx="0">
+            <a:schemeClr val="accent1"/>
+          </a:fillRef>
+          <a:effectRef idx="0">
+            <a:schemeClr val="accent1"/>
+          </a:effectRef>
+          <a:fontRef idx="minor">
+            <a:schemeClr val="tx1"/>
+          </a:fontRef>
+        </p:style>
+        <p:txBody>
+          <a:bodyPr rtlCol="0" anchor="ctr"/>
+          <a:lstStyle/>
+          <a:p>
+            <a:pPr algn="ctr"/>
+            <a:endParaRPr lang="it-IT"/>
+          </a:p>
+        </p:txBody>
+      </p:sp>
+      <p:sp>
+        <p:nvSpPr>
+          <p:cNvPr id="39" name="Rettangolo arrotondato 38"/>
+          <p:cNvSpPr/>
+          <p:nvPr/>
+        </p:nvSpPr>
+        <p:spPr>
+          <a:xfrm>
+            <a:off x="4426385" y="2872793"/>
+            <a:ext cx="1784864" cy="162134"/>
+          </a:xfrm>
+          <a:prstGeom prst="roundRect">
+            <a:avLst>
+              <a:gd name="adj" fmla="val 50000"/>
+            </a:avLst>
+          </a:prstGeom>
+          <a:solidFill>
+            <a:srgbClr val="2A5EA0"/>
+          </a:solidFill>
+          <a:ln>
+            <a:noFill/>
+          </a:ln>
+        </p:spPr>
+        <p:style>
+          <a:lnRef idx="2">
+            <a:schemeClr val="accent1">
+              <a:shade val="50000"/>
+            </a:schemeClr>
+          </a:lnRef>
+          <a:fillRef idx="1">
+            <a:schemeClr val="accent1"/>
+          </a:fillRef>
+          <a:effectRef idx="0">
+            <a:schemeClr val="accent1"/>
+          </a:effectRef>
+          <a:fontRef idx="minor">
+            <a:schemeClr val="lt1"/>
+          </a:fontRef>
+        </p:style>
+        <p:txBody>
+          <a:bodyPr rtlCol="0" anchor="ctr"/>
+          <a:lstStyle/>
+          <a:p>
+            <a:pPr algn="ctr"/>
+            <a:endParaRPr lang="it-IT"/>
+          </a:p>
+        </p:txBody>
+      </p:sp>
+      <p:sp>
+        <p:nvSpPr>
+          <p:cNvPr id="40" name="Trapezio 39"/>
+          <p:cNvSpPr/>
+          <p:nvPr/>
+        </p:nvSpPr>
+        <p:spPr>
+          <a:xfrm rot="16029190" flipH="1">
+            <a:off x="5287879" y="1941266"/>
+            <a:ext cx="145791" cy="1689710"/>
+          </a:xfrm>
+          <a:prstGeom prst="trapezoid">
+            <a:avLst>
+              <a:gd name="adj" fmla="val 36786"/>
+            </a:avLst>
+          </a:prstGeom>
+          <a:solidFill>
+            <a:srgbClr val="2A5EA0"/>
+          </a:solidFill>
+          <a:ln>
+            <a:noFill/>
+          </a:ln>
+        </p:spPr>
+        <p:style>
+          <a:lnRef idx="2">
+            <a:schemeClr val="accent1">
+              <a:shade val="50000"/>
+            </a:schemeClr>
+          </a:lnRef>
+          <a:fillRef idx="1">
+            <a:schemeClr val="accent1"/>
+          </a:fillRef>
+          <a:effectRef idx="0">
+            <a:schemeClr val="accent1"/>
+          </a:effectRef>
+          <a:fontRef idx="minor">
+            <a:schemeClr val="lt1"/>
+          </a:fontRef>
+        </p:style>
+        <p:txBody>
+          <a:bodyPr rtlCol="0" anchor="ctr"/>
+          <a:lstStyle/>
+          <a:p>
+            <a:pPr algn="ctr"/>
+            <a:endParaRPr lang="it-IT"/>
+          </a:p>
+        </p:txBody>
+      </p:sp>
+      <p:sp>
+        <p:nvSpPr>
+          <p:cNvPr id="41" name="Trapezio 40"/>
+          <p:cNvSpPr/>
+          <p:nvPr/>
+        </p:nvSpPr>
+        <p:spPr>
+          <a:xfrm rot="15765939" flipH="1">
+            <a:off x="5255597" y="1786324"/>
+            <a:ext cx="194047" cy="1706546"/>
+          </a:xfrm>
+          <a:prstGeom prst="trapezoid">
+            <a:avLst>
+              <a:gd name="adj" fmla="val 36786"/>
+            </a:avLst>
+          </a:prstGeom>
+          <a:solidFill>
+            <a:srgbClr val="2A5EA0"/>
+          </a:solidFill>
+          <a:ln>
+            <a:noFill/>
+          </a:ln>
+        </p:spPr>
+        <p:style>
+          <a:lnRef idx="2">
+            <a:schemeClr val="accent1">
+              <a:shade val="50000"/>
+            </a:schemeClr>
+          </a:lnRef>
+          <a:fillRef idx="1">
+            <a:schemeClr val="accent1"/>
+          </a:fillRef>
+          <a:effectRef idx="0">
+            <a:schemeClr val="accent1"/>
+          </a:effectRef>
+          <a:fontRef idx="minor">
+            <a:schemeClr val="lt1"/>
+          </a:fontRef>
+        </p:style>
+        <p:txBody>
+          <a:bodyPr rtlCol="0" anchor="ctr"/>
+          <a:lstStyle/>
+          <a:p>
+            <a:pPr algn="ctr"/>
+            <a:endParaRPr lang="it-IT"/>
+          </a:p>
+        </p:txBody>
+      </p:sp>
+      <p:sp>
+        <p:nvSpPr>
+          <p:cNvPr id="42" name="Trapezio 41"/>
+          <p:cNvSpPr/>
+          <p:nvPr/>
+        </p:nvSpPr>
+        <p:spPr>
+          <a:xfrm rot="15444154" flipH="1">
+            <a:off x="5196839" y="1605522"/>
+            <a:ext cx="258277" cy="1725380"/>
+          </a:xfrm>
+          <a:prstGeom prst="trapezoid">
+            <a:avLst>
+              <a:gd name="adj" fmla="val 36786"/>
+            </a:avLst>
+          </a:prstGeom>
+          <a:solidFill>
+            <a:srgbClr val="2A5EA0"/>
+          </a:solidFill>
+          <a:ln>
+            <a:noFill/>
+          </a:ln>
+        </p:spPr>
+        <p:style>
+          <a:lnRef idx="2">
+            <a:schemeClr val="accent1">
+              <a:shade val="50000"/>
+            </a:schemeClr>
+          </a:lnRef>
+          <a:fillRef idx="1">
+            <a:schemeClr val="accent1"/>
+          </a:fillRef>
+          <a:effectRef idx="0">
+            <a:schemeClr val="accent1"/>
+          </a:effectRef>
+          <a:fontRef idx="minor">
+            <a:schemeClr val="lt1"/>
+          </a:fontRef>
+        </p:style>
+        <p:txBody>
+          <a:bodyPr rtlCol="0" anchor="ctr"/>
+          <a:lstStyle/>
+          <a:p>
+            <a:pPr algn="ctr"/>
+            <a:endParaRPr lang="it-IT"/>
+          </a:p>
+        </p:txBody>
+      </p:sp>
+      <p:sp>
+        <p:nvSpPr>
+          <p:cNvPr id="43" name="Arco 42"/>
+          <p:cNvSpPr/>
+          <p:nvPr/>
+        </p:nvSpPr>
+        <p:spPr>
+          <a:xfrm rot="20426846" flipH="1">
+            <a:off x="3858655" y="2188036"/>
+            <a:ext cx="2970968" cy="1176751"/>
+          </a:xfrm>
+          <a:prstGeom prst="arc">
+            <a:avLst>
+              <a:gd name="adj1" fmla="val 12078486"/>
+              <a:gd name="adj2" fmla="val 20022949"/>
+            </a:avLst>
+          </a:prstGeom>
+          <a:noFill/>
+          <a:ln w="76200">
+            <a:solidFill>
+              <a:srgbClr val="2A5EA0"/>
+            </a:solidFill>
+          </a:ln>
+        </p:spPr>
+        <p:style>
+          <a:lnRef idx="1">
+            <a:schemeClr val="accent1"/>
+          </a:lnRef>
+          <a:fillRef idx="0">
+            <a:schemeClr val="accent1"/>
+          </a:fillRef>
+          <a:effectRef idx="0">
+            <a:schemeClr val="accent1"/>
+          </a:effectRef>
+          <a:fontRef idx="minor">
+            <a:schemeClr val="tx1"/>
+          </a:fontRef>
+        </p:style>
+        <p:txBody>
+          <a:bodyPr rtlCol="0" anchor="ctr"/>
+          <a:lstStyle/>
+          <a:p>
+            <a:pPr algn="ctr"/>
+            <a:endParaRPr lang="it-IT"/>
+          </a:p>
+        </p:txBody>
+      </p:sp>
+      <p:sp>
+        <p:nvSpPr>
+          <p:cNvPr id="12" name="Rettangolo 11"/>
+          <p:cNvSpPr/>
+          <p:nvPr/>
+        </p:nvSpPr>
+        <p:spPr>
+          <a:xfrm>
+            <a:off x="2416503" y="3015863"/>
+            <a:ext cx="3847517" cy="352339"/>
+          </a:xfrm>
+          <a:prstGeom prst="rect">
+            <a:avLst/>
+          </a:prstGeom>
+          <a:solidFill>
+            <a:schemeClr val="bg1"/>
+          </a:solidFill>
+          <a:ln>
+            <a:noFill/>
+          </a:ln>
+        </p:spPr>
+        <p:style>
+          <a:lnRef idx="2">
+            <a:schemeClr val="accent1">
+              <a:shade val="50000"/>
+            </a:schemeClr>
+          </a:lnRef>
+          <a:fillRef idx="1">
+            <a:schemeClr val="accent1"/>
+          </a:fillRef>
+          <a:effectRef idx="0">
+            <a:schemeClr val="accent1"/>
+          </a:effectRef>
+          <a:fontRef idx="minor">
+            <a:schemeClr val="lt1"/>
+          </a:fontRef>
+        </p:style>
+        <p:txBody>
+          <a:bodyPr rtlCol="0" anchor="ctr"/>
+          <a:lstStyle/>
+          <a:p>
+            <a:pPr algn="ctr"/>
+            <a:endParaRPr lang="it-IT"/>
           </a:p>
         </p:txBody>
       </p:sp>
     </p:spTree>
     <p:extLst>
       <p:ext uri="{BB962C8B-B14F-4D97-AF65-F5344CB8AC3E}">
-        <p14:creationId xmlns:p14="http://schemas.microsoft.com/office/powerpoint/2010/main" val="2185659425"/>
+        <p14:creationId xmlns:p14="http://schemas.microsoft.com/office/powerpoint/2010/main" val="3170146078"/>
       </p:ext>
     </p:extLst>
   </p:cSld>
